--- a/docs/大輪講.pptx
+++ b/docs/大輪講.pptx
@@ -5,20 +5,18 @@
     <p:sldMasterId id="2147483648" r:id="rId1"/>
   </p:sldMasterIdLst>
   <p:notesMasterIdLst>
-    <p:notesMasterId r:id="rId13"/>
+    <p:notesMasterId r:id="rId11"/>
   </p:notesMasterIdLst>
   <p:sldIdLst>
     <p:sldId id="256" r:id="rId2"/>
     <p:sldId id="330" r:id="rId3"/>
-    <p:sldId id="326" r:id="rId4"/>
-    <p:sldId id="333" r:id="rId5"/>
-    <p:sldId id="331" r:id="rId6"/>
-    <p:sldId id="334" r:id="rId7"/>
-    <p:sldId id="327" r:id="rId8"/>
-    <p:sldId id="332" r:id="rId9"/>
-    <p:sldId id="338" r:id="rId10"/>
-    <p:sldId id="336" r:id="rId11"/>
-    <p:sldId id="335" r:id="rId12"/>
+    <p:sldId id="333" r:id="rId4"/>
+    <p:sldId id="334" r:id="rId5"/>
+    <p:sldId id="327" r:id="rId6"/>
+    <p:sldId id="332" r:id="rId7"/>
+    <p:sldId id="338" r:id="rId8"/>
+    <p:sldId id="336" r:id="rId9"/>
+    <p:sldId id="335" r:id="rId10"/>
   </p:sldIdLst>
   <p:sldSz cx="9144000" cy="6858000" type="screen4x3"/>
   <p:notesSz cx="6858000" cy="9144000"/>
@@ -748,7 +746,7 @@
     </p:spTree>
     <p:extLst>
       <p:ext uri="{BB962C8B-B14F-4D97-AF65-F5344CB8AC3E}">
-        <p14:creationId xmlns:p14="http://schemas.microsoft.com/office/powerpoint/2010/main" val="2820227862"/>
+        <p14:creationId xmlns:p14="http://schemas.microsoft.com/office/powerpoint/2010/main" val="2330086741"/>
       </p:ext>
     </p:extLst>
   </p:cSld>
@@ -832,7 +830,7 @@
     </p:spTree>
     <p:extLst>
       <p:ext uri="{BB962C8B-B14F-4D97-AF65-F5344CB8AC3E}">
-        <p14:creationId xmlns:p14="http://schemas.microsoft.com/office/powerpoint/2010/main" val="2330086741"/>
+        <p14:creationId xmlns:p14="http://schemas.microsoft.com/office/powerpoint/2010/main" val="3528055872"/>
       </p:ext>
     </p:extLst>
   </p:cSld>
@@ -907,7 +905,7 @@
           <a:p>
             <a:fld id="{EAA3EE7C-6BE9-AF47-A02D-EA93943F487C}" type="slidenum">
               <a:rPr kumimoji="1" lang="ja-JP" altLang="en-US" smtClean="0"/>
-              <a:t>5</a:t>
+              <a:t>6</a:t>
             </a:fld>
             <a:endParaRPr kumimoji="1" lang="ja-JP" altLang="en-US"/>
           </a:p>
@@ -916,7 +914,7 @@
     </p:spTree>
     <p:extLst>
       <p:ext uri="{BB962C8B-B14F-4D97-AF65-F5344CB8AC3E}">
-        <p14:creationId xmlns:p14="http://schemas.microsoft.com/office/powerpoint/2010/main" val="1908234268"/>
+        <p14:creationId xmlns:p14="http://schemas.microsoft.com/office/powerpoint/2010/main" val="4014126029"/>
       </p:ext>
     </p:extLst>
   </p:cSld>
@@ -991,7 +989,7 @@
           <a:p>
             <a:fld id="{EAA3EE7C-6BE9-AF47-A02D-EA93943F487C}" type="slidenum">
               <a:rPr kumimoji="1" lang="ja-JP" altLang="en-US" smtClean="0"/>
-              <a:t>6</a:t>
+              <a:t>7</a:t>
             </a:fld>
             <a:endParaRPr kumimoji="1" lang="ja-JP" altLang="en-US"/>
           </a:p>
@@ -1000,7 +998,7 @@
     </p:spTree>
     <p:extLst>
       <p:ext uri="{BB962C8B-B14F-4D97-AF65-F5344CB8AC3E}">
-        <p14:creationId xmlns:p14="http://schemas.microsoft.com/office/powerpoint/2010/main" val="3528055872"/>
+        <p14:creationId xmlns:p14="http://schemas.microsoft.com/office/powerpoint/2010/main" val="4254298060"/>
       </p:ext>
     </p:extLst>
   </p:cSld>
@@ -1075,175 +1073,7 @@
           <a:p>
             <a:fld id="{EAA3EE7C-6BE9-AF47-A02D-EA93943F487C}" type="slidenum">
               <a:rPr kumimoji="1" lang="ja-JP" altLang="en-US" smtClean="0"/>
-              <a:t>8</a:t>
-            </a:fld>
-            <a:endParaRPr kumimoji="1" lang="ja-JP" altLang="en-US"/>
-          </a:p>
-        </p:txBody>
-      </p:sp>
-    </p:spTree>
-    <p:extLst>
-      <p:ext uri="{BB962C8B-B14F-4D97-AF65-F5344CB8AC3E}">
-        <p14:creationId xmlns:p14="http://schemas.microsoft.com/office/powerpoint/2010/main" val="4014126029"/>
-      </p:ext>
-    </p:extLst>
-  </p:cSld>
-  <p:clrMapOvr>
-    <a:masterClrMapping/>
-  </p:clrMapOvr>
-</p:notes>
-</file>
-
-<file path=ppt/notesSlides/notesSlide8.xml><?xml version="1.0" encoding="utf-8"?>
-<p:notes xmlns:a="http://schemas.openxmlformats.org/drawingml/2006/main" xmlns:r="http://schemas.openxmlformats.org/officeDocument/2006/relationships" xmlns:p="http://schemas.openxmlformats.org/presentationml/2006/main">
-  <p:cSld>
-    <p:spTree>
-      <p:nvGrpSpPr>
-        <p:cNvPr id="1" name=""/>
-        <p:cNvGrpSpPr/>
-        <p:nvPr/>
-      </p:nvGrpSpPr>
-      <p:grpSpPr>
-        <a:xfrm>
-          <a:off x="0" y="0"/>
-          <a:ext cx="0" cy="0"/>
-          <a:chOff x="0" y="0"/>
-          <a:chExt cx="0" cy="0"/>
-        </a:xfrm>
-      </p:grpSpPr>
-      <p:sp>
-        <p:nvSpPr>
-          <p:cNvPr id="2" name="スライド イメージ プレースホルダー 1"/>
-          <p:cNvSpPr>
-            <a:spLocks noGrp="1" noRot="1" noChangeAspect="1"/>
-          </p:cNvSpPr>
-          <p:nvPr>
-            <p:ph type="sldImg"/>
-          </p:nvPr>
-        </p:nvSpPr>
-        <p:spPr/>
-      </p:sp>
-      <p:sp>
-        <p:nvSpPr>
-          <p:cNvPr id="3" name="ノート プレースホルダー 2"/>
-          <p:cNvSpPr>
-            <a:spLocks noGrp="1"/>
-          </p:cNvSpPr>
-          <p:nvPr>
-            <p:ph type="body" idx="1"/>
-          </p:nvPr>
-        </p:nvSpPr>
-        <p:spPr/>
-        <p:txBody>
-          <a:bodyPr/>
-          <a:lstStyle/>
-          <a:p>
-            <a:endParaRPr kumimoji="1" lang="ja-JP" altLang="en-US"/>
-          </a:p>
-        </p:txBody>
-      </p:sp>
-      <p:sp>
-        <p:nvSpPr>
-          <p:cNvPr id="4" name="スライド番号プレースホルダー 3"/>
-          <p:cNvSpPr>
-            <a:spLocks noGrp="1"/>
-          </p:cNvSpPr>
-          <p:nvPr>
-            <p:ph type="sldNum" sz="quarter" idx="5"/>
-          </p:nvPr>
-        </p:nvSpPr>
-        <p:spPr/>
-        <p:txBody>
-          <a:bodyPr/>
-          <a:lstStyle/>
-          <a:p>
-            <a:fld id="{EAA3EE7C-6BE9-AF47-A02D-EA93943F487C}" type="slidenum">
-              <a:rPr kumimoji="1" lang="ja-JP" altLang="en-US" smtClean="0"/>
               <a:t>9</a:t>
-            </a:fld>
-            <a:endParaRPr kumimoji="1" lang="ja-JP" altLang="en-US"/>
-          </a:p>
-        </p:txBody>
-      </p:sp>
-    </p:spTree>
-    <p:extLst>
-      <p:ext uri="{BB962C8B-B14F-4D97-AF65-F5344CB8AC3E}">
-        <p14:creationId xmlns:p14="http://schemas.microsoft.com/office/powerpoint/2010/main" val="4254298060"/>
-      </p:ext>
-    </p:extLst>
-  </p:cSld>
-  <p:clrMapOvr>
-    <a:masterClrMapping/>
-  </p:clrMapOvr>
-</p:notes>
-</file>
-
-<file path=ppt/notesSlides/notesSlide9.xml><?xml version="1.0" encoding="utf-8"?>
-<p:notes xmlns:a="http://schemas.openxmlformats.org/drawingml/2006/main" xmlns:r="http://schemas.openxmlformats.org/officeDocument/2006/relationships" xmlns:p="http://schemas.openxmlformats.org/presentationml/2006/main">
-  <p:cSld>
-    <p:spTree>
-      <p:nvGrpSpPr>
-        <p:cNvPr id="1" name=""/>
-        <p:cNvGrpSpPr/>
-        <p:nvPr/>
-      </p:nvGrpSpPr>
-      <p:grpSpPr>
-        <a:xfrm>
-          <a:off x="0" y="0"/>
-          <a:ext cx="0" cy="0"/>
-          <a:chOff x="0" y="0"/>
-          <a:chExt cx="0" cy="0"/>
-        </a:xfrm>
-      </p:grpSpPr>
-      <p:sp>
-        <p:nvSpPr>
-          <p:cNvPr id="2" name="スライド イメージ プレースホルダー 1"/>
-          <p:cNvSpPr>
-            <a:spLocks noGrp="1" noRot="1" noChangeAspect="1"/>
-          </p:cNvSpPr>
-          <p:nvPr>
-            <p:ph type="sldImg"/>
-          </p:nvPr>
-        </p:nvSpPr>
-        <p:spPr/>
-      </p:sp>
-      <p:sp>
-        <p:nvSpPr>
-          <p:cNvPr id="3" name="ノート プレースホルダー 2"/>
-          <p:cNvSpPr>
-            <a:spLocks noGrp="1"/>
-          </p:cNvSpPr>
-          <p:nvPr>
-            <p:ph type="body" idx="1"/>
-          </p:nvPr>
-        </p:nvSpPr>
-        <p:spPr/>
-        <p:txBody>
-          <a:bodyPr/>
-          <a:lstStyle/>
-          <a:p>
-            <a:endParaRPr kumimoji="1" lang="ja-JP" altLang="en-US"/>
-          </a:p>
-        </p:txBody>
-      </p:sp>
-      <p:sp>
-        <p:nvSpPr>
-          <p:cNvPr id="4" name="スライド番号プレースホルダー 3"/>
-          <p:cNvSpPr>
-            <a:spLocks noGrp="1"/>
-          </p:cNvSpPr>
-          <p:nvPr>
-            <p:ph type="sldNum" sz="quarter" idx="5"/>
-          </p:nvPr>
-        </p:nvSpPr>
-        <p:spPr/>
-        <p:txBody>
-          <a:bodyPr/>
-          <a:lstStyle/>
-          <a:p>
-            <a:fld id="{EAA3EE7C-6BE9-AF47-A02D-EA93943F487C}" type="slidenum">
-              <a:rPr kumimoji="1" lang="ja-JP" altLang="en-US" smtClean="0"/>
-              <a:t>11</a:t>
             </a:fld>
             <a:endParaRPr kumimoji="1" lang="ja-JP" altLang="en-US"/>
           </a:p>
@@ -2658,7 +2488,7 @@
             </a:br>
             <a:r>
               <a:rPr lang="ja-JP" altLang="en-US" sz="4400"/>
-              <a:t>薄い降着円盤の画像予測</a:t>
+              <a:t>薄い降着円盤の作る像</a:t>
             </a:r>
             <a:endParaRPr kumimoji="1" lang="ja-JP" altLang="en-US" sz="4400">
               <a:latin typeface="Hiragino Kaku Gothic Std W8" panose="020B0800000000000000" pitchFamily="34" charset="-128"/>
@@ -2685,8 +2515,8 @@
         </p:nvSpPr>
         <p:spPr>
           <a:xfrm>
-            <a:off x="390143" y="4169664"/>
-            <a:ext cx="8351519" cy="963168"/>
+            <a:off x="390143" y="3742945"/>
+            <a:ext cx="8351519" cy="2593687"/>
           </a:xfrm>
         </p:spPr>
         <p:txBody>
@@ -2694,6 +2524,98 @@
             <a:normAutofit/>
           </a:bodyPr>
           <a:lstStyle/>
+          <a:p>
+            <a:pPr marL="0" indent="0" eaLnBrk="0">
+              <a:lnSpc>
+                <a:spcPct val="150000"/>
+              </a:lnSpc>
+              <a:spcBef>
+                <a:spcPts val="0"/>
+              </a:spcBef>
+              <a:buNone/>
+            </a:pPr>
+            <a:r>
+              <a:rPr lang="en-US" altLang="ja-JP" sz="1800" dirty="0">
+                <a:solidFill>
+                  <a:schemeClr val="bg2">
+                    <a:lumMod val="75000"/>
+                  </a:schemeClr>
+                </a:solidFill>
+              </a:rPr>
+              <a:t>Review: Jean-</a:t>
+            </a:r>
+            <a:r>
+              <a:rPr lang="en-US" altLang="ja-JP" sz="1800" dirty="0" err="1">
+                <a:solidFill>
+                  <a:schemeClr val="bg2">
+                    <a:lumMod val="75000"/>
+                  </a:schemeClr>
+                </a:solidFill>
+              </a:rPr>
+              <a:t>pierre</a:t>
+            </a:r>
+            <a:r>
+              <a:rPr lang="en-US" altLang="ja-JP" sz="1800" dirty="0">
+                <a:solidFill>
+                  <a:schemeClr val="bg2">
+                    <a:lumMod val="75000"/>
+                  </a:schemeClr>
+                </a:solidFill>
+              </a:rPr>
+              <a:t> </a:t>
+            </a:r>
+            <a:r>
+              <a:rPr lang="en-US" altLang="ja-JP" sz="1800" dirty="0" err="1">
+                <a:solidFill>
+                  <a:schemeClr val="bg2">
+                    <a:lumMod val="75000"/>
+                  </a:schemeClr>
+                </a:solidFill>
+              </a:rPr>
+              <a:t>Luminet</a:t>
+            </a:r>
+            <a:r>
+              <a:rPr lang="ja-JP" altLang="en-US" sz="1800">
+                <a:solidFill>
+                  <a:schemeClr val="bg2">
+                    <a:lumMod val="75000"/>
+                  </a:schemeClr>
+                </a:solidFill>
+              </a:rPr>
+              <a:t> </a:t>
+            </a:r>
+            <a:r>
+              <a:rPr lang="en-US" altLang="ja-JP" sz="1800" dirty="0">
+                <a:solidFill>
+                  <a:schemeClr val="bg2">
+                    <a:lumMod val="75000"/>
+                  </a:schemeClr>
+                </a:solidFill>
+              </a:rPr>
+              <a:t>1979</a:t>
+            </a:r>
+          </a:p>
+          <a:p>
+            <a:pPr marL="0" indent="0" eaLnBrk="0">
+              <a:lnSpc>
+                <a:spcPct val="150000"/>
+              </a:lnSpc>
+              <a:spcBef>
+                <a:spcPts val="0"/>
+              </a:spcBef>
+              <a:buNone/>
+            </a:pPr>
+            <a:r>
+              <a:rPr lang="en-US" altLang="ja-JP" sz="1800" dirty="0">
+                <a:solidFill>
+                  <a:schemeClr val="bg2">
+                    <a:lumMod val="75000"/>
+                  </a:schemeClr>
+                </a:solidFill>
+              </a:rPr>
+              <a:t>image of sphere black hole with thin accretion disk</a:t>
+            </a:r>
+          </a:p>
           <a:p>
             <a:r>
               <a:rPr kumimoji="1" lang="en-US" altLang="ja-JP" dirty="0">
@@ -2736,137 +2658,7 @@
 </p:sld>
 </file>
 
-<file path=ppt/slides/slide10.xml><?xml version="1.0" encoding="utf-8"?>
-<p:sld xmlns:a="http://schemas.openxmlformats.org/drawingml/2006/main" xmlns:r="http://schemas.openxmlformats.org/officeDocument/2006/relationships" xmlns:p="http://schemas.openxmlformats.org/presentationml/2006/main">
-  <p:cSld>
-    <p:spTree>
-      <p:nvGrpSpPr>
-        <p:cNvPr id="1" name=""/>
-        <p:cNvGrpSpPr/>
-        <p:nvPr/>
-      </p:nvGrpSpPr>
-      <p:grpSpPr>
-        <a:xfrm>
-          <a:off x="0" y="0"/>
-          <a:ext cx="0" cy="0"/>
-          <a:chOff x="0" y="0"/>
-          <a:chExt cx="0" cy="0"/>
-        </a:xfrm>
-      </p:grpSpPr>
-      <p:sp>
-        <p:nvSpPr>
-          <p:cNvPr id="2" name="タイトル 1">
-            <a:extLst>
-              <a:ext uri="{FF2B5EF4-FFF2-40B4-BE49-F238E27FC236}">
-                <a16:creationId xmlns:a16="http://schemas.microsoft.com/office/drawing/2014/main" id="{09464A9F-DC19-9CAD-C3FE-B4957F307D5E}"/>
-              </a:ext>
-            </a:extLst>
-          </p:cNvPr>
-          <p:cNvSpPr>
-            <a:spLocks noGrp="1"/>
-          </p:cNvSpPr>
-          <p:nvPr>
-            <p:ph type="title"/>
-          </p:nvPr>
-        </p:nvSpPr>
-        <p:spPr/>
-        <p:txBody>
-          <a:bodyPr anchor="b"/>
-          <a:lstStyle/>
-          <a:p>
-            <a:r>
-              <a:rPr lang="en-US" altLang="ja-JP" dirty="0"/>
-              <a:t>section</a:t>
-            </a:r>
-            <a:endParaRPr kumimoji="1" lang="ja-JP" altLang="en-US">
-              <a:latin typeface="Hiragino Kaku Gothic Std W8" panose="020B0800000000000000" pitchFamily="34" charset="-128"/>
-              <a:ea typeface="Hiragino Kaku Gothic Std W8" panose="020B0800000000000000" pitchFamily="34" charset="-128"/>
-            </a:endParaRPr>
-          </a:p>
-        </p:txBody>
-      </p:sp>
-      <p:sp>
-        <p:nvSpPr>
-          <p:cNvPr id="3" name="テキスト プレースホルダー 2">
-            <a:extLst>
-              <a:ext uri="{FF2B5EF4-FFF2-40B4-BE49-F238E27FC236}">
-                <a16:creationId xmlns:a16="http://schemas.microsoft.com/office/drawing/2014/main" id="{B5AAE497-2E95-EDBE-9C01-258962D4856E}"/>
-              </a:ext>
-            </a:extLst>
-          </p:cNvPr>
-          <p:cNvSpPr>
-            <a:spLocks noGrp="1"/>
-          </p:cNvSpPr>
-          <p:nvPr>
-            <p:ph type="body" idx="1"/>
-          </p:nvPr>
-        </p:nvSpPr>
-        <p:spPr/>
-        <p:txBody>
-          <a:bodyPr/>
-          <a:lstStyle/>
-          <a:p>
-            <a:r>
-              <a:rPr kumimoji="1" lang="en-US" altLang="ja-JP" dirty="0">
-                <a:latin typeface="Hiragino Kaku Gothic Std W8" panose="020B0800000000000000" pitchFamily="34" charset="-128"/>
-                <a:ea typeface="Hiragino Kaku Gothic Std W8" panose="020B0800000000000000" pitchFamily="34" charset="-128"/>
-              </a:rPr>
-              <a:t>detail</a:t>
-            </a:r>
-            <a:endParaRPr kumimoji="1" lang="ja-JP" altLang="en-US">
-              <a:latin typeface="Hiragino Kaku Gothic Std W8" panose="020B0800000000000000" pitchFamily="34" charset="-128"/>
-              <a:ea typeface="Hiragino Kaku Gothic Std W8" panose="020B0800000000000000" pitchFamily="34" charset="-128"/>
-            </a:endParaRPr>
-          </a:p>
-        </p:txBody>
-      </p:sp>
-      <p:sp>
-        <p:nvSpPr>
-          <p:cNvPr id="7" name="スライド番号プレースホルダー 6">
-            <a:extLst>
-              <a:ext uri="{FF2B5EF4-FFF2-40B4-BE49-F238E27FC236}">
-                <a16:creationId xmlns:a16="http://schemas.microsoft.com/office/drawing/2014/main" id="{FDBA5218-EB3B-11FF-0581-CAFD9057D40D}"/>
-              </a:ext>
-            </a:extLst>
-          </p:cNvPr>
-          <p:cNvSpPr>
-            <a:spLocks noGrp="1"/>
-          </p:cNvSpPr>
-          <p:nvPr>
-            <p:ph type="sldNum" sz="quarter" idx="12"/>
-          </p:nvPr>
-        </p:nvSpPr>
-        <p:spPr/>
-        <p:txBody>
-          <a:bodyPr/>
-          <a:lstStyle/>
-          <a:p>
-            <a:fld id="{48F63A3B-78C7-47BE-AE5E-E10140E04643}" type="slidenum">
-              <a:rPr lang="en-US" smtClean="0"/>
-              <a:t>10</a:t>
-            </a:fld>
-            <a:r>
-              <a:rPr lang="en-US"/>
-              <a:t>/n</a:t>
-            </a:r>
-            <a:endParaRPr lang="en-US" dirty="0"/>
-          </a:p>
-        </p:txBody>
-      </p:sp>
-    </p:spTree>
-    <p:extLst>
-      <p:ext uri="{BB962C8B-B14F-4D97-AF65-F5344CB8AC3E}">
-        <p14:creationId xmlns:p14="http://schemas.microsoft.com/office/powerpoint/2010/main" val="895276899"/>
-      </p:ext>
-    </p:extLst>
-  </p:cSld>
-  <p:clrMapOvr>
-    <a:masterClrMapping/>
-  </p:clrMapOvr>
-</p:sld>
-</file>
-
-<file path=ppt/slides/slide11.xml><?xml version="1.0" encoding="utf-8"?>
+<file path=ppt/slides/slide2.xml><?xml version="1.0" encoding="utf-8"?>
 <p:sld xmlns:a="http://schemas.openxmlformats.org/drawingml/2006/main" xmlns:r="http://schemas.openxmlformats.org/officeDocument/2006/relationships" xmlns:p="http://schemas.openxmlformats.org/presentationml/2006/main">
   <p:cSld>
     <p:spTree>
@@ -2964,13 +2756,12 @@
           <a:lstStyle/>
           <a:p>
             <a:r>
-              <a:rPr lang="en-US" altLang="ja-JP" dirty="0"/>
-              <a:t>section</a:t>
-            </a:r>
-            <a:endParaRPr kumimoji="1" lang="ja-JP" altLang="en-US">
-              <a:latin typeface="Hiragino Kaku Gothic Std W8" panose="020B0800000000000000" pitchFamily="34" charset="-128"/>
-              <a:ea typeface="Hiragino Kaku Gothic Std W8" panose="020B0800000000000000" pitchFamily="34" charset="-128"/>
-            </a:endParaRPr>
+              <a:rPr kumimoji="1" lang="ja-JP" altLang="en-US">
+                <a:latin typeface="Hiragino Kaku Gothic Std W8" panose="020B0800000000000000" pitchFamily="34" charset="-128"/>
+                <a:ea typeface="Hiragino Kaku Gothic Std W8" panose="020B0800000000000000" pitchFamily="34" charset="-128"/>
+              </a:rPr>
+              <a:t>目次</a:t>
+            </a:r>
           </a:p>
         </p:txBody>
       </p:sp>
@@ -2992,27 +2783,178 @@
         </p:nvSpPr>
         <p:spPr>
           <a:xfrm>
-            <a:off x="628650" y="1242646"/>
-            <a:ext cx="7886700" cy="5248800"/>
+            <a:off x="628650" y="1805354"/>
+            <a:ext cx="7886700" cy="4724400"/>
           </a:xfrm>
         </p:spPr>
         <p:txBody>
           <a:bodyPr/>
           <a:lstStyle/>
           <a:p>
-            <a:pPr marL="0" indent="0" eaLnBrk="0">
-              <a:lnSpc>
-                <a:spcPct val="150000"/>
-              </a:lnSpc>
-              <a:spcBef>
-                <a:spcPts val="0"/>
-              </a:spcBef>
+            <a:r>
+              <a:rPr lang="ja-JP" altLang="en-US"/>
+              <a:t>超大質量天体付近での光の軌道</a:t>
+            </a:r>
+            <a:endParaRPr lang="en-US" altLang="ja-JP" sz="1500" dirty="0"/>
+          </a:p>
+          <a:p>
+            <a:pPr lvl="1"/>
+            <a:r>
+              <a:rPr lang="ja-JP" altLang="en-US" sz="1500">
+                <a:latin typeface="+mj-ea"/>
+                <a:ea typeface="+mj-ea"/>
+              </a:rPr>
+              <a:t>微分方程式の導出</a:t>
+            </a:r>
+            <a:endParaRPr lang="en-US" altLang="ja-JP" sz="1500" dirty="0">
+              <a:latin typeface="+mj-ea"/>
+              <a:ea typeface="+mj-ea"/>
+            </a:endParaRPr>
+          </a:p>
+          <a:p>
+            <a:pPr lvl="1"/>
+            <a:r>
+              <a:rPr lang="ja-JP" altLang="en-US" sz="1500">
+                <a:latin typeface="+mj-ea"/>
+                <a:ea typeface="+mj-ea"/>
+              </a:rPr>
+              <a:t>衝突係数と曲がり角</a:t>
+            </a:r>
+            <a:endParaRPr lang="en-US" altLang="ja-JP" sz="1500" dirty="0">
+              <a:latin typeface="+mj-ea"/>
+              <a:ea typeface="+mj-ea"/>
+            </a:endParaRPr>
+          </a:p>
+          <a:p>
+            <a:pPr lvl="1"/>
+            <a:r>
+              <a:rPr lang="ja-JP" altLang="en-US" sz="1500">
+                <a:latin typeface="+mj-ea"/>
+                <a:ea typeface="+mj-ea"/>
+              </a:rPr>
+              <a:t>超大質量天体付近を周回する光</a:t>
+            </a:r>
+            <a:endParaRPr lang="en-US" altLang="ja-JP" sz="1500" dirty="0">
+              <a:latin typeface="+mj-ea"/>
+              <a:ea typeface="+mj-ea"/>
+            </a:endParaRPr>
+          </a:p>
+          <a:p>
+            <a:pPr marL="342900" lvl="1" indent="0">
               <a:buNone/>
             </a:pPr>
-            <a:r>
-              <a:rPr lang="en-US" altLang="ja-JP" sz="1800" dirty="0"/>
-              <a:t>Hello</a:t>
-            </a:r>
+            <a:endParaRPr lang="en-US" altLang="ja-JP" sz="1500" dirty="0"/>
+          </a:p>
+          <a:p>
+            <a:r>
+              <a:rPr lang="ja-JP" altLang="en-US"/>
+              <a:t>薄い降着円盤の作る像</a:t>
+            </a:r>
+            <a:endParaRPr lang="en-US" altLang="ja-JP" dirty="0"/>
+          </a:p>
+          <a:p>
+            <a:pPr lvl="1"/>
+            <a:r>
+              <a:rPr lang="ja-JP" altLang="en-US" sz="1500">
+                <a:latin typeface="+mj-ea"/>
+                <a:ea typeface="+mj-ea"/>
+              </a:rPr>
+              <a:t>状況設定</a:t>
+            </a:r>
+            <a:endParaRPr lang="en-US" altLang="ja-JP" sz="1500" dirty="0">
+              <a:latin typeface="+mj-ea"/>
+              <a:ea typeface="+mj-ea"/>
+            </a:endParaRPr>
+          </a:p>
+          <a:p>
+            <a:pPr lvl="1"/>
+            <a:r>
+              <a:rPr lang="ja-JP" altLang="en-US" sz="1500">
+                <a:latin typeface="+mj-ea"/>
+                <a:ea typeface="+mj-ea"/>
+              </a:rPr>
+              <a:t>直接観測者に届く光の像の計算</a:t>
+            </a:r>
+            <a:endParaRPr lang="en-US" altLang="ja-JP" sz="1500" dirty="0">
+              <a:latin typeface="+mj-ea"/>
+              <a:ea typeface="+mj-ea"/>
+            </a:endParaRPr>
+          </a:p>
+          <a:p>
+            <a:pPr lvl="1"/>
+            <a:r>
+              <a:rPr lang="ja-JP" altLang="en-US" sz="1500">
+                <a:latin typeface="+mj-ea"/>
+                <a:ea typeface="+mj-ea"/>
+              </a:rPr>
+              <a:t>天体を周回してから観測者に届く光の像の計算</a:t>
+            </a:r>
+            <a:endParaRPr lang="en-US" altLang="ja-JP" sz="1500" dirty="0">
+              <a:latin typeface="+mj-ea"/>
+              <a:ea typeface="+mj-ea"/>
+            </a:endParaRPr>
+          </a:p>
+          <a:p>
+            <a:pPr lvl="1"/>
+            <a:endParaRPr lang="en-US" altLang="ja-JP" sz="1500" dirty="0">
+              <a:latin typeface="+mj-ea"/>
+              <a:ea typeface="+mj-ea"/>
+            </a:endParaRPr>
+          </a:p>
+          <a:p>
+            <a:r>
+              <a:rPr lang="ja-JP" altLang="en-US"/>
+              <a:t>数値計算</a:t>
+            </a:r>
+            <a:endParaRPr lang="en-US" altLang="ja-JP" dirty="0"/>
+          </a:p>
+          <a:p>
+            <a:pPr lvl="1"/>
+            <a:r>
+              <a:rPr lang="ja-JP" altLang="en-US" sz="1500">
+                <a:latin typeface="+mj-ea"/>
+                <a:ea typeface="+mj-ea"/>
+              </a:rPr>
+              <a:t>入力と出力</a:t>
+            </a:r>
+            <a:endParaRPr lang="en-US" altLang="ja-JP" sz="1500" dirty="0">
+              <a:latin typeface="+mj-ea"/>
+              <a:ea typeface="+mj-ea"/>
+            </a:endParaRPr>
+          </a:p>
+          <a:p>
+            <a:pPr lvl="1"/>
+            <a:r>
+              <a:rPr lang="ja-JP" altLang="en-US" sz="1500">
+                <a:latin typeface="+mj-ea"/>
+                <a:ea typeface="+mj-ea"/>
+              </a:rPr>
+              <a:t>簡単なコードの説明</a:t>
+            </a:r>
+            <a:endParaRPr lang="en-US" altLang="ja-JP" sz="1500" dirty="0">
+              <a:latin typeface="+mj-ea"/>
+              <a:ea typeface="+mj-ea"/>
+            </a:endParaRPr>
+          </a:p>
+          <a:p>
+            <a:pPr lvl="1"/>
+            <a:r>
+              <a:rPr lang="ja-JP" altLang="en-US" sz="1500">
+                <a:latin typeface="+mj-ea"/>
+                <a:ea typeface="+mj-ea"/>
+              </a:rPr>
+              <a:t>作成された像</a:t>
+            </a:r>
+            <a:endParaRPr lang="en-US" altLang="ja-JP" sz="1500" dirty="0">
+              <a:latin typeface="+mj-ea"/>
+              <a:ea typeface="+mj-ea"/>
+            </a:endParaRPr>
+          </a:p>
+          <a:p>
+            <a:pPr marL="0" indent="0">
+              <a:buNone/>
+            </a:pPr>
+            <a:endParaRPr lang="en-US" altLang="ja-JP" sz="1800" dirty="0"/>
           </a:p>
         </p:txBody>
       </p:sp>
@@ -3021,7 +2963,7 @@
           <p:cNvPr id="7" name="スライド番号プレースホルダー 6">
             <a:extLst>
               <a:ext uri="{FF2B5EF4-FFF2-40B4-BE49-F238E27FC236}">
-                <a16:creationId xmlns:a16="http://schemas.microsoft.com/office/drawing/2014/main" id="{DB788B49-CBD5-4AB0-B2D0-FDA6C4BD4D0C}"/>
+                <a16:creationId xmlns:a16="http://schemas.microsoft.com/office/drawing/2014/main" id="{7F9113C7-E66C-09A9-4CA3-02EC269745B5}"/>
               </a:ext>
             </a:extLst>
           </p:cNvPr>
@@ -3040,7 +2982,7 @@
             <a:fld id="{48F63A3B-78C7-47BE-AE5E-E10140E04643}" type="slidenum">
               <a:rPr lang="en-US" smtClean="0"/>
               <a:pPr/>
-              <a:t>11</a:t>
+              <a:t>2</a:t>
             </a:fld>
             <a:r>
               <a:rPr lang="en-US"/>
@@ -3053,7 +2995,7 @@
     </p:spTree>
     <p:extLst>
       <p:ext uri="{BB962C8B-B14F-4D97-AF65-F5344CB8AC3E}">
-        <p14:creationId xmlns:p14="http://schemas.microsoft.com/office/powerpoint/2010/main" val="5686784"/>
+        <p14:creationId xmlns:p14="http://schemas.microsoft.com/office/powerpoint/2010/main" val="1873743792"/>
       </p:ext>
     </p:extLst>
   </p:cSld>
@@ -3063,7 +3005,7 @@
 </p:sld>
 </file>
 
-<file path=ppt/slides/slide2.xml><?xml version="1.0" encoding="utf-8"?>
+<file path=ppt/slides/slide3.xml><?xml version="1.0" encoding="utf-8"?>
 <p:sld xmlns:a="http://schemas.openxmlformats.org/drawingml/2006/main" xmlns:r="http://schemas.openxmlformats.org/officeDocument/2006/relationships" xmlns:p="http://schemas.openxmlformats.org/presentationml/2006/main">
   <p:cSld>
     <p:spTree>
@@ -3165,7 +3107,7 @@
                 <a:latin typeface="Hiragino Kaku Gothic Std W8" panose="020B0800000000000000" pitchFamily="34" charset="-128"/>
                 <a:ea typeface="Hiragino Kaku Gothic Std W8" panose="020B0800000000000000" pitchFamily="34" charset="-128"/>
               </a:rPr>
-              <a:t>目次</a:t>
+              <a:t>導入</a:t>
             </a:r>
           </a:p>
         </p:txBody>
@@ -3188,179 +3130,135 @@
         </p:nvSpPr>
         <p:spPr>
           <a:xfrm>
-            <a:off x="628650" y="1805354"/>
-            <a:ext cx="7886700" cy="4724400"/>
+            <a:off x="628650" y="1242646"/>
+            <a:ext cx="7886700" cy="5248800"/>
           </a:xfrm>
         </p:spPr>
         <p:txBody>
-          <a:bodyPr/>
-          <a:lstStyle/>
-          <a:p>
-            <a:r>
-              <a:rPr lang="ja-JP" altLang="en-US"/>
-              <a:t>超大質量天体付近での光の軌道</a:t>
-            </a:r>
-            <a:endParaRPr lang="en-US" altLang="ja-JP" sz="1500" dirty="0"/>
-          </a:p>
-          <a:p>
-            <a:pPr lvl="1"/>
-            <a:r>
-              <a:rPr lang="ja-JP" altLang="en-US" sz="1500">
-                <a:latin typeface="+mj-ea"/>
-                <a:ea typeface="+mj-ea"/>
-              </a:rPr>
-              <a:t>微分方程式</a:t>
-            </a:r>
-            <a:endParaRPr lang="en-US" altLang="ja-JP" sz="1500" dirty="0">
-              <a:latin typeface="+mj-ea"/>
-              <a:ea typeface="+mj-ea"/>
-            </a:endParaRPr>
-          </a:p>
-          <a:p>
-            <a:pPr lvl="1"/>
-            <a:r>
-              <a:rPr lang="ja-JP" altLang="en-US" sz="1500">
-                <a:latin typeface="+mj-ea"/>
-                <a:ea typeface="+mj-ea"/>
-              </a:rPr>
-              <a:t>衝突係数と曲がり角</a:t>
-            </a:r>
-            <a:endParaRPr lang="en-US" altLang="ja-JP" sz="1500" dirty="0">
-              <a:latin typeface="+mj-ea"/>
-              <a:ea typeface="+mj-ea"/>
-            </a:endParaRPr>
-          </a:p>
-          <a:p>
-            <a:pPr lvl="1"/>
-            <a:r>
-              <a:rPr lang="ja-JP" altLang="en-US" sz="1500">
-                <a:latin typeface="+mj-ea"/>
-                <a:ea typeface="+mj-ea"/>
-              </a:rPr>
-              <a:t>超大質量天体付近を周回する光</a:t>
-            </a:r>
-            <a:endParaRPr lang="en-US" altLang="ja-JP" sz="1500" dirty="0">
-              <a:latin typeface="+mj-ea"/>
-              <a:ea typeface="+mj-ea"/>
-            </a:endParaRPr>
-          </a:p>
-          <a:p>
-            <a:pPr marL="342900" lvl="1" indent="0">
-              <a:buNone/>
-            </a:pPr>
-            <a:endParaRPr lang="en-US" altLang="ja-JP" sz="1500" dirty="0"/>
-          </a:p>
-          <a:p>
-            <a:r>
-              <a:rPr lang="ja-JP" altLang="en-US"/>
-              <a:t>薄い降着円盤の作る像</a:t>
-            </a:r>
-            <a:endParaRPr lang="en-US" altLang="ja-JP" dirty="0"/>
-          </a:p>
-          <a:p>
-            <a:pPr lvl="1"/>
-            <a:r>
-              <a:rPr lang="ja-JP" altLang="en-US" sz="1500">
-                <a:latin typeface="+mj-ea"/>
-                <a:ea typeface="+mj-ea"/>
-              </a:rPr>
-              <a:t>状況設定</a:t>
-            </a:r>
-            <a:endParaRPr lang="en-US" altLang="ja-JP" sz="1500" dirty="0">
-              <a:latin typeface="+mj-ea"/>
-              <a:ea typeface="+mj-ea"/>
-            </a:endParaRPr>
-          </a:p>
-          <a:p>
-            <a:pPr lvl="1"/>
-            <a:r>
-              <a:rPr lang="ja-JP" altLang="en-US" sz="1500">
-                <a:latin typeface="+mj-ea"/>
-                <a:ea typeface="+mj-ea"/>
-              </a:rPr>
-              <a:t>直接観測者に届く光の像の計算</a:t>
-            </a:r>
-            <a:endParaRPr lang="en-US" altLang="ja-JP" sz="1500" dirty="0">
-              <a:latin typeface="+mj-ea"/>
-              <a:ea typeface="+mj-ea"/>
-            </a:endParaRPr>
-          </a:p>
-          <a:p>
-            <a:pPr lvl="1"/>
-            <a:r>
-              <a:rPr lang="ja-JP" altLang="en-US" sz="1500">
-                <a:latin typeface="+mj-ea"/>
-                <a:ea typeface="+mj-ea"/>
-              </a:rPr>
-              <a:t>天体を周回してから観測者に届く光の像の計算</a:t>
-            </a:r>
-            <a:endParaRPr lang="en-US" altLang="ja-JP" sz="1500" dirty="0">
-              <a:latin typeface="+mj-ea"/>
-              <a:ea typeface="+mj-ea"/>
-            </a:endParaRPr>
-          </a:p>
-          <a:p>
-            <a:pPr lvl="1"/>
-            <a:endParaRPr lang="en-US" altLang="ja-JP" sz="1500" dirty="0">
-              <a:latin typeface="+mj-ea"/>
-              <a:ea typeface="+mj-ea"/>
-            </a:endParaRPr>
-          </a:p>
-          <a:p>
-            <a:r>
-              <a:rPr lang="ja-JP" altLang="en-US"/>
-              <a:t>数値計算</a:t>
-            </a:r>
-            <a:endParaRPr lang="en-US" altLang="ja-JP" dirty="0"/>
-          </a:p>
-          <a:p>
-            <a:pPr lvl="1"/>
-            <a:r>
-              <a:rPr lang="ja-JP" altLang="en-US" sz="1500">
-                <a:latin typeface="+mj-ea"/>
-                <a:ea typeface="+mj-ea"/>
-              </a:rPr>
-              <a:t>入力と出力</a:t>
-            </a:r>
-            <a:endParaRPr lang="en-US" altLang="ja-JP" sz="1500" dirty="0">
-              <a:latin typeface="+mj-ea"/>
-              <a:ea typeface="+mj-ea"/>
-            </a:endParaRPr>
-          </a:p>
-          <a:p>
-            <a:pPr lvl="1"/>
-            <a:r>
-              <a:rPr lang="ja-JP" altLang="en-US" sz="1500">
-                <a:latin typeface="+mj-ea"/>
-                <a:ea typeface="+mj-ea"/>
-              </a:rPr>
-              <a:t>簡単なコードの説明</a:t>
-            </a:r>
-            <a:endParaRPr lang="en-US" altLang="ja-JP" sz="1500" dirty="0">
-              <a:latin typeface="+mj-ea"/>
-              <a:ea typeface="+mj-ea"/>
-            </a:endParaRPr>
-          </a:p>
-          <a:p>
-            <a:pPr lvl="1"/>
-            <a:r>
-              <a:rPr lang="ja-JP" altLang="en-US" sz="1500">
-                <a:latin typeface="+mj-ea"/>
-                <a:ea typeface="+mj-ea"/>
-              </a:rPr>
-              <a:t>作成された像</a:t>
-            </a:r>
-            <a:endParaRPr lang="en-US" altLang="ja-JP" sz="1500" dirty="0">
-              <a:latin typeface="+mj-ea"/>
-              <a:ea typeface="+mj-ea"/>
-            </a:endParaRPr>
-          </a:p>
-          <a:p>
-            <a:pPr marL="0" indent="0">
+          <a:bodyPr>
+            <a:normAutofit/>
+          </a:bodyPr>
+          <a:lstStyle/>
+          <a:p>
+            <a:pPr marL="0" indent="0" eaLnBrk="0">
+              <a:lnSpc>
+                <a:spcPct val="150000"/>
+              </a:lnSpc>
+              <a:spcBef>
+                <a:spcPts val="0"/>
+              </a:spcBef>
               <a:buNone/>
             </a:pPr>
             <a:endParaRPr lang="en-US" altLang="ja-JP" sz="1800" dirty="0"/>
           </a:p>
+          <a:p>
+            <a:pPr marL="0" indent="0" eaLnBrk="0">
+              <a:lnSpc>
+                <a:spcPct val="150000"/>
+              </a:lnSpc>
+              <a:spcBef>
+                <a:spcPts val="0"/>
+              </a:spcBef>
+              <a:buNone/>
+            </a:pPr>
+            <a:r>
+              <a:rPr lang="ja-JP" altLang="en-US" sz="1800"/>
+              <a:t>学部</a:t>
+            </a:r>
+            <a:r>
+              <a:rPr lang="en-US" altLang="ja-JP" sz="1800" dirty="0"/>
+              <a:t>3</a:t>
+            </a:r>
+            <a:r>
+              <a:rPr lang="ja-JP" altLang="en-US" sz="1800"/>
+              <a:t>年までの授業では、歪みのない時空（ミンコフスキー時空）で</a:t>
+            </a:r>
+            <a:endParaRPr lang="en-US" altLang="ja-JP" sz="1800" dirty="0"/>
+          </a:p>
+          <a:p>
+            <a:pPr marL="0" indent="0" eaLnBrk="0">
+              <a:lnSpc>
+                <a:spcPct val="150000"/>
+              </a:lnSpc>
+              <a:spcBef>
+                <a:spcPts val="0"/>
+              </a:spcBef>
+              <a:buNone/>
+            </a:pPr>
+            <a:r>
+              <a:rPr lang="ja-JP" altLang="en-US" sz="1800"/>
+              <a:t>物理学を考えた。このような時空では、光は（屈折率が変化しなければ）観測者に対して常に直進するので、物体が歪んで見える、といった現象を考える必要はない。</a:t>
+            </a:r>
+            <a:endParaRPr lang="en-US" altLang="ja-JP" sz="1800" dirty="0"/>
+          </a:p>
+          <a:p>
+            <a:pPr marL="0" indent="0" eaLnBrk="0">
+              <a:lnSpc>
+                <a:spcPct val="150000"/>
+              </a:lnSpc>
+              <a:spcBef>
+                <a:spcPts val="0"/>
+              </a:spcBef>
+              <a:buNone/>
+            </a:pPr>
+            <a:endParaRPr lang="en-US" altLang="ja-JP" sz="1800" dirty="0"/>
+          </a:p>
+          <a:p>
+            <a:pPr marL="0" indent="0" eaLnBrk="0">
+              <a:lnSpc>
+                <a:spcPct val="150000"/>
+              </a:lnSpc>
+              <a:spcBef>
+                <a:spcPts val="0"/>
+              </a:spcBef>
+              <a:buNone/>
+            </a:pPr>
+            <a:r>
+              <a:rPr lang="ja-JP" altLang="en-US" sz="1800"/>
+              <a:t>しかし、一般相対論を用いて歪んだ時空を考えると、光はその歪んだ時空の上を進むので、観測した物体もまた歪んで見える。</a:t>
+            </a:r>
+            <a:endParaRPr lang="en-US" altLang="ja-JP" sz="1800" dirty="0"/>
+          </a:p>
+          <a:p>
+            <a:pPr marL="0" indent="0" eaLnBrk="0">
+              <a:lnSpc>
+                <a:spcPct val="150000"/>
+              </a:lnSpc>
+              <a:spcBef>
+                <a:spcPts val="0"/>
+              </a:spcBef>
+              <a:buNone/>
+            </a:pPr>
+            <a:endParaRPr lang="en-US" altLang="ja-JP" sz="1800" dirty="0"/>
+          </a:p>
+          <a:p>
+            <a:pPr marL="0" indent="0" eaLnBrk="0">
+              <a:lnSpc>
+                <a:spcPct val="150000"/>
+              </a:lnSpc>
+              <a:spcBef>
+                <a:spcPts val="0"/>
+              </a:spcBef>
+              <a:buNone/>
+            </a:pPr>
+            <a:r>
+              <a:rPr lang="ja-JP" altLang="en-US" sz="1800"/>
+              <a:t>この論文では、時空を大きく歪ませる超大質量天体の周りで発光している薄い円盤（一定半径の薄い降着円盤）がどのように観測されるかを考え、実際に見えるであろう像を計算している。</a:t>
+            </a:r>
+            <a:endParaRPr lang="en-US" altLang="ja-JP" sz="1800" dirty="0"/>
+          </a:p>
+          <a:p>
+            <a:pPr marL="0" indent="0" eaLnBrk="0">
+              <a:lnSpc>
+                <a:spcPct val="150000"/>
+              </a:lnSpc>
+              <a:spcBef>
+                <a:spcPts val="0"/>
+              </a:spcBef>
+              <a:buNone/>
+            </a:pPr>
+            <a:endParaRPr lang="en-US" altLang="ja-JP" sz="1800" dirty="0"/>
+          </a:p>
         </p:txBody>
       </p:sp>
       <p:sp>
@@ -3368,7 +3266,7 @@
           <p:cNvPr id="7" name="スライド番号プレースホルダー 6">
             <a:extLst>
               <a:ext uri="{FF2B5EF4-FFF2-40B4-BE49-F238E27FC236}">
-                <a16:creationId xmlns:a16="http://schemas.microsoft.com/office/drawing/2014/main" id="{7F9113C7-E66C-09A9-4CA3-02EC269745B5}"/>
+                <a16:creationId xmlns:a16="http://schemas.microsoft.com/office/drawing/2014/main" id="{DB788B49-CBD5-4AB0-B2D0-FDA6C4BD4D0C}"/>
               </a:ext>
             </a:extLst>
           </p:cNvPr>
@@ -3387,7 +3285,7 @@
             <a:fld id="{48F63A3B-78C7-47BE-AE5E-E10140E04643}" type="slidenum">
               <a:rPr lang="en-US" smtClean="0"/>
               <a:pPr/>
-              <a:t>2</a:t>
+              <a:t>3</a:t>
             </a:fld>
             <a:r>
               <a:rPr lang="en-US"/>
@@ -3400,7 +3298,7 @@
     </p:spTree>
     <p:extLst>
       <p:ext uri="{BB962C8B-B14F-4D97-AF65-F5344CB8AC3E}">
-        <p14:creationId xmlns:p14="http://schemas.microsoft.com/office/powerpoint/2010/main" val="1873743792"/>
+        <p14:creationId xmlns:p14="http://schemas.microsoft.com/office/powerpoint/2010/main" val="2887080892"/>
       </p:ext>
     </p:extLst>
   </p:cSld>
@@ -3410,7 +3308,7 @@
 </p:sld>
 </file>
 
-<file path=ppt/slides/slide3.xml><?xml version="1.0" encoding="utf-8"?>
+<file path=ppt/slides/slide4.xml><?xml version="1.0" encoding="utf-8"?>
 <p:sld xmlns:a="http://schemas.openxmlformats.org/drawingml/2006/main" xmlns:r="http://schemas.openxmlformats.org/officeDocument/2006/relationships" xmlns:p="http://schemas.openxmlformats.org/presentationml/2006/main">
   <p:cSld>
     <p:spTree>
@@ -3512,7 +3410,7 @@
                 <a:latin typeface="Hiragino Kaku Gothic Std W8" panose="020B0800000000000000" pitchFamily="34" charset="-128"/>
                 <a:ea typeface="Hiragino Kaku Gothic Std W8" panose="020B0800000000000000" pitchFamily="34" charset="-128"/>
               </a:rPr>
-              <a:t>目次（伊形さんと編集後）</a:t>
+              <a:t>導入</a:t>
             </a:r>
           </a:p>
         </p:txBody>
@@ -3536,273 +3434,11 @@
         <p:spPr>
           <a:xfrm>
             <a:off x="628650" y="1242646"/>
-            <a:ext cx="7886700" cy="5250228"/>
-          </a:xfrm>
-        </p:spPr>
-        <p:txBody>
-          <a:bodyPr/>
-          <a:lstStyle/>
-          <a:p>
-            <a:r>
-              <a:rPr lang="en-US" altLang="ja-JP" dirty="0"/>
-              <a:t>section</a:t>
-            </a:r>
-          </a:p>
-          <a:p>
-            <a:pPr lvl="1"/>
-            <a:r>
-              <a:rPr lang="en-US" altLang="ja-JP" sz="1500" dirty="0">
-                <a:latin typeface="+mj-ea"/>
-                <a:ea typeface="+mj-ea"/>
-              </a:rPr>
-              <a:t>Subsection01</a:t>
-            </a:r>
-          </a:p>
-          <a:p>
-            <a:pPr lvl="1"/>
-            <a:r>
-              <a:rPr lang="en-US" altLang="ja-JP" sz="1500" dirty="0">
-                <a:latin typeface="+mj-ea"/>
-                <a:ea typeface="+mj-ea"/>
-              </a:rPr>
-              <a:t>Subsection02</a:t>
-            </a:r>
-          </a:p>
-          <a:p>
-            <a:pPr lvl="1"/>
-            <a:r>
-              <a:rPr lang="en-US" altLang="ja-JP" sz="1500" dirty="0">
-                <a:latin typeface="+mj-ea"/>
-                <a:ea typeface="+mj-ea"/>
-              </a:rPr>
-              <a:t>Subsection03</a:t>
-            </a:r>
-          </a:p>
-          <a:p>
-            <a:pPr lvl="1"/>
-            <a:endParaRPr lang="en-US" altLang="ja-JP" sz="1500" dirty="0">
-              <a:latin typeface="+mj-ea"/>
-              <a:ea typeface="+mj-ea"/>
-            </a:endParaRPr>
-          </a:p>
-          <a:p>
-            <a:r>
-              <a:rPr lang="en-US" altLang="ja-JP" dirty="0"/>
-              <a:t>section</a:t>
-            </a:r>
-          </a:p>
-          <a:p>
-            <a:pPr lvl="1"/>
-            <a:r>
-              <a:rPr lang="en-US" altLang="ja-JP" sz="1500" dirty="0">
-                <a:latin typeface="+mj-ea"/>
-                <a:ea typeface="+mj-ea"/>
-              </a:rPr>
-              <a:t>Subsection01</a:t>
-            </a:r>
-          </a:p>
-          <a:p>
-            <a:pPr lvl="1"/>
-            <a:r>
-              <a:rPr lang="en-US" altLang="ja-JP" sz="1500" dirty="0">
-                <a:latin typeface="+mj-ea"/>
-                <a:ea typeface="+mj-ea"/>
-              </a:rPr>
-              <a:t>Subsection02</a:t>
-            </a:r>
-          </a:p>
-          <a:p>
-            <a:pPr lvl="1"/>
-            <a:r>
-              <a:rPr lang="en-US" altLang="ja-JP" sz="1500" dirty="0">
-                <a:latin typeface="+mj-ea"/>
-                <a:ea typeface="+mj-ea"/>
-              </a:rPr>
-              <a:t>Subsection03</a:t>
-            </a:r>
-          </a:p>
-        </p:txBody>
-      </p:sp>
-      <p:sp>
-        <p:nvSpPr>
-          <p:cNvPr id="7" name="スライド番号プレースホルダー 6">
-            <a:extLst>
-              <a:ext uri="{FF2B5EF4-FFF2-40B4-BE49-F238E27FC236}">
-                <a16:creationId xmlns:a16="http://schemas.microsoft.com/office/drawing/2014/main" id="{7F9113C7-E66C-09A9-4CA3-02EC269745B5}"/>
-              </a:ext>
-            </a:extLst>
-          </p:cNvPr>
-          <p:cNvSpPr>
-            <a:spLocks noGrp="1"/>
-          </p:cNvSpPr>
-          <p:nvPr>
-            <p:ph type="sldNum" sz="quarter" idx="12"/>
-          </p:nvPr>
-        </p:nvSpPr>
-        <p:spPr/>
-        <p:txBody>
-          <a:bodyPr/>
-          <a:lstStyle/>
-          <a:p>
-            <a:fld id="{48F63A3B-78C7-47BE-AE5E-E10140E04643}" type="slidenum">
-              <a:rPr lang="en-US" smtClean="0"/>
-              <a:pPr/>
-              <a:t>3</a:t>
-            </a:fld>
-            <a:r>
-              <a:rPr lang="en-US"/>
-              <a:t>/n</a:t>
-            </a:r>
-            <a:endParaRPr lang="en-US" dirty="0"/>
-          </a:p>
-        </p:txBody>
-      </p:sp>
-    </p:spTree>
-    <p:extLst>
-      <p:ext uri="{BB962C8B-B14F-4D97-AF65-F5344CB8AC3E}">
-        <p14:creationId xmlns:p14="http://schemas.microsoft.com/office/powerpoint/2010/main" val="3813147851"/>
-      </p:ext>
-    </p:extLst>
-  </p:cSld>
-  <p:clrMapOvr>
-    <a:masterClrMapping/>
-  </p:clrMapOvr>
-</p:sld>
-</file>
-
-<file path=ppt/slides/slide4.xml><?xml version="1.0" encoding="utf-8"?>
-<p:sld xmlns:a="http://schemas.openxmlformats.org/drawingml/2006/main" xmlns:r="http://schemas.openxmlformats.org/officeDocument/2006/relationships" xmlns:p="http://schemas.openxmlformats.org/presentationml/2006/main">
-  <p:cSld>
-    <p:spTree>
-      <p:nvGrpSpPr>
-        <p:cNvPr id="1" name=""/>
-        <p:cNvGrpSpPr/>
-        <p:nvPr/>
-      </p:nvGrpSpPr>
-      <p:grpSpPr>
-        <a:xfrm>
-          <a:off x="0" y="0"/>
-          <a:ext cx="0" cy="0"/>
-          <a:chOff x="0" y="0"/>
-          <a:chExt cx="0" cy="0"/>
-        </a:xfrm>
-      </p:grpSpPr>
-      <p:sp>
-        <p:nvSpPr>
-          <p:cNvPr id="4" name="正方形/長方形 3">
-            <a:extLst>
-              <a:ext uri="{FF2B5EF4-FFF2-40B4-BE49-F238E27FC236}">
-                <a16:creationId xmlns:a16="http://schemas.microsoft.com/office/drawing/2014/main" id="{9CF5ADBC-63D6-C438-7B21-4E435C4E2EC9}"/>
-              </a:ext>
-            </a:extLst>
-          </p:cNvPr>
-          <p:cNvSpPr/>
-          <p:nvPr/>
-        </p:nvSpPr>
-        <p:spPr>
-          <a:xfrm>
-            <a:off x="-1" y="0"/>
-            <a:ext cx="9144001" cy="984738"/>
-          </a:xfrm>
-          <a:prstGeom prst="rect">
-            <a:avLst/>
-          </a:prstGeom>
-          <a:solidFill>
-            <a:schemeClr val="bg2"/>
-          </a:solidFill>
-          <a:ln>
-            <a:noFill/>
-          </a:ln>
-        </p:spPr>
-        <p:style>
-          <a:lnRef idx="2">
-            <a:schemeClr val="accent1">
-              <a:shade val="15000"/>
-            </a:schemeClr>
-          </a:lnRef>
-          <a:fillRef idx="1">
-            <a:schemeClr val="accent1"/>
-          </a:fillRef>
-          <a:effectRef idx="0">
-            <a:schemeClr val="accent1"/>
-          </a:effectRef>
-          <a:fontRef idx="minor">
-            <a:schemeClr val="lt1"/>
-          </a:fontRef>
-        </p:style>
-        <p:txBody>
-          <a:bodyPr rtlCol="0" anchor="ctr"/>
-          <a:lstStyle/>
-          <a:p>
-            <a:pPr algn="ctr"/>
-            <a:endParaRPr kumimoji="1" lang="ja-JP" altLang="en-US"/>
-          </a:p>
-        </p:txBody>
-      </p:sp>
-      <p:sp>
-        <p:nvSpPr>
-          <p:cNvPr id="2" name="タイトル 1">
-            <a:extLst>
-              <a:ext uri="{FF2B5EF4-FFF2-40B4-BE49-F238E27FC236}">
-                <a16:creationId xmlns:a16="http://schemas.microsoft.com/office/drawing/2014/main" id="{39E3549D-C0BB-FB83-4188-F1CA43005809}"/>
-              </a:ext>
-            </a:extLst>
-          </p:cNvPr>
-          <p:cNvSpPr>
-            <a:spLocks noGrp="1"/>
-          </p:cNvSpPr>
-          <p:nvPr>
-            <p:ph type="title"/>
-          </p:nvPr>
-        </p:nvSpPr>
-        <p:spPr>
-          <a:xfrm>
-            <a:off x="628650" y="67622"/>
-            <a:ext cx="7886700" cy="984738"/>
-          </a:xfrm>
-        </p:spPr>
-        <p:txBody>
-          <a:bodyPr>
-            <a:normAutofit/>
-          </a:bodyPr>
-          <a:lstStyle/>
-          <a:p>
-            <a:r>
-              <a:rPr kumimoji="1" lang="ja-JP" altLang="en-US">
-                <a:latin typeface="Hiragino Kaku Gothic Std W8" panose="020B0800000000000000" pitchFamily="34" charset="-128"/>
-                <a:ea typeface="Hiragino Kaku Gothic Std W8" panose="020B0800000000000000" pitchFamily="34" charset="-128"/>
-              </a:rPr>
-              <a:t>導入</a:t>
-            </a:r>
-          </a:p>
-        </p:txBody>
-      </p:sp>
-      <p:sp>
-        <p:nvSpPr>
-          <p:cNvPr id="3" name="コンテンツ プレースホルダー 2">
-            <a:extLst>
-              <a:ext uri="{FF2B5EF4-FFF2-40B4-BE49-F238E27FC236}">
-                <a16:creationId xmlns:a16="http://schemas.microsoft.com/office/drawing/2014/main" id="{BCD1B691-85A7-B4C2-5EFB-79B01824458A}"/>
-              </a:ext>
-            </a:extLst>
-          </p:cNvPr>
-          <p:cNvSpPr>
-            <a:spLocks noGrp="1"/>
-          </p:cNvSpPr>
-          <p:nvPr>
-            <p:ph idx="1"/>
-          </p:nvPr>
-        </p:nvSpPr>
-        <p:spPr>
-          <a:xfrm>
-            <a:off x="628650" y="1242646"/>
             <a:ext cx="7886700" cy="5248800"/>
           </a:xfrm>
         </p:spPr>
         <p:txBody>
-          <a:bodyPr>
-            <a:normAutofit/>
-          </a:bodyPr>
+          <a:bodyPr/>
           <a:lstStyle/>
           <a:p>
             <a:pPr marL="0" indent="0" eaLnBrk="0">
@@ -3814,103 +3450,10 @@
               </a:spcBef>
               <a:buNone/>
             </a:pPr>
-            <a:endParaRPr lang="en-US" altLang="ja-JP" sz="1800" dirty="0"/>
-          </a:p>
-          <a:p>
-            <a:pPr marL="0" indent="0" eaLnBrk="0">
-              <a:lnSpc>
-                <a:spcPct val="150000"/>
-              </a:lnSpc>
-              <a:spcBef>
-                <a:spcPts val="0"/>
-              </a:spcBef>
-              <a:buNone/>
-            </a:pPr>
-            <a:endParaRPr lang="en-US" altLang="ja-JP" sz="1800" dirty="0"/>
-          </a:p>
-          <a:p>
-            <a:pPr marL="0" indent="0" eaLnBrk="0">
-              <a:lnSpc>
-                <a:spcPct val="150000"/>
-              </a:lnSpc>
-              <a:spcBef>
-                <a:spcPts val="0"/>
-              </a:spcBef>
-              <a:buNone/>
-            </a:pPr>
-            <a:r>
-              <a:rPr lang="ja-JP" altLang="en-US" sz="1800"/>
-              <a:t>学部</a:t>
-            </a:r>
             <a:r>
               <a:rPr lang="en-US" altLang="ja-JP" sz="1800" dirty="0"/>
-              <a:t>3</a:t>
-            </a:r>
-            <a:r>
-              <a:rPr lang="ja-JP" altLang="en-US" sz="1800"/>
-              <a:t>年までの授業では、歪みのない時空（ミンコフスキー時空）で</a:t>
-            </a:r>
-            <a:endParaRPr lang="en-US" altLang="ja-JP" sz="1800" dirty="0"/>
-          </a:p>
-          <a:p>
-            <a:pPr marL="0" indent="0" eaLnBrk="0">
-              <a:lnSpc>
-                <a:spcPct val="150000"/>
-              </a:lnSpc>
-              <a:spcBef>
-                <a:spcPts val="0"/>
-              </a:spcBef>
-              <a:buNone/>
-            </a:pPr>
-            <a:r>
-              <a:rPr lang="ja-JP" altLang="en-US" sz="1800"/>
-              <a:t>物理学を考えていました。このような時空では、光は観測者に対して真っ直ぐに届くので、特に観測した物体が歪んで見える、という現象を考える</a:t>
-            </a:r>
-            <a:endParaRPr lang="en-US" altLang="ja-JP" sz="1800" dirty="0"/>
-          </a:p>
-          <a:p>
-            <a:pPr marL="0" indent="0" eaLnBrk="0">
-              <a:lnSpc>
-                <a:spcPct val="150000"/>
-              </a:lnSpc>
-              <a:spcBef>
-                <a:spcPts val="0"/>
-              </a:spcBef>
-              <a:buNone/>
-            </a:pPr>
-            <a:r>
-              <a:rPr lang="ja-JP" altLang="en-US" sz="1800"/>
-              <a:t>必要はありませんでした。</a:t>
-            </a:r>
-            <a:endParaRPr lang="en-US" altLang="ja-JP" sz="1800" dirty="0"/>
-          </a:p>
-          <a:p>
-            <a:pPr marL="0" indent="0" eaLnBrk="0">
-              <a:lnSpc>
-                <a:spcPct val="150000"/>
-              </a:lnSpc>
-              <a:spcBef>
-                <a:spcPts val="0"/>
-              </a:spcBef>
-              <a:buNone/>
-            </a:pPr>
-            <a:endParaRPr lang="en-US" altLang="ja-JP" sz="1800" dirty="0"/>
-          </a:p>
-          <a:p>
-            <a:pPr marL="0" indent="0" eaLnBrk="0">
-              <a:lnSpc>
-                <a:spcPct val="150000"/>
-              </a:lnSpc>
-              <a:spcBef>
-                <a:spcPts val="0"/>
-              </a:spcBef>
-              <a:buNone/>
-            </a:pPr>
-            <a:r>
-              <a:rPr lang="ja-JP" altLang="en-US" sz="1800"/>
-              <a:t>しかし、一般相対論を用いて歪んだ時空を考えると、光はその歪んだ時空の上を進むので、観測した物体もまた歪んで見えてしまいます。</a:t>
-            </a:r>
-            <a:endParaRPr lang="en-US" altLang="ja-JP" sz="1800" dirty="0"/>
+              <a:t>hello</a:t>
+            </a:r>
           </a:p>
         </p:txBody>
       </p:sp>
@@ -3939,553 +3482,6 @@
               <a:rPr lang="en-US" smtClean="0"/>
               <a:pPr/>
               <a:t>4</a:t>
-            </a:fld>
-            <a:r>
-              <a:rPr lang="en-US"/>
-              <a:t>/n</a:t>
-            </a:r>
-            <a:endParaRPr lang="en-US" dirty="0"/>
-          </a:p>
-        </p:txBody>
-      </p:sp>
-    </p:spTree>
-    <p:extLst>
-      <p:ext uri="{BB962C8B-B14F-4D97-AF65-F5344CB8AC3E}">
-        <p14:creationId xmlns:p14="http://schemas.microsoft.com/office/powerpoint/2010/main" val="2887080892"/>
-      </p:ext>
-    </p:extLst>
-  </p:cSld>
-  <p:clrMapOvr>
-    <a:masterClrMapping/>
-  </p:clrMapOvr>
-</p:sld>
-</file>
-
-<file path=ppt/slides/slide5.xml><?xml version="1.0" encoding="utf-8"?>
-<p:sld xmlns:a="http://schemas.openxmlformats.org/drawingml/2006/main" xmlns:r="http://schemas.openxmlformats.org/officeDocument/2006/relationships" xmlns:p="http://schemas.openxmlformats.org/presentationml/2006/main">
-  <p:cSld>
-    <p:spTree>
-      <p:nvGrpSpPr>
-        <p:cNvPr id="1" name=""/>
-        <p:cNvGrpSpPr/>
-        <p:nvPr/>
-      </p:nvGrpSpPr>
-      <p:grpSpPr>
-        <a:xfrm>
-          <a:off x="0" y="0"/>
-          <a:ext cx="0" cy="0"/>
-          <a:chOff x="0" y="0"/>
-          <a:chExt cx="0" cy="0"/>
-        </a:xfrm>
-      </p:grpSpPr>
-      <p:sp>
-        <p:nvSpPr>
-          <p:cNvPr id="4" name="正方形/長方形 3">
-            <a:extLst>
-              <a:ext uri="{FF2B5EF4-FFF2-40B4-BE49-F238E27FC236}">
-                <a16:creationId xmlns:a16="http://schemas.microsoft.com/office/drawing/2014/main" id="{9CF5ADBC-63D6-C438-7B21-4E435C4E2EC9}"/>
-              </a:ext>
-            </a:extLst>
-          </p:cNvPr>
-          <p:cNvSpPr/>
-          <p:nvPr/>
-        </p:nvSpPr>
-        <p:spPr>
-          <a:xfrm>
-            <a:off x="-1" y="0"/>
-            <a:ext cx="9144001" cy="984738"/>
-          </a:xfrm>
-          <a:prstGeom prst="rect">
-            <a:avLst/>
-          </a:prstGeom>
-          <a:solidFill>
-            <a:schemeClr val="bg2"/>
-          </a:solidFill>
-          <a:ln>
-            <a:noFill/>
-          </a:ln>
-        </p:spPr>
-        <p:style>
-          <a:lnRef idx="2">
-            <a:schemeClr val="accent1">
-              <a:shade val="15000"/>
-            </a:schemeClr>
-          </a:lnRef>
-          <a:fillRef idx="1">
-            <a:schemeClr val="accent1"/>
-          </a:fillRef>
-          <a:effectRef idx="0">
-            <a:schemeClr val="accent1"/>
-          </a:effectRef>
-          <a:fontRef idx="minor">
-            <a:schemeClr val="lt1"/>
-          </a:fontRef>
-        </p:style>
-        <p:txBody>
-          <a:bodyPr rtlCol="0" anchor="ctr"/>
-          <a:lstStyle/>
-          <a:p>
-            <a:pPr algn="ctr"/>
-            <a:endParaRPr kumimoji="1" lang="ja-JP" altLang="en-US"/>
-          </a:p>
-        </p:txBody>
-      </p:sp>
-      <p:sp>
-        <p:nvSpPr>
-          <p:cNvPr id="2" name="タイトル 1">
-            <a:extLst>
-              <a:ext uri="{FF2B5EF4-FFF2-40B4-BE49-F238E27FC236}">
-                <a16:creationId xmlns:a16="http://schemas.microsoft.com/office/drawing/2014/main" id="{39E3549D-C0BB-FB83-4188-F1CA43005809}"/>
-              </a:ext>
-            </a:extLst>
-          </p:cNvPr>
-          <p:cNvSpPr>
-            <a:spLocks noGrp="1"/>
-          </p:cNvSpPr>
-          <p:nvPr>
-            <p:ph type="title"/>
-          </p:nvPr>
-        </p:nvSpPr>
-        <p:spPr>
-          <a:xfrm>
-            <a:off x="628650" y="67622"/>
-            <a:ext cx="7886700" cy="984738"/>
-          </a:xfrm>
-        </p:spPr>
-        <p:txBody>
-          <a:bodyPr>
-            <a:normAutofit/>
-          </a:bodyPr>
-          <a:lstStyle/>
-          <a:p>
-            <a:r>
-              <a:rPr kumimoji="1" lang="ja-JP" altLang="en-US">
-                <a:latin typeface="Hiragino Kaku Gothic Std W8" panose="020B0800000000000000" pitchFamily="34" charset="-128"/>
-                <a:ea typeface="Hiragino Kaku Gothic Std W8" panose="020B0800000000000000" pitchFamily="34" charset="-128"/>
-              </a:rPr>
-              <a:t>導入</a:t>
-            </a:r>
-          </a:p>
-        </p:txBody>
-      </p:sp>
-      <p:sp>
-        <p:nvSpPr>
-          <p:cNvPr id="3" name="コンテンツ プレースホルダー 2">
-            <a:extLst>
-              <a:ext uri="{FF2B5EF4-FFF2-40B4-BE49-F238E27FC236}">
-                <a16:creationId xmlns:a16="http://schemas.microsoft.com/office/drawing/2014/main" id="{BCD1B691-85A7-B4C2-5EFB-79B01824458A}"/>
-              </a:ext>
-            </a:extLst>
-          </p:cNvPr>
-          <p:cNvSpPr>
-            <a:spLocks noGrp="1"/>
-          </p:cNvSpPr>
-          <p:nvPr>
-            <p:ph idx="1"/>
-          </p:nvPr>
-        </p:nvSpPr>
-        <p:spPr>
-          <a:xfrm>
-            <a:off x="628650" y="1242646"/>
-            <a:ext cx="7886700" cy="5248800"/>
-          </a:xfrm>
-        </p:spPr>
-        <p:txBody>
-          <a:bodyPr/>
-          <a:lstStyle/>
-          <a:p>
-            <a:pPr marL="0" indent="0" eaLnBrk="0">
-              <a:lnSpc>
-                <a:spcPct val="150000"/>
-              </a:lnSpc>
-              <a:spcBef>
-                <a:spcPts val="0"/>
-              </a:spcBef>
-              <a:buNone/>
-            </a:pPr>
-            <a:endParaRPr lang="en-US" altLang="ja-JP" sz="1800" dirty="0"/>
-          </a:p>
-          <a:p>
-            <a:pPr marL="0" indent="0" eaLnBrk="0">
-              <a:lnSpc>
-                <a:spcPct val="150000"/>
-              </a:lnSpc>
-              <a:spcBef>
-                <a:spcPts val="0"/>
-              </a:spcBef>
-              <a:buNone/>
-            </a:pPr>
-            <a:r>
-              <a:rPr lang="ja-JP" altLang="en-US" sz="1800"/>
-              <a:t>フランスの天文物理学者</a:t>
-            </a:r>
-            <a:r>
-              <a:rPr lang="en-US" altLang="ja-JP" sz="1800" dirty="0"/>
-              <a:t> </a:t>
-            </a:r>
-          </a:p>
-          <a:p>
-            <a:pPr marL="0" indent="0" eaLnBrk="0">
-              <a:lnSpc>
-                <a:spcPct val="150000"/>
-              </a:lnSpc>
-              <a:spcBef>
-                <a:spcPts val="0"/>
-              </a:spcBef>
-              <a:buNone/>
-            </a:pPr>
-            <a:r>
-              <a:rPr lang="en-US" altLang="ja-JP" sz="1800" dirty="0"/>
-              <a:t>Jean-</a:t>
-            </a:r>
-            <a:r>
-              <a:rPr lang="en-US" altLang="ja-JP" sz="1800" dirty="0" err="1"/>
-              <a:t>pierre</a:t>
-            </a:r>
-            <a:r>
-              <a:rPr lang="en-US" altLang="ja-JP" sz="1800" dirty="0"/>
-              <a:t> </a:t>
-            </a:r>
-            <a:r>
-              <a:rPr lang="en-US" altLang="ja-JP" sz="1800" dirty="0" err="1"/>
-              <a:t>Luminet</a:t>
-            </a:r>
-            <a:r>
-              <a:rPr lang="en-US" altLang="ja-JP" sz="1800" dirty="0"/>
-              <a:t> </a:t>
-            </a:r>
-            <a:r>
-              <a:rPr lang="ja-JP" altLang="en-US" sz="1800"/>
-              <a:t>（ジョン</a:t>
-            </a:r>
-            <a:r>
-              <a:rPr lang="en-US" altLang="ja-JP" sz="1800" dirty="0"/>
-              <a:t>=</a:t>
-            </a:r>
-            <a:r>
-              <a:rPr lang="ja-JP" altLang="en-US" sz="1800"/>
-              <a:t>ピエール・ルミネ）さんの</a:t>
-            </a:r>
-            <a:endParaRPr lang="en-US" altLang="ja-JP" sz="1800" dirty="0"/>
-          </a:p>
-          <a:p>
-            <a:pPr marL="0" indent="0" eaLnBrk="0">
-              <a:lnSpc>
-                <a:spcPct val="150000"/>
-              </a:lnSpc>
-              <a:spcBef>
-                <a:spcPts val="0"/>
-              </a:spcBef>
-              <a:buNone/>
-            </a:pPr>
-            <a:endParaRPr lang="en-US" altLang="ja-JP" sz="1800" dirty="0"/>
-          </a:p>
-          <a:p>
-            <a:pPr marL="0" indent="0" eaLnBrk="0">
-              <a:lnSpc>
-                <a:spcPct val="150000"/>
-              </a:lnSpc>
-              <a:spcBef>
-                <a:spcPts val="0"/>
-              </a:spcBef>
-              <a:buNone/>
-            </a:pPr>
-            <a:r>
-              <a:rPr lang="en-US" altLang="ja-JP" sz="1800" dirty="0"/>
-              <a:t>image of sphere black hole with thin accretion disk</a:t>
-            </a:r>
-          </a:p>
-          <a:p>
-            <a:pPr marL="0" indent="0" eaLnBrk="0">
-              <a:lnSpc>
-                <a:spcPct val="150000"/>
-              </a:lnSpc>
-              <a:spcBef>
-                <a:spcPts val="0"/>
-              </a:spcBef>
-              <a:buNone/>
-            </a:pPr>
-            <a:r>
-              <a:rPr lang="ja-JP" altLang="en-US" sz="1800"/>
-              <a:t>薄い降着円盤を持つ球対称ブラックホールの像</a:t>
-            </a:r>
-            <a:endParaRPr lang="en-US" altLang="ja-JP" sz="1800" dirty="0"/>
-          </a:p>
-          <a:p>
-            <a:pPr marL="0" indent="0" eaLnBrk="0">
-              <a:lnSpc>
-                <a:spcPct val="150000"/>
-              </a:lnSpc>
-              <a:spcBef>
-                <a:spcPts val="0"/>
-              </a:spcBef>
-              <a:buNone/>
-            </a:pPr>
-            <a:endParaRPr lang="en-US" altLang="ja-JP" sz="1800" dirty="0"/>
-          </a:p>
-          <a:p>
-            <a:pPr marL="0" indent="0" eaLnBrk="0">
-              <a:lnSpc>
-                <a:spcPct val="150000"/>
-              </a:lnSpc>
-              <a:spcBef>
-                <a:spcPts val="0"/>
-              </a:spcBef>
-              <a:buNone/>
-            </a:pPr>
-            <a:r>
-              <a:rPr lang="ja-JP" altLang="en-US" sz="1800"/>
-              <a:t>この論文では、時空を大きく歪ませる超大質量天体の周りで発光している薄い円盤（一定半径の薄い降着円盤）がどのように観測されるかを考え、実際に見えるであろう像を計算しています。</a:t>
-            </a:r>
-            <a:endParaRPr lang="en-US" altLang="ja-JP" sz="1800" dirty="0"/>
-          </a:p>
-          <a:p>
-            <a:pPr marL="0" indent="0" eaLnBrk="0">
-              <a:lnSpc>
-                <a:spcPct val="150000"/>
-              </a:lnSpc>
-              <a:spcBef>
-                <a:spcPts val="0"/>
-              </a:spcBef>
-              <a:buNone/>
-            </a:pPr>
-            <a:endParaRPr lang="en-US" altLang="ja-JP" sz="1800" dirty="0"/>
-          </a:p>
-          <a:p>
-            <a:pPr marL="0" indent="0" eaLnBrk="0">
-              <a:lnSpc>
-                <a:spcPct val="150000"/>
-              </a:lnSpc>
-              <a:spcBef>
-                <a:spcPts val="0"/>
-              </a:spcBef>
-              <a:buNone/>
-            </a:pPr>
-            <a:endParaRPr lang="en-US" altLang="ja-JP" sz="1800" dirty="0"/>
-          </a:p>
-        </p:txBody>
-      </p:sp>
-      <p:sp>
-        <p:nvSpPr>
-          <p:cNvPr id="7" name="スライド番号プレースホルダー 6">
-            <a:extLst>
-              <a:ext uri="{FF2B5EF4-FFF2-40B4-BE49-F238E27FC236}">
-                <a16:creationId xmlns:a16="http://schemas.microsoft.com/office/drawing/2014/main" id="{DB788B49-CBD5-4AB0-B2D0-FDA6C4BD4D0C}"/>
-              </a:ext>
-            </a:extLst>
-          </p:cNvPr>
-          <p:cNvSpPr>
-            <a:spLocks noGrp="1"/>
-          </p:cNvSpPr>
-          <p:nvPr>
-            <p:ph type="sldNum" sz="quarter" idx="12"/>
-          </p:nvPr>
-        </p:nvSpPr>
-        <p:spPr/>
-        <p:txBody>
-          <a:bodyPr/>
-          <a:lstStyle/>
-          <a:p>
-            <a:fld id="{48F63A3B-78C7-47BE-AE5E-E10140E04643}" type="slidenum">
-              <a:rPr lang="en-US" smtClean="0"/>
-              <a:pPr/>
-              <a:t>5</a:t>
-            </a:fld>
-            <a:r>
-              <a:rPr lang="en-US"/>
-              <a:t>/n</a:t>
-            </a:r>
-            <a:endParaRPr lang="en-US" dirty="0"/>
-          </a:p>
-        </p:txBody>
-      </p:sp>
-    </p:spTree>
-    <p:extLst>
-      <p:ext uri="{BB962C8B-B14F-4D97-AF65-F5344CB8AC3E}">
-        <p14:creationId xmlns:p14="http://schemas.microsoft.com/office/powerpoint/2010/main" val="208309386"/>
-      </p:ext>
-    </p:extLst>
-  </p:cSld>
-  <p:clrMapOvr>
-    <a:masterClrMapping/>
-  </p:clrMapOvr>
-</p:sld>
-</file>
-
-<file path=ppt/slides/slide6.xml><?xml version="1.0" encoding="utf-8"?>
-<p:sld xmlns:a="http://schemas.openxmlformats.org/drawingml/2006/main" xmlns:r="http://schemas.openxmlformats.org/officeDocument/2006/relationships" xmlns:p="http://schemas.openxmlformats.org/presentationml/2006/main">
-  <p:cSld>
-    <p:spTree>
-      <p:nvGrpSpPr>
-        <p:cNvPr id="1" name=""/>
-        <p:cNvGrpSpPr/>
-        <p:nvPr/>
-      </p:nvGrpSpPr>
-      <p:grpSpPr>
-        <a:xfrm>
-          <a:off x="0" y="0"/>
-          <a:ext cx="0" cy="0"/>
-          <a:chOff x="0" y="0"/>
-          <a:chExt cx="0" cy="0"/>
-        </a:xfrm>
-      </p:grpSpPr>
-      <p:sp>
-        <p:nvSpPr>
-          <p:cNvPr id="4" name="正方形/長方形 3">
-            <a:extLst>
-              <a:ext uri="{FF2B5EF4-FFF2-40B4-BE49-F238E27FC236}">
-                <a16:creationId xmlns:a16="http://schemas.microsoft.com/office/drawing/2014/main" id="{9CF5ADBC-63D6-C438-7B21-4E435C4E2EC9}"/>
-              </a:ext>
-            </a:extLst>
-          </p:cNvPr>
-          <p:cNvSpPr/>
-          <p:nvPr/>
-        </p:nvSpPr>
-        <p:spPr>
-          <a:xfrm>
-            <a:off x="-1" y="0"/>
-            <a:ext cx="9144001" cy="984738"/>
-          </a:xfrm>
-          <a:prstGeom prst="rect">
-            <a:avLst/>
-          </a:prstGeom>
-          <a:solidFill>
-            <a:schemeClr val="bg2"/>
-          </a:solidFill>
-          <a:ln>
-            <a:noFill/>
-          </a:ln>
-        </p:spPr>
-        <p:style>
-          <a:lnRef idx="2">
-            <a:schemeClr val="accent1">
-              <a:shade val="15000"/>
-            </a:schemeClr>
-          </a:lnRef>
-          <a:fillRef idx="1">
-            <a:schemeClr val="accent1"/>
-          </a:fillRef>
-          <a:effectRef idx="0">
-            <a:schemeClr val="accent1"/>
-          </a:effectRef>
-          <a:fontRef idx="minor">
-            <a:schemeClr val="lt1"/>
-          </a:fontRef>
-        </p:style>
-        <p:txBody>
-          <a:bodyPr rtlCol="0" anchor="ctr"/>
-          <a:lstStyle/>
-          <a:p>
-            <a:pPr algn="ctr"/>
-            <a:endParaRPr kumimoji="1" lang="ja-JP" altLang="en-US"/>
-          </a:p>
-        </p:txBody>
-      </p:sp>
-      <p:sp>
-        <p:nvSpPr>
-          <p:cNvPr id="2" name="タイトル 1">
-            <a:extLst>
-              <a:ext uri="{FF2B5EF4-FFF2-40B4-BE49-F238E27FC236}">
-                <a16:creationId xmlns:a16="http://schemas.microsoft.com/office/drawing/2014/main" id="{39E3549D-C0BB-FB83-4188-F1CA43005809}"/>
-              </a:ext>
-            </a:extLst>
-          </p:cNvPr>
-          <p:cNvSpPr>
-            <a:spLocks noGrp="1"/>
-          </p:cNvSpPr>
-          <p:nvPr>
-            <p:ph type="title"/>
-          </p:nvPr>
-        </p:nvSpPr>
-        <p:spPr>
-          <a:xfrm>
-            <a:off x="628650" y="67622"/>
-            <a:ext cx="7886700" cy="984738"/>
-          </a:xfrm>
-        </p:spPr>
-        <p:txBody>
-          <a:bodyPr>
-            <a:normAutofit/>
-          </a:bodyPr>
-          <a:lstStyle/>
-          <a:p>
-            <a:r>
-              <a:rPr kumimoji="1" lang="ja-JP" altLang="en-US">
-                <a:latin typeface="Hiragino Kaku Gothic Std W8" panose="020B0800000000000000" pitchFamily="34" charset="-128"/>
-                <a:ea typeface="Hiragino Kaku Gothic Std W8" panose="020B0800000000000000" pitchFamily="34" charset="-128"/>
-              </a:rPr>
-              <a:t>導入</a:t>
-            </a:r>
-          </a:p>
-        </p:txBody>
-      </p:sp>
-      <p:sp>
-        <p:nvSpPr>
-          <p:cNvPr id="3" name="コンテンツ プレースホルダー 2">
-            <a:extLst>
-              <a:ext uri="{FF2B5EF4-FFF2-40B4-BE49-F238E27FC236}">
-                <a16:creationId xmlns:a16="http://schemas.microsoft.com/office/drawing/2014/main" id="{BCD1B691-85A7-B4C2-5EFB-79B01824458A}"/>
-              </a:ext>
-            </a:extLst>
-          </p:cNvPr>
-          <p:cNvSpPr>
-            <a:spLocks noGrp="1"/>
-          </p:cNvSpPr>
-          <p:nvPr>
-            <p:ph idx="1"/>
-          </p:nvPr>
-        </p:nvSpPr>
-        <p:spPr>
-          <a:xfrm>
-            <a:off x="628650" y="1242646"/>
-            <a:ext cx="7886700" cy="5248800"/>
-          </a:xfrm>
-        </p:spPr>
-        <p:txBody>
-          <a:bodyPr/>
-          <a:lstStyle/>
-          <a:p>
-            <a:pPr marL="0" indent="0" eaLnBrk="0">
-              <a:lnSpc>
-                <a:spcPct val="150000"/>
-              </a:lnSpc>
-              <a:spcBef>
-                <a:spcPts val="0"/>
-              </a:spcBef>
-              <a:buNone/>
-            </a:pPr>
-            <a:r>
-              <a:rPr lang="en-US" altLang="ja-JP" sz="1800" dirty="0"/>
-              <a:t>hello</a:t>
-            </a:r>
-          </a:p>
-        </p:txBody>
-      </p:sp>
-      <p:sp>
-        <p:nvSpPr>
-          <p:cNvPr id="7" name="スライド番号プレースホルダー 6">
-            <a:extLst>
-              <a:ext uri="{FF2B5EF4-FFF2-40B4-BE49-F238E27FC236}">
-                <a16:creationId xmlns:a16="http://schemas.microsoft.com/office/drawing/2014/main" id="{DB788B49-CBD5-4AB0-B2D0-FDA6C4BD4D0C}"/>
-              </a:ext>
-            </a:extLst>
-          </p:cNvPr>
-          <p:cNvSpPr>
-            <a:spLocks noGrp="1"/>
-          </p:cNvSpPr>
-          <p:nvPr>
-            <p:ph type="sldNum" sz="quarter" idx="12"/>
-          </p:nvPr>
-        </p:nvSpPr>
-        <p:spPr/>
-        <p:txBody>
-          <a:bodyPr/>
-          <a:lstStyle/>
-          <a:p>
-            <a:fld id="{48F63A3B-78C7-47BE-AE5E-E10140E04643}" type="slidenum">
-              <a:rPr lang="en-US" smtClean="0"/>
-              <a:pPr/>
-              <a:t>6</a:t>
             </a:fld>
             <a:r>
               <a:rPr lang="en-US"/>
@@ -4583,7 +3579,7 @@
 </p:sld>
 </file>
 
-<file path=ppt/slides/slide7.xml><?xml version="1.0" encoding="utf-8"?>
+<file path=ppt/slides/slide5.xml><?xml version="1.0" encoding="utf-8"?>
 <p:sld xmlns:a="http://schemas.openxmlformats.org/drawingml/2006/main" xmlns:r="http://schemas.openxmlformats.org/officeDocument/2006/relationships" xmlns:p="http://schemas.openxmlformats.org/presentationml/2006/main">
   <p:cSld>
     <p:spTree>
@@ -4690,7 +3686,7 @@
           <a:p>
             <a:fld id="{48F63A3B-78C7-47BE-AE5E-E10140E04643}" type="slidenum">
               <a:rPr lang="en-US" smtClean="0"/>
-              <a:t>7</a:t>
+              <a:t>5</a:t>
             </a:fld>
             <a:r>
               <a:rPr lang="en-US"/>
@@ -4713,7 +3709,7 @@
 </p:sld>
 </file>
 
-<file path=ppt/slides/slide8.xml><?xml version="1.0" encoding="utf-8"?>
+<file path=ppt/slides/slide6.xml><?xml version="1.0" encoding="utf-8"?>
 <p:sld xmlns:a="http://schemas.openxmlformats.org/drawingml/2006/main" xmlns:r="http://schemas.openxmlformats.org/officeDocument/2006/relationships" xmlns:p="http://schemas.openxmlformats.org/presentationml/2006/main">
   <p:cSld>
     <p:spTree>
@@ -4887,7 +3883,7 @@
             <a:fld id="{48F63A3B-78C7-47BE-AE5E-E10140E04643}" type="slidenum">
               <a:rPr lang="en-US" smtClean="0"/>
               <a:pPr/>
-              <a:t>8</a:t>
+              <a:t>6</a:t>
             </a:fld>
             <a:r>
               <a:rPr lang="en-US"/>
@@ -4901,6 +3897,250 @@
     <p:extLst>
       <p:ext uri="{BB962C8B-B14F-4D97-AF65-F5344CB8AC3E}">
         <p14:creationId xmlns:p14="http://schemas.microsoft.com/office/powerpoint/2010/main" val="738473277"/>
+      </p:ext>
+    </p:extLst>
+  </p:cSld>
+  <p:clrMapOvr>
+    <a:masterClrMapping/>
+  </p:clrMapOvr>
+</p:sld>
+</file>
+
+<file path=ppt/slides/slide7.xml><?xml version="1.0" encoding="utf-8"?>
+<p:sld xmlns:a="http://schemas.openxmlformats.org/drawingml/2006/main" xmlns:r="http://schemas.openxmlformats.org/officeDocument/2006/relationships" xmlns:p="http://schemas.openxmlformats.org/presentationml/2006/main">
+  <p:cSld>
+    <p:spTree>
+      <p:nvGrpSpPr>
+        <p:cNvPr id="1" name=""/>
+        <p:cNvGrpSpPr/>
+        <p:nvPr/>
+      </p:nvGrpSpPr>
+      <p:grpSpPr>
+        <a:xfrm>
+          <a:off x="0" y="0"/>
+          <a:ext cx="0" cy="0"/>
+          <a:chOff x="0" y="0"/>
+          <a:chExt cx="0" cy="0"/>
+        </a:xfrm>
+      </p:grpSpPr>
+      <p:sp>
+        <p:nvSpPr>
+          <p:cNvPr id="2" name="タイトル 1">
+            <a:extLst>
+              <a:ext uri="{FF2B5EF4-FFF2-40B4-BE49-F238E27FC236}">
+                <a16:creationId xmlns:a16="http://schemas.microsoft.com/office/drawing/2014/main" id="{725C0601-9E43-CFF5-9213-15A61DF194B6}"/>
+              </a:ext>
+            </a:extLst>
+          </p:cNvPr>
+          <p:cNvSpPr>
+            <a:spLocks noGrp="1"/>
+          </p:cNvSpPr>
+          <p:nvPr>
+            <p:ph type="ctrTitle"/>
+          </p:nvPr>
+        </p:nvSpPr>
+        <p:spPr>
+          <a:xfrm>
+            <a:off x="390144" y="1122363"/>
+            <a:ext cx="8351520" cy="2620582"/>
+          </a:xfrm>
+        </p:spPr>
+        <p:txBody>
+          <a:bodyPr>
+            <a:normAutofit/>
+          </a:bodyPr>
+          <a:lstStyle/>
+          <a:p>
+            <a:r>
+              <a:rPr kumimoji="1" lang="en-US" altLang="ja-JP" sz="4400" dirty="0">
+                <a:latin typeface="Hiragino Kaku Gothic Std W8" panose="020B0800000000000000" pitchFamily="34" charset="-128"/>
+                <a:ea typeface="Hiragino Kaku Gothic Std W8" panose="020B0800000000000000" pitchFamily="34" charset="-128"/>
+              </a:rPr>
+              <a:t>items</a:t>
+            </a:r>
+            <a:endParaRPr kumimoji="1" lang="ja-JP" altLang="en-US" sz="4400">
+              <a:latin typeface="Hiragino Kaku Gothic Std W8" panose="020B0800000000000000" pitchFamily="34" charset="-128"/>
+              <a:ea typeface="Hiragino Kaku Gothic Std W8" panose="020B0800000000000000" pitchFamily="34" charset="-128"/>
+            </a:endParaRPr>
+          </a:p>
+        </p:txBody>
+      </p:sp>
+      <p:sp>
+        <p:nvSpPr>
+          <p:cNvPr id="3" name="字幕 2">
+            <a:extLst>
+              <a:ext uri="{FF2B5EF4-FFF2-40B4-BE49-F238E27FC236}">
+                <a16:creationId xmlns:a16="http://schemas.microsoft.com/office/drawing/2014/main" id="{1F317453-2659-04C0-4374-F182FDA7C0E2}"/>
+              </a:ext>
+            </a:extLst>
+          </p:cNvPr>
+          <p:cNvSpPr>
+            <a:spLocks noGrp="1"/>
+          </p:cNvSpPr>
+          <p:nvPr>
+            <p:ph type="subTitle" idx="1"/>
+          </p:nvPr>
+        </p:nvSpPr>
+        <p:spPr>
+          <a:xfrm>
+            <a:off x="390143" y="4169664"/>
+            <a:ext cx="8351519" cy="963168"/>
+          </a:xfrm>
+        </p:spPr>
+        <p:txBody>
+          <a:bodyPr>
+            <a:normAutofit/>
+          </a:bodyPr>
+          <a:lstStyle/>
+          <a:p>
+            <a:r>
+              <a:rPr kumimoji="1" lang="en-US" altLang="ja-JP" dirty="0">
+                <a:latin typeface="Hiragino Kaku Gothic Std W8" panose="020B0800000000000000" pitchFamily="34" charset="-128"/>
+                <a:ea typeface="Hiragino Kaku Gothic Std W8" panose="020B0800000000000000" pitchFamily="34" charset="-128"/>
+              </a:rPr>
+              <a:t>name</a:t>
+            </a:r>
+            <a:endParaRPr kumimoji="1" lang="ja-JP" altLang="en-US">
+              <a:latin typeface="Hiragino Kaku Gothic Std W8" panose="020B0800000000000000" pitchFamily="34" charset="-128"/>
+              <a:ea typeface="Hiragino Kaku Gothic Std W8" panose="020B0800000000000000" pitchFamily="34" charset="-128"/>
+            </a:endParaRPr>
+          </a:p>
+        </p:txBody>
+      </p:sp>
+    </p:spTree>
+    <p:extLst>
+      <p:ext uri="{BB962C8B-B14F-4D97-AF65-F5344CB8AC3E}">
+        <p14:creationId xmlns:p14="http://schemas.microsoft.com/office/powerpoint/2010/main" val="593513300"/>
+      </p:ext>
+    </p:extLst>
+  </p:cSld>
+  <p:clrMapOvr>
+    <a:masterClrMapping/>
+  </p:clrMapOvr>
+</p:sld>
+</file>
+
+<file path=ppt/slides/slide8.xml><?xml version="1.0" encoding="utf-8"?>
+<p:sld xmlns:a="http://schemas.openxmlformats.org/drawingml/2006/main" xmlns:r="http://schemas.openxmlformats.org/officeDocument/2006/relationships" xmlns:p="http://schemas.openxmlformats.org/presentationml/2006/main">
+  <p:cSld>
+    <p:spTree>
+      <p:nvGrpSpPr>
+        <p:cNvPr id="1" name=""/>
+        <p:cNvGrpSpPr/>
+        <p:nvPr/>
+      </p:nvGrpSpPr>
+      <p:grpSpPr>
+        <a:xfrm>
+          <a:off x="0" y="0"/>
+          <a:ext cx="0" cy="0"/>
+          <a:chOff x="0" y="0"/>
+          <a:chExt cx="0" cy="0"/>
+        </a:xfrm>
+      </p:grpSpPr>
+      <p:sp>
+        <p:nvSpPr>
+          <p:cNvPr id="2" name="タイトル 1">
+            <a:extLst>
+              <a:ext uri="{FF2B5EF4-FFF2-40B4-BE49-F238E27FC236}">
+                <a16:creationId xmlns:a16="http://schemas.microsoft.com/office/drawing/2014/main" id="{09464A9F-DC19-9CAD-C3FE-B4957F307D5E}"/>
+              </a:ext>
+            </a:extLst>
+          </p:cNvPr>
+          <p:cNvSpPr>
+            <a:spLocks noGrp="1"/>
+          </p:cNvSpPr>
+          <p:nvPr>
+            <p:ph type="title"/>
+          </p:nvPr>
+        </p:nvSpPr>
+        <p:spPr/>
+        <p:txBody>
+          <a:bodyPr anchor="b"/>
+          <a:lstStyle/>
+          <a:p>
+            <a:r>
+              <a:rPr lang="en-US" altLang="ja-JP" dirty="0"/>
+              <a:t>section</a:t>
+            </a:r>
+            <a:endParaRPr kumimoji="1" lang="ja-JP" altLang="en-US">
+              <a:latin typeface="Hiragino Kaku Gothic Std W8" panose="020B0800000000000000" pitchFamily="34" charset="-128"/>
+              <a:ea typeface="Hiragino Kaku Gothic Std W8" panose="020B0800000000000000" pitchFamily="34" charset="-128"/>
+            </a:endParaRPr>
+          </a:p>
+        </p:txBody>
+      </p:sp>
+      <p:sp>
+        <p:nvSpPr>
+          <p:cNvPr id="3" name="テキスト プレースホルダー 2">
+            <a:extLst>
+              <a:ext uri="{FF2B5EF4-FFF2-40B4-BE49-F238E27FC236}">
+                <a16:creationId xmlns:a16="http://schemas.microsoft.com/office/drawing/2014/main" id="{B5AAE497-2E95-EDBE-9C01-258962D4856E}"/>
+              </a:ext>
+            </a:extLst>
+          </p:cNvPr>
+          <p:cNvSpPr>
+            <a:spLocks noGrp="1"/>
+          </p:cNvSpPr>
+          <p:nvPr>
+            <p:ph type="body" idx="1"/>
+          </p:nvPr>
+        </p:nvSpPr>
+        <p:spPr/>
+        <p:txBody>
+          <a:bodyPr/>
+          <a:lstStyle/>
+          <a:p>
+            <a:r>
+              <a:rPr kumimoji="1" lang="en-US" altLang="ja-JP" dirty="0">
+                <a:latin typeface="Hiragino Kaku Gothic Std W8" panose="020B0800000000000000" pitchFamily="34" charset="-128"/>
+                <a:ea typeface="Hiragino Kaku Gothic Std W8" panose="020B0800000000000000" pitchFamily="34" charset="-128"/>
+              </a:rPr>
+              <a:t>detail</a:t>
+            </a:r>
+            <a:endParaRPr kumimoji="1" lang="ja-JP" altLang="en-US">
+              <a:latin typeface="Hiragino Kaku Gothic Std W8" panose="020B0800000000000000" pitchFamily="34" charset="-128"/>
+              <a:ea typeface="Hiragino Kaku Gothic Std W8" panose="020B0800000000000000" pitchFamily="34" charset="-128"/>
+            </a:endParaRPr>
+          </a:p>
+        </p:txBody>
+      </p:sp>
+      <p:sp>
+        <p:nvSpPr>
+          <p:cNvPr id="7" name="スライド番号プレースホルダー 6">
+            <a:extLst>
+              <a:ext uri="{FF2B5EF4-FFF2-40B4-BE49-F238E27FC236}">
+                <a16:creationId xmlns:a16="http://schemas.microsoft.com/office/drawing/2014/main" id="{FDBA5218-EB3B-11FF-0581-CAFD9057D40D}"/>
+              </a:ext>
+            </a:extLst>
+          </p:cNvPr>
+          <p:cNvSpPr>
+            <a:spLocks noGrp="1"/>
+          </p:cNvSpPr>
+          <p:nvPr>
+            <p:ph type="sldNum" sz="quarter" idx="12"/>
+          </p:nvPr>
+        </p:nvSpPr>
+        <p:spPr/>
+        <p:txBody>
+          <a:bodyPr/>
+          <a:lstStyle/>
+          <a:p>
+            <a:fld id="{48F63A3B-78C7-47BE-AE5E-E10140E04643}" type="slidenum">
+              <a:rPr lang="en-US" smtClean="0"/>
+              <a:t>8</a:t>
+            </a:fld>
+            <a:r>
+              <a:rPr lang="en-US"/>
+              <a:t>/n</a:t>
+            </a:r>
+            <a:endParaRPr lang="en-US" dirty="0"/>
+          </a:p>
+        </p:txBody>
+      </p:sp>
+    </p:spTree>
+    <p:extLst>
+      <p:ext uri="{BB962C8B-B14F-4D97-AF65-F5344CB8AC3E}">
+        <p14:creationId xmlns:p14="http://schemas.microsoft.com/office/powerpoint/2010/main" val="895276899"/>
       </p:ext>
     </p:extLst>
   </p:cSld>
@@ -4929,10 +4169,62 @@
       </p:grpSpPr>
       <p:sp>
         <p:nvSpPr>
+          <p:cNvPr id="4" name="正方形/長方形 3">
+            <a:extLst>
+              <a:ext uri="{FF2B5EF4-FFF2-40B4-BE49-F238E27FC236}">
+                <a16:creationId xmlns:a16="http://schemas.microsoft.com/office/drawing/2014/main" id="{9CF5ADBC-63D6-C438-7B21-4E435C4E2EC9}"/>
+              </a:ext>
+            </a:extLst>
+          </p:cNvPr>
+          <p:cNvSpPr/>
+          <p:nvPr/>
+        </p:nvSpPr>
+        <p:spPr>
+          <a:xfrm>
+            <a:off x="-1" y="0"/>
+            <a:ext cx="9144001" cy="984738"/>
+          </a:xfrm>
+          <a:prstGeom prst="rect">
+            <a:avLst/>
+          </a:prstGeom>
+          <a:solidFill>
+            <a:schemeClr val="bg2"/>
+          </a:solidFill>
+          <a:ln>
+            <a:noFill/>
+          </a:ln>
+        </p:spPr>
+        <p:style>
+          <a:lnRef idx="2">
+            <a:schemeClr val="accent1">
+              <a:shade val="15000"/>
+            </a:schemeClr>
+          </a:lnRef>
+          <a:fillRef idx="1">
+            <a:schemeClr val="accent1"/>
+          </a:fillRef>
+          <a:effectRef idx="0">
+            <a:schemeClr val="accent1"/>
+          </a:effectRef>
+          <a:fontRef idx="minor">
+            <a:schemeClr val="lt1"/>
+          </a:fontRef>
+        </p:style>
+        <p:txBody>
+          <a:bodyPr rtlCol="0" anchor="ctr"/>
+          <a:lstStyle/>
+          <a:p>
+            <a:pPr algn="ctr"/>
+            <a:endParaRPr kumimoji="1" lang="ja-JP" altLang="en-US"/>
+          </a:p>
+        </p:txBody>
+      </p:sp>
+      <p:sp>
+        <p:nvSpPr>
           <p:cNvPr id="2" name="タイトル 1">
             <a:extLst>
               <a:ext uri="{FF2B5EF4-FFF2-40B4-BE49-F238E27FC236}">
-                <a16:creationId xmlns:a16="http://schemas.microsoft.com/office/drawing/2014/main" id="{725C0601-9E43-CFF5-9213-15A61DF194B6}"/>
+                <a16:creationId xmlns:a16="http://schemas.microsoft.com/office/drawing/2014/main" id="{39E3549D-C0BB-FB83-4188-F1CA43005809}"/>
               </a:ext>
             </a:extLst>
           </p:cNvPr>
@@ -4940,13 +4232,13 @@
             <a:spLocks noGrp="1"/>
           </p:cNvSpPr>
           <p:nvPr>
-            <p:ph type="ctrTitle"/>
+            <p:ph type="title"/>
           </p:nvPr>
         </p:nvSpPr>
         <p:spPr>
           <a:xfrm>
-            <a:off x="390144" y="1122363"/>
-            <a:ext cx="8351520" cy="2620582"/>
+            <a:off x="628650" y="67622"/>
+            <a:ext cx="7886700" cy="984738"/>
           </a:xfrm>
         </p:spPr>
         <p:txBody>
@@ -4956,53 +4248,8 @@
           <a:lstStyle/>
           <a:p>
             <a:r>
-              <a:rPr kumimoji="1" lang="en-US" altLang="ja-JP" sz="4400" dirty="0">
-                <a:latin typeface="Hiragino Kaku Gothic Std W8" panose="020B0800000000000000" pitchFamily="34" charset="-128"/>
-                <a:ea typeface="Hiragino Kaku Gothic Std W8" panose="020B0800000000000000" pitchFamily="34" charset="-128"/>
-              </a:rPr>
-              <a:t>items</a:t>
-            </a:r>
-            <a:endParaRPr kumimoji="1" lang="ja-JP" altLang="en-US" sz="4400">
-              <a:latin typeface="Hiragino Kaku Gothic Std W8" panose="020B0800000000000000" pitchFamily="34" charset="-128"/>
-              <a:ea typeface="Hiragino Kaku Gothic Std W8" panose="020B0800000000000000" pitchFamily="34" charset="-128"/>
-            </a:endParaRPr>
-          </a:p>
-        </p:txBody>
-      </p:sp>
-      <p:sp>
-        <p:nvSpPr>
-          <p:cNvPr id="3" name="字幕 2">
-            <a:extLst>
-              <a:ext uri="{FF2B5EF4-FFF2-40B4-BE49-F238E27FC236}">
-                <a16:creationId xmlns:a16="http://schemas.microsoft.com/office/drawing/2014/main" id="{1F317453-2659-04C0-4374-F182FDA7C0E2}"/>
-              </a:ext>
-            </a:extLst>
-          </p:cNvPr>
-          <p:cNvSpPr>
-            <a:spLocks noGrp="1"/>
-          </p:cNvSpPr>
-          <p:nvPr>
-            <p:ph type="subTitle" idx="1"/>
-          </p:nvPr>
-        </p:nvSpPr>
-        <p:spPr>
-          <a:xfrm>
-            <a:off x="390143" y="4169664"/>
-            <a:ext cx="8351519" cy="963168"/>
-          </a:xfrm>
-        </p:spPr>
-        <p:txBody>
-          <a:bodyPr>
-            <a:normAutofit/>
-          </a:bodyPr>
-          <a:lstStyle/>
-          <a:p>
-            <a:r>
-              <a:rPr kumimoji="1" lang="en-US" altLang="ja-JP" dirty="0">
-                <a:latin typeface="Hiragino Kaku Gothic Std W8" panose="020B0800000000000000" pitchFamily="34" charset="-128"/>
-                <a:ea typeface="Hiragino Kaku Gothic Std W8" panose="020B0800000000000000" pitchFamily="34" charset="-128"/>
-              </a:rPr>
-              <a:t>name</a:t>
+              <a:rPr lang="en-US" altLang="ja-JP" dirty="0"/>
+              <a:t>section</a:t>
             </a:r>
             <a:endParaRPr kumimoji="1" lang="ja-JP" altLang="en-US">
               <a:latin typeface="Hiragino Kaku Gothic Std W8" panose="020B0800000000000000" pitchFamily="34" charset="-128"/>
@@ -5011,10 +4258,86 @@
           </a:p>
         </p:txBody>
       </p:sp>
+      <p:sp>
+        <p:nvSpPr>
+          <p:cNvPr id="3" name="コンテンツ プレースホルダー 2">
+            <a:extLst>
+              <a:ext uri="{FF2B5EF4-FFF2-40B4-BE49-F238E27FC236}">
+                <a16:creationId xmlns:a16="http://schemas.microsoft.com/office/drawing/2014/main" id="{BCD1B691-85A7-B4C2-5EFB-79B01824458A}"/>
+              </a:ext>
+            </a:extLst>
+          </p:cNvPr>
+          <p:cNvSpPr>
+            <a:spLocks noGrp="1"/>
+          </p:cNvSpPr>
+          <p:nvPr>
+            <p:ph idx="1"/>
+          </p:nvPr>
+        </p:nvSpPr>
+        <p:spPr>
+          <a:xfrm>
+            <a:off x="628650" y="1242646"/>
+            <a:ext cx="7886700" cy="5248800"/>
+          </a:xfrm>
+        </p:spPr>
+        <p:txBody>
+          <a:bodyPr/>
+          <a:lstStyle/>
+          <a:p>
+            <a:pPr marL="0" indent="0" eaLnBrk="0">
+              <a:lnSpc>
+                <a:spcPct val="150000"/>
+              </a:lnSpc>
+              <a:spcBef>
+                <a:spcPts val="0"/>
+              </a:spcBef>
+              <a:buNone/>
+            </a:pPr>
+            <a:r>
+              <a:rPr lang="en-US" altLang="ja-JP" sz="1800" dirty="0"/>
+              <a:t>Hello</a:t>
+            </a:r>
+          </a:p>
+        </p:txBody>
+      </p:sp>
+      <p:sp>
+        <p:nvSpPr>
+          <p:cNvPr id="7" name="スライド番号プレースホルダー 6">
+            <a:extLst>
+              <a:ext uri="{FF2B5EF4-FFF2-40B4-BE49-F238E27FC236}">
+                <a16:creationId xmlns:a16="http://schemas.microsoft.com/office/drawing/2014/main" id="{DB788B49-CBD5-4AB0-B2D0-FDA6C4BD4D0C}"/>
+              </a:ext>
+            </a:extLst>
+          </p:cNvPr>
+          <p:cNvSpPr>
+            <a:spLocks noGrp="1"/>
+          </p:cNvSpPr>
+          <p:nvPr>
+            <p:ph type="sldNum" sz="quarter" idx="12"/>
+          </p:nvPr>
+        </p:nvSpPr>
+        <p:spPr/>
+        <p:txBody>
+          <a:bodyPr/>
+          <a:lstStyle/>
+          <a:p>
+            <a:fld id="{48F63A3B-78C7-47BE-AE5E-E10140E04643}" type="slidenum">
+              <a:rPr lang="en-US" smtClean="0"/>
+              <a:pPr/>
+              <a:t>9</a:t>
+            </a:fld>
+            <a:r>
+              <a:rPr lang="en-US"/>
+              <a:t>/n</a:t>
+            </a:r>
+            <a:endParaRPr lang="en-US" dirty="0"/>
+          </a:p>
+        </p:txBody>
+      </p:sp>
     </p:spTree>
     <p:extLst>
       <p:ext uri="{BB962C8B-B14F-4D97-AF65-F5344CB8AC3E}">
-        <p14:creationId xmlns:p14="http://schemas.microsoft.com/office/powerpoint/2010/main" val="593513300"/>
+        <p14:creationId xmlns:p14="http://schemas.microsoft.com/office/powerpoint/2010/main" val="5686784"/>
       </p:ext>
     </p:extLst>
   </p:cSld>

--- a/docs/大輪講.pptx
+++ b/docs/大輪講.pptx
@@ -5,18 +5,19 @@
     <p:sldMasterId id="2147483648" r:id="rId1"/>
   </p:sldMasterIdLst>
   <p:notesMasterIdLst>
-    <p:notesMasterId r:id="rId11"/>
+    <p:notesMasterId r:id="rId12"/>
   </p:notesMasterIdLst>
   <p:sldIdLst>
     <p:sldId id="256" r:id="rId2"/>
-    <p:sldId id="330" r:id="rId3"/>
+    <p:sldId id="339" r:id="rId3"/>
     <p:sldId id="333" r:id="rId4"/>
     <p:sldId id="334" r:id="rId5"/>
     <p:sldId id="327" r:id="rId6"/>
-    <p:sldId id="332" r:id="rId7"/>
-    <p:sldId id="338" r:id="rId8"/>
-    <p:sldId id="336" r:id="rId9"/>
-    <p:sldId id="335" r:id="rId10"/>
+    <p:sldId id="340" r:id="rId7"/>
+    <p:sldId id="341" r:id="rId8"/>
+    <p:sldId id="338" r:id="rId9"/>
+    <p:sldId id="336" r:id="rId10"/>
+    <p:sldId id="335" r:id="rId11"/>
   </p:sldIdLst>
   <p:sldSz cx="9144000" cy="6858000" type="screen4x3"/>
   <p:notesSz cx="6858000" cy="9144000"/>
@@ -662,7 +663,7 @@
     </p:spTree>
     <p:extLst>
       <p:ext uri="{BB962C8B-B14F-4D97-AF65-F5344CB8AC3E}">
-        <p14:creationId xmlns:p14="http://schemas.microsoft.com/office/powerpoint/2010/main" val="3321302026"/>
+        <p14:creationId xmlns:p14="http://schemas.microsoft.com/office/powerpoint/2010/main" val="685179951"/>
       </p:ext>
     </p:extLst>
   </p:cSld>
@@ -914,7 +915,7 @@
     </p:spTree>
     <p:extLst>
       <p:ext uri="{BB962C8B-B14F-4D97-AF65-F5344CB8AC3E}">
-        <p14:creationId xmlns:p14="http://schemas.microsoft.com/office/powerpoint/2010/main" val="4014126029"/>
+        <p14:creationId xmlns:p14="http://schemas.microsoft.com/office/powerpoint/2010/main" val="1898591330"/>
       </p:ext>
     </p:extLst>
   </p:cSld>
@@ -998,7 +999,7 @@
     </p:spTree>
     <p:extLst>
       <p:ext uri="{BB962C8B-B14F-4D97-AF65-F5344CB8AC3E}">
-        <p14:creationId xmlns:p14="http://schemas.microsoft.com/office/powerpoint/2010/main" val="4254298060"/>
+        <p14:creationId xmlns:p14="http://schemas.microsoft.com/office/powerpoint/2010/main" val="120124759"/>
       </p:ext>
     </p:extLst>
   </p:cSld>
@@ -1073,7 +1074,91 @@
           <a:p>
             <a:fld id="{EAA3EE7C-6BE9-AF47-A02D-EA93943F487C}" type="slidenum">
               <a:rPr kumimoji="1" lang="ja-JP" altLang="en-US" smtClean="0"/>
-              <a:t>9</a:t>
+              <a:t>8</a:t>
+            </a:fld>
+            <a:endParaRPr kumimoji="1" lang="ja-JP" altLang="en-US"/>
+          </a:p>
+        </p:txBody>
+      </p:sp>
+    </p:spTree>
+    <p:extLst>
+      <p:ext uri="{BB962C8B-B14F-4D97-AF65-F5344CB8AC3E}">
+        <p14:creationId xmlns:p14="http://schemas.microsoft.com/office/powerpoint/2010/main" val="4254298060"/>
+      </p:ext>
+    </p:extLst>
+  </p:cSld>
+  <p:clrMapOvr>
+    <a:masterClrMapping/>
+  </p:clrMapOvr>
+</p:notes>
+</file>
+
+<file path=ppt/notesSlides/notesSlide8.xml><?xml version="1.0" encoding="utf-8"?>
+<p:notes xmlns:a="http://schemas.openxmlformats.org/drawingml/2006/main" xmlns:r="http://schemas.openxmlformats.org/officeDocument/2006/relationships" xmlns:p="http://schemas.openxmlformats.org/presentationml/2006/main">
+  <p:cSld>
+    <p:spTree>
+      <p:nvGrpSpPr>
+        <p:cNvPr id="1" name=""/>
+        <p:cNvGrpSpPr/>
+        <p:nvPr/>
+      </p:nvGrpSpPr>
+      <p:grpSpPr>
+        <a:xfrm>
+          <a:off x="0" y="0"/>
+          <a:ext cx="0" cy="0"/>
+          <a:chOff x="0" y="0"/>
+          <a:chExt cx="0" cy="0"/>
+        </a:xfrm>
+      </p:grpSpPr>
+      <p:sp>
+        <p:nvSpPr>
+          <p:cNvPr id="2" name="スライド イメージ プレースホルダー 1"/>
+          <p:cNvSpPr>
+            <a:spLocks noGrp="1" noRot="1" noChangeAspect="1"/>
+          </p:cNvSpPr>
+          <p:nvPr>
+            <p:ph type="sldImg"/>
+          </p:nvPr>
+        </p:nvSpPr>
+        <p:spPr/>
+      </p:sp>
+      <p:sp>
+        <p:nvSpPr>
+          <p:cNvPr id="3" name="ノート プレースホルダー 2"/>
+          <p:cNvSpPr>
+            <a:spLocks noGrp="1"/>
+          </p:cNvSpPr>
+          <p:nvPr>
+            <p:ph type="body" idx="1"/>
+          </p:nvPr>
+        </p:nvSpPr>
+        <p:spPr/>
+        <p:txBody>
+          <a:bodyPr/>
+          <a:lstStyle/>
+          <a:p>
+            <a:endParaRPr kumimoji="1" lang="ja-JP" altLang="en-US"/>
+          </a:p>
+        </p:txBody>
+      </p:sp>
+      <p:sp>
+        <p:nvSpPr>
+          <p:cNvPr id="4" name="スライド番号プレースホルダー 3"/>
+          <p:cNvSpPr>
+            <a:spLocks noGrp="1"/>
+          </p:cNvSpPr>
+          <p:nvPr>
+            <p:ph type="sldNum" sz="quarter" idx="5"/>
+          </p:nvPr>
+        </p:nvSpPr>
+        <p:spPr/>
+        <p:txBody>
+          <a:bodyPr/>
+          <a:lstStyle/>
+          <a:p>
+            <a:fld id="{EAA3EE7C-6BE9-AF47-A02D-EA93943F487C}" type="slidenum">
+              <a:rPr kumimoji="1" lang="ja-JP" altLang="en-US" smtClean="0"/>
+              <a:t>10</a:t>
             </a:fld>
             <a:endParaRPr kumimoji="1" lang="ja-JP" altLang="en-US"/>
           </a:p>
@@ -2481,7 +2566,7 @@
           <a:p>
             <a:r>
               <a:rPr lang="ja-JP" altLang="en-US" sz="4400"/>
-              <a:t>超大質量天体を回る</a:t>
+              <a:t>ブラックホールを回る</a:t>
             </a:r>
             <a:br>
               <a:rPr lang="en-US" altLang="ja-JP" sz="4400" dirty="0"/>
@@ -2538,7 +2623,7 @@
               <a:rPr lang="en-US" altLang="ja-JP" sz="1800" dirty="0">
                 <a:solidFill>
                   <a:schemeClr val="bg2">
-                    <a:lumMod val="75000"/>
+                    <a:lumMod val="50000"/>
                   </a:schemeClr>
                 </a:solidFill>
               </a:rPr>
@@ -2548,7 +2633,7 @@
               <a:rPr lang="en-US" altLang="ja-JP" sz="1800" dirty="0" err="1">
                 <a:solidFill>
                   <a:schemeClr val="bg2">
-                    <a:lumMod val="75000"/>
+                    <a:lumMod val="50000"/>
                   </a:schemeClr>
                 </a:solidFill>
               </a:rPr>
@@ -2558,7 +2643,7 @@
               <a:rPr lang="en-US" altLang="ja-JP" sz="1800" dirty="0">
                 <a:solidFill>
                   <a:schemeClr val="bg2">
-                    <a:lumMod val="75000"/>
+                    <a:lumMod val="50000"/>
                   </a:schemeClr>
                 </a:solidFill>
               </a:rPr>
@@ -2568,7 +2653,7 @@
               <a:rPr lang="en-US" altLang="ja-JP" sz="1800" dirty="0" err="1">
                 <a:solidFill>
                   <a:schemeClr val="bg2">
-                    <a:lumMod val="75000"/>
+                    <a:lumMod val="50000"/>
                   </a:schemeClr>
                 </a:solidFill>
               </a:rPr>
@@ -2578,7 +2663,7 @@
               <a:rPr lang="ja-JP" altLang="en-US" sz="1800">
                 <a:solidFill>
                   <a:schemeClr val="bg2">
-                    <a:lumMod val="75000"/>
+                    <a:lumMod val="50000"/>
                   </a:schemeClr>
                 </a:solidFill>
               </a:rPr>
@@ -2588,7 +2673,7 @@
               <a:rPr lang="en-US" altLang="ja-JP" sz="1800" dirty="0">
                 <a:solidFill>
                   <a:schemeClr val="bg2">
-                    <a:lumMod val="75000"/>
+                    <a:lumMod val="50000"/>
                   </a:schemeClr>
                 </a:solidFill>
               </a:rPr>
@@ -2609,7 +2694,7 @@
               <a:rPr lang="en-US" altLang="ja-JP" sz="1800" dirty="0">
                 <a:solidFill>
                   <a:schemeClr val="bg2">
-                    <a:lumMod val="75000"/>
+                    <a:lumMod val="50000"/>
                   </a:schemeClr>
                 </a:solidFill>
               </a:rPr>
@@ -2658,7 +2743,7 @@
 </p:sld>
 </file>
 
-<file path=ppt/slides/slide2.xml><?xml version="1.0" encoding="utf-8"?>
+<file path=ppt/slides/slide10.xml><?xml version="1.0" encoding="utf-8"?>
 <p:sld xmlns:a="http://schemas.openxmlformats.org/drawingml/2006/main" xmlns:r="http://schemas.openxmlformats.org/officeDocument/2006/relationships" xmlns:p="http://schemas.openxmlformats.org/presentationml/2006/main">
   <p:cSld>
     <p:spTree>
@@ -2756,12 +2841,13 @@
           <a:lstStyle/>
           <a:p>
             <a:r>
-              <a:rPr kumimoji="1" lang="ja-JP" altLang="en-US">
-                <a:latin typeface="Hiragino Kaku Gothic Std W8" panose="020B0800000000000000" pitchFamily="34" charset="-128"/>
-                <a:ea typeface="Hiragino Kaku Gothic Std W8" panose="020B0800000000000000" pitchFamily="34" charset="-128"/>
-              </a:rPr>
-              <a:t>目次</a:t>
-            </a:r>
+              <a:rPr lang="en-US" altLang="ja-JP" dirty="0"/>
+              <a:t>section</a:t>
+            </a:r>
+            <a:endParaRPr kumimoji="1" lang="ja-JP" altLang="en-US">
+              <a:latin typeface="Hiragino Kaku Gothic Std W8" panose="020B0800000000000000" pitchFamily="34" charset="-128"/>
+              <a:ea typeface="Hiragino Kaku Gothic Std W8" panose="020B0800000000000000" pitchFamily="34" charset="-128"/>
+            </a:endParaRPr>
           </a:p>
         </p:txBody>
       </p:sp>
@@ -2783,178 +2869,27 @@
         </p:nvSpPr>
         <p:spPr>
           <a:xfrm>
-            <a:off x="628650" y="1805354"/>
-            <a:ext cx="7886700" cy="4724400"/>
+            <a:off x="628650" y="1242646"/>
+            <a:ext cx="7886700" cy="5248800"/>
           </a:xfrm>
         </p:spPr>
         <p:txBody>
           <a:bodyPr/>
           <a:lstStyle/>
           <a:p>
-            <a:r>
-              <a:rPr lang="ja-JP" altLang="en-US"/>
-              <a:t>超大質量天体付近での光の軌道</a:t>
-            </a:r>
-            <a:endParaRPr lang="en-US" altLang="ja-JP" sz="1500" dirty="0"/>
-          </a:p>
-          <a:p>
-            <a:pPr lvl="1"/>
-            <a:r>
-              <a:rPr lang="ja-JP" altLang="en-US" sz="1500">
-                <a:latin typeface="+mj-ea"/>
-                <a:ea typeface="+mj-ea"/>
-              </a:rPr>
-              <a:t>微分方程式の導出</a:t>
-            </a:r>
-            <a:endParaRPr lang="en-US" altLang="ja-JP" sz="1500" dirty="0">
-              <a:latin typeface="+mj-ea"/>
-              <a:ea typeface="+mj-ea"/>
-            </a:endParaRPr>
-          </a:p>
-          <a:p>
-            <a:pPr lvl="1"/>
-            <a:r>
-              <a:rPr lang="ja-JP" altLang="en-US" sz="1500">
-                <a:latin typeface="+mj-ea"/>
-                <a:ea typeface="+mj-ea"/>
-              </a:rPr>
-              <a:t>衝突係数と曲がり角</a:t>
-            </a:r>
-            <a:endParaRPr lang="en-US" altLang="ja-JP" sz="1500" dirty="0">
-              <a:latin typeface="+mj-ea"/>
-              <a:ea typeface="+mj-ea"/>
-            </a:endParaRPr>
-          </a:p>
-          <a:p>
-            <a:pPr lvl="1"/>
-            <a:r>
-              <a:rPr lang="ja-JP" altLang="en-US" sz="1500">
-                <a:latin typeface="+mj-ea"/>
-                <a:ea typeface="+mj-ea"/>
-              </a:rPr>
-              <a:t>超大質量天体付近を周回する光</a:t>
-            </a:r>
-            <a:endParaRPr lang="en-US" altLang="ja-JP" sz="1500" dirty="0">
-              <a:latin typeface="+mj-ea"/>
-              <a:ea typeface="+mj-ea"/>
-            </a:endParaRPr>
-          </a:p>
-          <a:p>
-            <a:pPr marL="342900" lvl="1" indent="0">
+            <a:pPr marL="0" indent="0" eaLnBrk="0">
+              <a:lnSpc>
+                <a:spcPct val="150000"/>
+              </a:lnSpc>
+              <a:spcBef>
+                <a:spcPts val="0"/>
+              </a:spcBef>
               <a:buNone/>
             </a:pPr>
-            <a:endParaRPr lang="en-US" altLang="ja-JP" sz="1500" dirty="0"/>
-          </a:p>
-          <a:p>
-            <a:r>
-              <a:rPr lang="ja-JP" altLang="en-US"/>
-              <a:t>薄い降着円盤の作る像</a:t>
-            </a:r>
-            <a:endParaRPr lang="en-US" altLang="ja-JP" dirty="0"/>
-          </a:p>
-          <a:p>
-            <a:pPr lvl="1"/>
-            <a:r>
-              <a:rPr lang="ja-JP" altLang="en-US" sz="1500">
-                <a:latin typeface="+mj-ea"/>
-                <a:ea typeface="+mj-ea"/>
-              </a:rPr>
-              <a:t>状況設定</a:t>
-            </a:r>
-            <a:endParaRPr lang="en-US" altLang="ja-JP" sz="1500" dirty="0">
-              <a:latin typeface="+mj-ea"/>
-              <a:ea typeface="+mj-ea"/>
-            </a:endParaRPr>
-          </a:p>
-          <a:p>
-            <a:pPr lvl="1"/>
-            <a:r>
-              <a:rPr lang="ja-JP" altLang="en-US" sz="1500">
-                <a:latin typeface="+mj-ea"/>
-                <a:ea typeface="+mj-ea"/>
-              </a:rPr>
-              <a:t>直接観測者に届く光の像の計算</a:t>
-            </a:r>
-            <a:endParaRPr lang="en-US" altLang="ja-JP" sz="1500" dirty="0">
-              <a:latin typeface="+mj-ea"/>
-              <a:ea typeface="+mj-ea"/>
-            </a:endParaRPr>
-          </a:p>
-          <a:p>
-            <a:pPr lvl="1"/>
-            <a:r>
-              <a:rPr lang="ja-JP" altLang="en-US" sz="1500">
-                <a:latin typeface="+mj-ea"/>
-                <a:ea typeface="+mj-ea"/>
-              </a:rPr>
-              <a:t>天体を周回してから観測者に届く光の像の計算</a:t>
-            </a:r>
-            <a:endParaRPr lang="en-US" altLang="ja-JP" sz="1500" dirty="0">
-              <a:latin typeface="+mj-ea"/>
-              <a:ea typeface="+mj-ea"/>
-            </a:endParaRPr>
-          </a:p>
-          <a:p>
-            <a:pPr lvl="1"/>
-            <a:endParaRPr lang="en-US" altLang="ja-JP" sz="1500" dirty="0">
-              <a:latin typeface="+mj-ea"/>
-              <a:ea typeface="+mj-ea"/>
-            </a:endParaRPr>
-          </a:p>
-          <a:p>
-            <a:r>
-              <a:rPr lang="ja-JP" altLang="en-US"/>
-              <a:t>数値計算</a:t>
-            </a:r>
-            <a:endParaRPr lang="en-US" altLang="ja-JP" dirty="0"/>
-          </a:p>
-          <a:p>
-            <a:pPr lvl="1"/>
-            <a:r>
-              <a:rPr lang="ja-JP" altLang="en-US" sz="1500">
-                <a:latin typeface="+mj-ea"/>
-                <a:ea typeface="+mj-ea"/>
-              </a:rPr>
-              <a:t>入力と出力</a:t>
-            </a:r>
-            <a:endParaRPr lang="en-US" altLang="ja-JP" sz="1500" dirty="0">
-              <a:latin typeface="+mj-ea"/>
-              <a:ea typeface="+mj-ea"/>
-            </a:endParaRPr>
-          </a:p>
-          <a:p>
-            <a:pPr lvl="1"/>
-            <a:r>
-              <a:rPr lang="ja-JP" altLang="en-US" sz="1500">
-                <a:latin typeface="+mj-ea"/>
-                <a:ea typeface="+mj-ea"/>
-              </a:rPr>
-              <a:t>簡単なコードの説明</a:t>
-            </a:r>
-            <a:endParaRPr lang="en-US" altLang="ja-JP" sz="1500" dirty="0">
-              <a:latin typeface="+mj-ea"/>
-              <a:ea typeface="+mj-ea"/>
-            </a:endParaRPr>
-          </a:p>
-          <a:p>
-            <a:pPr lvl="1"/>
-            <a:r>
-              <a:rPr lang="ja-JP" altLang="en-US" sz="1500">
-                <a:latin typeface="+mj-ea"/>
-                <a:ea typeface="+mj-ea"/>
-              </a:rPr>
-              <a:t>作成された像</a:t>
-            </a:r>
-            <a:endParaRPr lang="en-US" altLang="ja-JP" sz="1500" dirty="0">
-              <a:latin typeface="+mj-ea"/>
-              <a:ea typeface="+mj-ea"/>
-            </a:endParaRPr>
-          </a:p>
-          <a:p>
-            <a:pPr marL="0" indent="0">
-              <a:buNone/>
-            </a:pPr>
-            <a:endParaRPr lang="en-US" altLang="ja-JP" sz="1800" dirty="0"/>
+            <a:r>
+              <a:rPr lang="en-US" altLang="ja-JP" sz="1800" dirty="0"/>
+              <a:t>Hello</a:t>
+            </a:r>
           </a:p>
         </p:txBody>
       </p:sp>
@@ -2963,7 +2898,7 @@
           <p:cNvPr id="7" name="スライド番号プレースホルダー 6">
             <a:extLst>
               <a:ext uri="{FF2B5EF4-FFF2-40B4-BE49-F238E27FC236}">
-                <a16:creationId xmlns:a16="http://schemas.microsoft.com/office/drawing/2014/main" id="{7F9113C7-E66C-09A9-4CA3-02EC269745B5}"/>
+                <a16:creationId xmlns:a16="http://schemas.microsoft.com/office/drawing/2014/main" id="{DB788B49-CBD5-4AB0-B2D0-FDA6C4BD4D0C}"/>
               </a:ext>
             </a:extLst>
           </p:cNvPr>
@@ -2982,7 +2917,7 @@
             <a:fld id="{48F63A3B-78C7-47BE-AE5E-E10140E04643}" type="slidenum">
               <a:rPr lang="en-US" smtClean="0"/>
               <a:pPr/>
-              <a:t>2</a:t>
+              <a:t>10</a:t>
             </a:fld>
             <a:r>
               <a:rPr lang="en-US"/>
@@ -2995,7 +2930,7 @@
     </p:spTree>
     <p:extLst>
       <p:ext uri="{BB962C8B-B14F-4D97-AF65-F5344CB8AC3E}">
-        <p14:creationId xmlns:p14="http://schemas.microsoft.com/office/powerpoint/2010/main" val="1873743792"/>
+        <p14:creationId xmlns:p14="http://schemas.microsoft.com/office/powerpoint/2010/main" val="5686784"/>
       </p:ext>
     </p:extLst>
   </p:cSld>
@@ -3005,7 +2940,7 @@
 </p:sld>
 </file>
 
-<file path=ppt/slides/slide3.xml><?xml version="1.0" encoding="utf-8"?>
+<file path=ppt/slides/slide2.xml><?xml version="1.0" encoding="utf-8"?>
 <p:sld xmlns:a="http://schemas.openxmlformats.org/drawingml/2006/main" xmlns:r="http://schemas.openxmlformats.org/officeDocument/2006/relationships" xmlns:p="http://schemas.openxmlformats.org/presentationml/2006/main">
   <p:cSld>
     <p:spTree>
@@ -3103,12 +3038,13 @@
           <a:lstStyle/>
           <a:p>
             <a:r>
-              <a:rPr kumimoji="1" lang="ja-JP" altLang="en-US">
-                <a:latin typeface="Hiragino Kaku Gothic Std W8" panose="020B0800000000000000" pitchFamily="34" charset="-128"/>
-                <a:ea typeface="Hiragino Kaku Gothic Std W8" panose="020B0800000000000000" pitchFamily="34" charset="-128"/>
-              </a:rPr>
-              <a:t>導入</a:t>
-            </a:r>
+              <a:rPr lang="ja-JP" altLang="en-US"/>
+              <a:t>目次</a:t>
+            </a:r>
+            <a:endParaRPr kumimoji="1" lang="ja-JP" altLang="en-US">
+              <a:latin typeface="Hiragino Kaku Gothic Std W8" panose="020B0800000000000000" pitchFamily="34" charset="-128"/>
+              <a:ea typeface="Hiragino Kaku Gothic Std W8" panose="020B0800000000000000" pitchFamily="34" charset="-128"/>
+            </a:endParaRPr>
           </a:p>
         </p:txBody>
       </p:sp>
@@ -3136,9 +3072,501 @@
         </p:spPr>
         <p:txBody>
           <a:bodyPr>
+            <a:normAutofit fontScale="92500" lnSpcReduction="20000"/>
+          </a:bodyPr>
+          <a:lstStyle/>
+          <a:p>
+            <a:pPr>
+              <a:lnSpc>
+                <a:spcPct val="150000"/>
+              </a:lnSpc>
+            </a:pPr>
+            <a:r>
+              <a:rPr lang="ja-JP" altLang="en-US"/>
+              <a:t>ブラックホール付近での光の軌道</a:t>
+            </a:r>
+            <a:endParaRPr lang="en-US" altLang="ja-JP" sz="1500" dirty="0"/>
+          </a:p>
+          <a:p>
+            <a:pPr lvl="1">
+              <a:lnSpc>
+                <a:spcPct val="150000"/>
+              </a:lnSpc>
+            </a:pPr>
+            <a:r>
+              <a:rPr lang="ja-JP" altLang="en-US" sz="1500">
+                <a:solidFill>
+                  <a:schemeClr val="bg2">
+                    <a:lumMod val="50000"/>
+                  </a:schemeClr>
+                </a:solidFill>
+              </a:rPr>
+              <a:t>微分方程式の導出</a:t>
+            </a:r>
+            <a:endParaRPr lang="en-US" altLang="ja-JP" sz="1500" dirty="0">
+              <a:solidFill>
+                <a:schemeClr val="bg2">
+                  <a:lumMod val="50000"/>
+                </a:schemeClr>
+              </a:solidFill>
+            </a:endParaRPr>
+          </a:p>
+          <a:p>
+            <a:pPr lvl="1">
+              <a:lnSpc>
+                <a:spcPct val="150000"/>
+              </a:lnSpc>
+            </a:pPr>
+            <a:r>
+              <a:rPr lang="ja-JP" altLang="en-US" sz="1500">
+                <a:solidFill>
+                  <a:schemeClr val="bg2">
+                    <a:lumMod val="50000"/>
+                  </a:schemeClr>
+                </a:solidFill>
+              </a:rPr>
+              <a:t>衝突係数と曲がり角</a:t>
+            </a:r>
+            <a:endParaRPr lang="en-US" altLang="ja-JP" sz="1500" dirty="0">
+              <a:solidFill>
+                <a:schemeClr val="bg2">
+                  <a:lumMod val="50000"/>
+                </a:schemeClr>
+              </a:solidFill>
+            </a:endParaRPr>
+          </a:p>
+          <a:p>
+            <a:pPr lvl="1">
+              <a:lnSpc>
+                <a:spcPct val="150000"/>
+              </a:lnSpc>
+            </a:pPr>
+            <a:r>
+              <a:rPr lang="ja-JP" altLang="en-US" sz="1500">
+                <a:solidFill>
+                  <a:schemeClr val="bg2">
+                    <a:lumMod val="50000"/>
+                  </a:schemeClr>
+                </a:solidFill>
+              </a:rPr>
+              <a:t>ブラックホール付近を周回する光</a:t>
+            </a:r>
+            <a:endParaRPr lang="en-US" altLang="ja-JP" sz="1500" dirty="0">
+              <a:solidFill>
+                <a:schemeClr val="bg2">
+                  <a:lumMod val="50000"/>
+                </a:schemeClr>
+              </a:solidFill>
+            </a:endParaRPr>
+          </a:p>
+          <a:p>
+            <a:pPr marL="342900" lvl="1" indent="0">
+              <a:lnSpc>
+                <a:spcPct val="150000"/>
+              </a:lnSpc>
+              <a:buNone/>
+            </a:pPr>
+            <a:endParaRPr lang="en-US" altLang="ja-JP" sz="1500" dirty="0"/>
+          </a:p>
+          <a:p>
+            <a:pPr>
+              <a:lnSpc>
+                <a:spcPct val="150000"/>
+              </a:lnSpc>
+            </a:pPr>
+            <a:r>
+              <a:rPr lang="ja-JP" altLang="en-US"/>
+              <a:t>薄い降着円盤の作る像</a:t>
+            </a:r>
+            <a:endParaRPr lang="en-US" altLang="ja-JP" dirty="0"/>
+          </a:p>
+          <a:p>
+            <a:pPr lvl="1">
+              <a:lnSpc>
+                <a:spcPct val="150000"/>
+              </a:lnSpc>
+            </a:pPr>
+            <a:r>
+              <a:rPr lang="ja-JP" altLang="en-US" sz="1500">
+                <a:solidFill>
+                  <a:schemeClr val="bg2">
+                    <a:lumMod val="50000"/>
+                  </a:schemeClr>
+                </a:solidFill>
+              </a:rPr>
+              <a:t>状況設定</a:t>
+            </a:r>
+            <a:endParaRPr lang="en-US" altLang="ja-JP" sz="1500" dirty="0">
+              <a:solidFill>
+                <a:schemeClr val="bg2">
+                  <a:lumMod val="50000"/>
+                </a:schemeClr>
+              </a:solidFill>
+            </a:endParaRPr>
+          </a:p>
+          <a:p>
+            <a:pPr lvl="1">
+              <a:lnSpc>
+                <a:spcPct val="150000"/>
+              </a:lnSpc>
+            </a:pPr>
+            <a:r>
+              <a:rPr lang="ja-JP" altLang="en-US" sz="1500">
+                <a:solidFill>
+                  <a:schemeClr val="bg2">
+                    <a:lumMod val="50000"/>
+                  </a:schemeClr>
+                </a:solidFill>
+              </a:rPr>
+              <a:t>直接観測者に届く光の像の計算</a:t>
+            </a:r>
+            <a:endParaRPr lang="en-US" altLang="ja-JP" sz="1500" dirty="0">
+              <a:solidFill>
+                <a:schemeClr val="bg2">
+                  <a:lumMod val="50000"/>
+                </a:schemeClr>
+              </a:solidFill>
+            </a:endParaRPr>
+          </a:p>
+          <a:p>
+            <a:pPr lvl="1">
+              <a:lnSpc>
+                <a:spcPct val="150000"/>
+              </a:lnSpc>
+            </a:pPr>
+            <a:r>
+              <a:rPr lang="ja-JP" altLang="en-US" sz="1500">
+                <a:solidFill>
+                  <a:schemeClr val="bg2">
+                    <a:lumMod val="50000"/>
+                  </a:schemeClr>
+                </a:solidFill>
+              </a:rPr>
+              <a:t>ブラックホールを周回してから観測者に届く光の像の計算</a:t>
+            </a:r>
+            <a:endParaRPr lang="en-US" altLang="ja-JP" sz="1500" dirty="0">
+              <a:solidFill>
+                <a:schemeClr val="bg2">
+                  <a:lumMod val="50000"/>
+                </a:schemeClr>
+              </a:solidFill>
+            </a:endParaRPr>
+          </a:p>
+          <a:p>
+            <a:pPr lvl="1">
+              <a:lnSpc>
+                <a:spcPct val="150000"/>
+              </a:lnSpc>
+            </a:pPr>
+            <a:endParaRPr lang="en-US" altLang="ja-JP" sz="1500" dirty="0"/>
+          </a:p>
+          <a:p>
+            <a:pPr>
+              <a:lnSpc>
+                <a:spcPct val="150000"/>
+              </a:lnSpc>
+            </a:pPr>
+            <a:r>
+              <a:rPr lang="ja-JP" altLang="en-US"/>
+              <a:t>数値計算</a:t>
+            </a:r>
+            <a:endParaRPr lang="en-US" altLang="ja-JP" dirty="0"/>
+          </a:p>
+          <a:p>
+            <a:pPr lvl="1">
+              <a:lnSpc>
+                <a:spcPct val="150000"/>
+              </a:lnSpc>
+            </a:pPr>
+            <a:r>
+              <a:rPr lang="ja-JP" altLang="en-US" sz="1500">
+                <a:solidFill>
+                  <a:schemeClr val="bg2">
+                    <a:lumMod val="50000"/>
+                  </a:schemeClr>
+                </a:solidFill>
+              </a:rPr>
+              <a:t>入力と出力</a:t>
+            </a:r>
+            <a:endParaRPr lang="en-US" altLang="ja-JP" sz="1500" dirty="0">
+              <a:solidFill>
+                <a:schemeClr val="bg2">
+                  <a:lumMod val="50000"/>
+                </a:schemeClr>
+              </a:solidFill>
+            </a:endParaRPr>
+          </a:p>
+          <a:p>
+            <a:pPr lvl="1">
+              <a:lnSpc>
+                <a:spcPct val="150000"/>
+              </a:lnSpc>
+            </a:pPr>
+            <a:r>
+              <a:rPr lang="ja-JP" altLang="en-US" sz="1500">
+                <a:solidFill>
+                  <a:schemeClr val="bg2">
+                    <a:lumMod val="50000"/>
+                  </a:schemeClr>
+                </a:solidFill>
+              </a:rPr>
+              <a:t>簡単なコードの説明</a:t>
+            </a:r>
+            <a:endParaRPr lang="en-US" altLang="ja-JP" sz="1500" dirty="0">
+              <a:solidFill>
+                <a:schemeClr val="bg2">
+                  <a:lumMod val="50000"/>
+                </a:schemeClr>
+              </a:solidFill>
+            </a:endParaRPr>
+          </a:p>
+          <a:p>
+            <a:pPr lvl="1">
+              <a:lnSpc>
+                <a:spcPct val="150000"/>
+              </a:lnSpc>
+            </a:pPr>
+            <a:r>
+              <a:rPr lang="ja-JP" altLang="en-US" sz="1500">
+                <a:solidFill>
+                  <a:schemeClr val="bg2">
+                    <a:lumMod val="50000"/>
+                  </a:schemeClr>
+                </a:solidFill>
+              </a:rPr>
+              <a:t>作成された像</a:t>
+            </a:r>
+            <a:endParaRPr lang="en-US" altLang="ja-JP" sz="1500" dirty="0">
+              <a:solidFill>
+                <a:schemeClr val="bg2">
+                  <a:lumMod val="50000"/>
+                </a:schemeClr>
+              </a:solidFill>
+            </a:endParaRPr>
+          </a:p>
+        </p:txBody>
+      </p:sp>
+      <p:sp>
+        <p:nvSpPr>
+          <p:cNvPr id="7" name="スライド番号プレースホルダー 6">
+            <a:extLst>
+              <a:ext uri="{FF2B5EF4-FFF2-40B4-BE49-F238E27FC236}">
+                <a16:creationId xmlns:a16="http://schemas.microsoft.com/office/drawing/2014/main" id="{DB788B49-CBD5-4AB0-B2D0-FDA6C4BD4D0C}"/>
+              </a:ext>
+            </a:extLst>
+          </p:cNvPr>
+          <p:cNvSpPr>
+            <a:spLocks noGrp="1"/>
+          </p:cNvSpPr>
+          <p:nvPr>
+            <p:ph type="sldNum" sz="quarter" idx="12"/>
+          </p:nvPr>
+        </p:nvSpPr>
+        <p:spPr/>
+        <p:txBody>
+          <a:bodyPr/>
+          <a:lstStyle/>
+          <a:p>
+            <a:fld id="{48F63A3B-78C7-47BE-AE5E-E10140E04643}" type="slidenum">
+              <a:rPr lang="en-US" smtClean="0"/>
+              <a:pPr/>
+              <a:t>2</a:t>
+            </a:fld>
+            <a:r>
+              <a:rPr lang="en-US"/>
+              <a:t>/n</a:t>
+            </a:r>
+            <a:endParaRPr lang="en-US" dirty="0"/>
+          </a:p>
+        </p:txBody>
+      </p:sp>
+    </p:spTree>
+    <p:extLst>
+      <p:ext uri="{BB962C8B-B14F-4D97-AF65-F5344CB8AC3E}">
+        <p14:creationId xmlns:p14="http://schemas.microsoft.com/office/powerpoint/2010/main" val="1207949376"/>
+      </p:ext>
+    </p:extLst>
+  </p:cSld>
+  <p:clrMapOvr>
+    <a:masterClrMapping/>
+  </p:clrMapOvr>
+</p:sld>
+</file>
+
+<file path=ppt/slides/slide3.xml><?xml version="1.0" encoding="utf-8"?>
+<p:sld xmlns:a="http://schemas.openxmlformats.org/drawingml/2006/main" xmlns:r="http://schemas.openxmlformats.org/officeDocument/2006/relationships" xmlns:p="http://schemas.openxmlformats.org/presentationml/2006/main">
+  <p:cSld>
+    <p:spTree>
+      <p:nvGrpSpPr>
+        <p:cNvPr id="1" name=""/>
+        <p:cNvGrpSpPr/>
+        <p:nvPr/>
+      </p:nvGrpSpPr>
+      <p:grpSpPr>
+        <a:xfrm>
+          <a:off x="0" y="0"/>
+          <a:ext cx="0" cy="0"/>
+          <a:chOff x="0" y="0"/>
+          <a:chExt cx="0" cy="0"/>
+        </a:xfrm>
+      </p:grpSpPr>
+      <p:sp>
+        <p:nvSpPr>
+          <p:cNvPr id="4" name="正方形/長方形 3">
+            <a:extLst>
+              <a:ext uri="{FF2B5EF4-FFF2-40B4-BE49-F238E27FC236}">
+                <a16:creationId xmlns:a16="http://schemas.microsoft.com/office/drawing/2014/main" id="{9CF5ADBC-63D6-C438-7B21-4E435C4E2EC9}"/>
+              </a:ext>
+            </a:extLst>
+          </p:cNvPr>
+          <p:cNvSpPr/>
+          <p:nvPr/>
+        </p:nvSpPr>
+        <p:spPr>
+          <a:xfrm>
+            <a:off x="-1" y="0"/>
+            <a:ext cx="9144001" cy="984738"/>
+          </a:xfrm>
+          <a:prstGeom prst="rect">
+            <a:avLst/>
+          </a:prstGeom>
+          <a:solidFill>
+            <a:schemeClr val="bg2"/>
+          </a:solidFill>
+          <a:ln>
+            <a:noFill/>
+          </a:ln>
+        </p:spPr>
+        <p:style>
+          <a:lnRef idx="2">
+            <a:schemeClr val="accent1">
+              <a:shade val="15000"/>
+            </a:schemeClr>
+          </a:lnRef>
+          <a:fillRef idx="1">
+            <a:schemeClr val="accent1"/>
+          </a:fillRef>
+          <a:effectRef idx="0">
+            <a:schemeClr val="accent1"/>
+          </a:effectRef>
+          <a:fontRef idx="minor">
+            <a:schemeClr val="lt1"/>
+          </a:fontRef>
+        </p:style>
+        <p:txBody>
+          <a:bodyPr rtlCol="0" anchor="ctr"/>
+          <a:lstStyle/>
+          <a:p>
+            <a:pPr algn="ctr"/>
+            <a:endParaRPr kumimoji="1" lang="ja-JP" altLang="en-US"/>
+          </a:p>
+        </p:txBody>
+      </p:sp>
+      <p:sp>
+        <p:nvSpPr>
+          <p:cNvPr id="2" name="タイトル 1">
+            <a:extLst>
+              <a:ext uri="{FF2B5EF4-FFF2-40B4-BE49-F238E27FC236}">
+                <a16:creationId xmlns:a16="http://schemas.microsoft.com/office/drawing/2014/main" id="{39E3549D-C0BB-FB83-4188-F1CA43005809}"/>
+              </a:ext>
+            </a:extLst>
+          </p:cNvPr>
+          <p:cNvSpPr>
+            <a:spLocks noGrp="1"/>
+          </p:cNvSpPr>
+          <p:nvPr>
+            <p:ph type="title"/>
+          </p:nvPr>
+        </p:nvSpPr>
+        <p:spPr>
+          <a:xfrm>
+            <a:off x="628650" y="67622"/>
+            <a:ext cx="7886700" cy="984738"/>
+          </a:xfrm>
+        </p:spPr>
+        <p:txBody>
+          <a:bodyPr>
             <a:normAutofit/>
           </a:bodyPr>
           <a:lstStyle/>
+          <a:p>
+            <a:r>
+              <a:rPr kumimoji="1" lang="ja-JP" altLang="en-US">
+                <a:latin typeface="Hiragino Kaku Gothic Std W8" panose="020B0800000000000000" pitchFamily="34" charset="-128"/>
+                <a:ea typeface="Hiragino Kaku Gothic Std W8" panose="020B0800000000000000" pitchFamily="34" charset="-128"/>
+              </a:rPr>
+              <a:t>導入</a:t>
+            </a:r>
+          </a:p>
+        </p:txBody>
+      </p:sp>
+      <p:sp>
+        <p:nvSpPr>
+          <p:cNvPr id="3" name="コンテンツ プレースホルダー 2">
+            <a:extLst>
+              <a:ext uri="{FF2B5EF4-FFF2-40B4-BE49-F238E27FC236}">
+                <a16:creationId xmlns:a16="http://schemas.microsoft.com/office/drawing/2014/main" id="{BCD1B691-85A7-B4C2-5EFB-79B01824458A}"/>
+              </a:ext>
+            </a:extLst>
+          </p:cNvPr>
+          <p:cNvSpPr>
+            <a:spLocks noGrp="1"/>
+          </p:cNvSpPr>
+          <p:nvPr>
+            <p:ph idx="1"/>
+          </p:nvPr>
+        </p:nvSpPr>
+        <p:spPr>
+          <a:xfrm>
+            <a:off x="628650" y="1242646"/>
+            <a:ext cx="7886700" cy="5248800"/>
+          </a:xfrm>
+        </p:spPr>
+        <p:txBody>
+          <a:bodyPr>
+            <a:normAutofit/>
+          </a:bodyPr>
+          <a:lstStyle/>
+          <a:p>
+            <a:pPr marL="0" indent="0" eaLnBrk="0">
+              <a:lnSpc>
+                <a:spcPct val="150000"/>
+              </a:lnSpc>
+              <a:spcBef>
+                <a:spcPts val="0"/>
+              </a:spcBef>
+              <a:buNone/>
+            </a:pPr>
+            <a:r>
+              <a:rPr lang="ja-JP" altLang="en-US" sz="1800"/>
+              <a:t>学部</a:t>
+            </a:r>
+            <a:r>
+              <a:rPr lang="en-US" altLang="ja-JP" sz="1800" dirty="0"/>
+              <a:t>3</a:t>
+            </a:r>
+            <a:r>
+              <a:rPr lang="ja-JP" altLang="en-US" sz="1800"/>
+              <a:t>年までの授業では、歪みのない時空（ミンコフスキー時空）で</a:t>
+            </a:r>
+            <a:endParaRPr lang="en-US" altLang="ja-JP" sz="1800" dirty="0"/>
+          </a:p>
+          <a:p>
+            <a:pPr marL="0" indent="0" eaLnBrk="0">
+              <a:lnSpc>
+                <a:spcPct val="150000"/>
+              </a:lnSpc>
+              <a:spcBef>
+                <a:spcPts val="0"/>
+              </a:spcBef>
+              <a:buNone/>
+            </a:pPr>
+            <a:r>
+              <a:rPr lang="ja-JP" altLang="en-US" sz="1800"/>
+              <a:t>物理学を考えた。このような時空では、光は（屈折率が変化しなければ）観測者に対して常に直進するので「物体が歪んで見える」といった現象を考える必要はない。</a:t>
+            </a:r>
+            <a:endParaRPr lang="en-US" altLang="ja-JP" sz="1800" dirty="0"/>
+          </a:p>
           <a:p>
             <a:pPr marL="0" indent="0" eaLnBrk="0">
               <a:lnSpc>
@@ -3163,31 +3591,7 @@
             </a:pPr>
             <a:r>
               <a:rPr lang="ja-JP" altLang="en-US" sz="1800"/>
-              <a:t>学部</a:t>
-            </a:r>
-            <a:r>
-              <a:rPr lang="en-US" altLang="ja-JP" sz="1800" dirty="0"/>
-              <a:t>3</a:t>
-            </a:r>
-            <a:r>
-              <a:rPr lang="ja-JP" altLang="en-US" sz="1800"/>
-              <a:t>年までの授業では、歪みのない時空（ミンコフスキー時空）で</a:t>
-            </a:r>
-            <a:endParaRPr lang="en-US" altLang="ja-JP" sz="1800" dirty="0"/>
-          </a:p>
-          <a:p>
-            <a:pPr marL="0" indent="0" eaLnBrk="0">
-              <a:lnSpc>
-                <a:spcPct val="150000"/>
-              </a:lnSpc>
-              <a:spcBef>
-                <a:spcPts val="0"/>
-              </a:spcBef>
-              <a:buNone/>
-            </a:pPr>
-            <a:r>
-              <a:rPr lang="ja-JP" altLang="en-US" sz="1800"/>
-              <a:t>物理学を考えた。このような時空では、光は（屈折率が変化しなければ）観測者に対して常に直進するので、物体が歪んで見える、といった現象を考える必要はない。</a:t>
+              <a:t>しかし、一般相対論を用いて歪んだ時空を考えると、光はその歪んだ時空の上を進むので、観測した物体もまた歪んで見える。そこで今回は「歪んだ時空にある物体がどのように見えるのか」を考える。</a:t>
             </a:r>
             <a:endParaRPr lang="en-US" altLang="ja-JP" sz="1800" dirty="0"/>
           </a:p>
@@ -3215,35 +3619,7 @@
             </a:pPr>
             <a:r>
               <a:rPr lang="ja-JP" altLang="en-US" sz="1800"/>
-              <a:t>しかし、一般相対論を用いて歪んだ時空を考えると、光はその歪んだ時空の上を進むので、観測した物体もまた歪んで見える。</a:t>
-            </a:r>
-            <a:endParaRPr lang="en-US" altLang="ja-JP" sz="1800" dirty="0"/>
-          </a:p>
-          <a:p>
-            <a:pPr marL="0" indent="0" eaLnBrk="0">
-              <a:lnSpc>
-                <a:spcPct val="150000"/>
-              </a:lnSpc>
-              <a:spcBef>
-                <a:spcPts val="0"/>
-              </a:spcBef>
-              <a:buNone/>
-            </a:pPr>
-            <a:endParaRPr lang="en-US" altLang="ja-JP" sz="1800" dirty="0"/>
-          </a:p>
-          <a:p>
-            <a:pPr marL="0" indent="0" eaLnBrk="0">
-              <a:lnSpc>
-                <a:spcPct val="150000"/>
-              </a:lnSpc>
-              <a:spcBef>
-                <a:spcPts val="0"/>
-              </a:spcBef>
-              <a:buNone/>
-            </a:pPr>
-            <a:r>
-              <a:rPr lang="ja-JP" altLang="en-US" sz="1800"/>
-              <a:t>この論文では、時空を大きく歪ませる超大質量天体の周りで発光している薄い円盤（一定半径の薄い降着円盤）がどのように観測されるかを考え、実際に見えるであろう像を計算している。</a:t>
+              <a:t>この論文では、時空を大きく歪ませるブラックホールの周りで発光している薄い円盤（一定半径の薄い降着円盤）がどのように観測されるかを考え、実際に像を計算している。</a:t>
             </a:r>
             <a:endParaRPr lang="en-US" altLang="ja-JP" sz="1800" dirty="0"/>
           </a:p>
@@ -3619,7 +3995,7 @@
           <a:p>
             <a:r>
               <a:rPr lang="ja-JP" altLang="en-US"/>
-              <a:t>超大質量天体付近での</a:t>
+              <a:t>ブラックホール付近での</a:t>
             </a:r>
             <a:br>
               <a:rPr lang="en-US" altLang="ja-JP" dirty="0"/>
@@ -3807,13 +4183,12 @@
           <a:lstStyle/>
           <a:p>
             <a:r>
-              <a:rPr lang="ja-JP" altLang="en-US"/>
-              <a:t>事前知識とそこから導かれる方程式</a:t>
-            </a:r>
-            <a:endParaRPr kumimoji="1" lang="ja-JP" altLang="en-US">
-              <a:latin typeface="Hiragino Kaku Gothic Std W8" panose="020B0800000000000000" pitchFamily="34" charset="-128"/>
-              <a:ea typeface="Hiragino Kaku Gothic Std W8" panose="020B0800000000000000" pitchFamily="34" charset="-128"/>
-            </a:endParaRPr>
+              <a:rPr kumimoji="1" lang="ja-JP" altLang="en-US">
+                <a:latin typeface="Hiragino Kaku Gothic Std W8" panose="020B0800000000000000" pitchFamily="34" charset="-128"/>
+                <a:ea typeface="Hiragino Kaku Gothic Std W8" panose="020B0800000000000000" pitchFamily="34" charset="-128"/>
+              </a:rPr>
+              <a:t>事前知識</a:t>
+            </a:r>
           </a:p>
         </p:txBody>
       </p:sp>
@@ -3835,12 +4210,14 @@
         </p:nvSpPr>
         <p:spPr>
           <a:xfrm>
-            <a:off x="628650" y="1052360"/>
+            <a:off x="628650" y="1242646"/>
             <a:ext cx="7886700" cy="5248800"/>
           </a:xfrm>
         </p:spPr>
         <p:txBody>
-          <a:bodyPr/>
+          <a:bodyPr>
+            <a:normAutofit/>
+          </a:bodyPr>
           <a:lstStyle/>
           <a:p>
             <a:pPr marL="0" indent="0" eaLnBrk="0">
@@ -3853,9 +4230,232 @@
               <a:buNone/>
             </a:pPr>
             <a:r>
-              <a:rPr lang="en-US" altLang="ja-JP" sz="1800" dirty="0"/>
-              <a:t>hello</a:t>
-            </a:r>
+              <a:rPr lang="ja-JP" altLang="en-US" sz="1800"/>
+              <a:t>ブラックホールによって歪んだ時空での光の軌道を計算するには</a:t>
+            </a:r>
+            <a:endParaRPr lang="en-US" altLang="ja-JP" sz="1800" dirty="0"/>
+          </a:p>
+          <a:p>
+            <a:pPr marL="0" indent="0" eaLnBrk="0">
+              <a:lnSpc>
+                <a:spcPct val="150000"/>
+              </a:lnSpc>
+              <a:spcBef>
+                <a:spcPts val="0"/>
+              </a:spcBef>
+              <a:buNone/>
+            </a:pPr>
+            <a:r>
+              <a:rPr lang="en-US" altLang="ja-JP" sz="1800" dirty="0">
+                <a:solidFill>
+                  <a:srgbClr val="C00000"/>
+                </a:solidFill>
+              </a:rPr>
+              <a:t>(1) </a:t>
+            </a:r>
+            <a:r>
+              <a:rPr lang="ja-JP" altLang="en-US" sz="1800">
+                <a:solidFill>
+                  <a:srgbClr val="C00000"/>
+                </a:solidFill>
+              </a:rPr>
+              <a:t>ブラックホールが作る時空の具体的な形（計量）</a:t>
+            </a:r>
+            <a:endParaRPr lang="en-US" altLang="ja-JP" sz="1800" dirty="0">
+              <a:solidFill>
+                <a:srgbClr val="C00000"/>
+              </a:solidFill>
+            </a:endParaRPr>
+          </a:p>
+          <a:p>
+            <a:pPr marL="0" indent="0" eaLnBrk="0">
+              <a:lnSpc>
+                <a:spcPct val="150000"/>
+              </a:lnSpc>
+              <a:spcBef>
+                <a:spcPts val="0"/>
+              </a:spcBef>
+              <a:buNone/>
+            </a:pPr>
+            <a:r>
+              <a:rPr lang="en-US" altLang="ja-JP" sz="1800" dirty="0">
+                <a:solidFill>
+                  <a:srgbClr val="C00000"/>
+                </a:solidFill>
+              </a:rPr>
+              <a:t>(2) </a:t>
+            </a:r>
+            <a:r>
+              <a:rPr lang="ja-JP" altLang="en-US" sz="1800">
+                <a:solidFill>
+                  <a:srgbClr val="C00000"/>
+                </a:solidFill>
+              </a:rPr>
+              <a:t>曲がった時空上での光の動き（</a:t>
+            </a:r>
+            <a:r>
+              <a:rPr lang="en-US" altLang="ja-JP" sz="1800" dirty="0">
+                <a:solidFill>
+                  <a:srgbClr val="C00000"/>
+                </a:solidFill>
+              </a:rPr>
+              <a:t>null</a:t>
+            </a:r>
+            <a:r>
+              <a:rPr lang="ja-JP" altLang="en-US" sz="1800">
+                <a:solidFill>
+                  <a:srgbClr val="C00000"/>
+                </a:solidFill>
+              </a:rPr>
+              <a:t>測地線方程式）</a:t>
+            </a:r>
+            <a:endParaRPr lang="en-US" altLang="ja-JP" sz="1800" dirty="0">
+              <a:solidFill>
+                <a:srgbClr val="C00000"/>
+              </a:solidFill>
+            </a:endParaRPr>
+          </a:p>
+          <a:p>
+            <a:pPr marL="0" indent="0" eaLnBrk="0">
+              <a:lnSpc>
+                <a:spcPct val="150000"/>
+              </a:lnSpc>
+              <a:spcBef>
+                <a:spcPts val="0"/>
+              </a:spcBef>
+              <a:buNone/>
+            </a:pPr>
+            <a:r>
+              <a:rPr lang="ja-JP" altLang="en-US" sz="1800"/>
+              <a:t>を知っておく必要があります。ただし、一般相対論について説明するには時間が足りないので</a:t>
+            </a:r>
+            <a:endParaRPr lang="en-US" altLang="ja-JP" sz="1800" dirty="0"/>
+          </a:p>
+          <a:p>
+            <a:pPr marL="0" indent="0" eaLnBrk="0">
+              <a:lnSpc>
+                <a:spcPct val="150000"/>
+              </a:lnSpc>
+              <a:spcBef>
+                <a:spcPts val="0"/>
+              </a:spcBef>
+              <a:buNone/>
+            </a:pPr>
+            <a:endParaRPr lang="en-US" altLang="ja-JP" sz="1800" dirty="0"/>
+          </a:p>
+          <a:p>
+            <a:pPr marL="0" indent="0" eaLnBrk="0">
+              <a:lnSpc>
+                <a:spcPct val="150000"/>
+              </a:lnSpc>
+              <a:spcBef>
+                <a:spcPts val="0"/>
+              </a:spcBef>
+              <a:buNone/>
+            </a:pPr>
+            <a:r>
+              <a:rPr lang="en-US" altLang="ja-JP" sz="1800" dirty="0">
+                <a:solidFill>
+                  <a:srgbClr val="C00000"/>
+                </a:solidFill>
+              </a:rPr>
+              <a:t>(1)</a:t>
+            </a:r>
+          </a:p>
+          <a:p>
+            <a:pPr marL="0" indent="0" eaLnBrk="0">
+              <a:lnSpc>
+                <a:spcPct val="150000"/>
+              </a:lnSpc>
+              <a:spcBef>
+                <a:spcPts val="0"/>
+              </a:spcBef>
+              <a:buNone/>
+            </a:pPr>
+            <a:endParaRPr lang="en-US" altLang="ja-JP" sz="1800" dirty="0">
+              <a:solidFill>
+                <a:srgbClr val="C00000"/>
+              </a:solidFill>
+            </a:endParaRPr>
+          </a:p>
+          <a:p>
+            <a:pPr marL="0" indent="0" eaLnBrk="0">
+              <a:lnSpc>
+                <a:spcPct val="150000"/>
+              </a:lnSpc>
+              <a:spcBef>
+                <a:spcPts val="0"/>
+              </a:spcBef>
+              <a:buNone/>
+            </a:pPr>
+            <a:r>
+              <a:rPr lang="en-US" altLang="ja-JP" sz="1800" dirty="0">
+                <a:solidFill>
+                  <a:srgbClr val="C00000"/>
+                </a:solidFill>
+              </a:rPr>
+              <a:t>(2)</a:t>
+            </a:r>
+          </a:p>
+          <a:p>
+            <a:pPr marL="0" indent="0" eaLnBrk="0">
+              <a:lnSpc>
+                <a:spcPct val="150000"/>
+              </a:lnSpc>
+              <a:spcBef>
+                <a:spcPts val="0"/>
+              </a:spcBef>
+              <a:buNone/>
+            </a:pPr>
+            <a:endParaRPr lang="en-US" altLang="ja-JP" sz="1800" dirty="0">
+              <a:solidFill>
+                <a:srgbClr val="C00000"/>
+              </a:solidFill>
+            </a:endParaRPr>
+          </a:p>
+          <a:p>
+            <a:pPr marL="0" indent="0" eaLnBrk="0">
+              <a:lnSpc>
+                <a:spcPct val="150000"/>
+              </a:lnSpc>
+              <a:spcBef>
+                <a:spcPts val="0"/>
+              </a:spcBef>
+              <a:buNone/>
+            </a:pPr>
+            <a:r>
+              <a:rPr lang="ja-JP" altLang="en-US" sz="1800"/>
+              <a:t>は既知であるとします。</a:t>
+            </a:r>
+            <a:endParaRPr lang="en-US" altLang="ja-JP" sz="1800" dirty="0"/>
+          </a:p>
+          <a:p>
+            <a:pPr marL="0" indent="0" eaLnBrk="0">
+              <a:lnSpc>
+                <a:spcPct val="150000"/>
+              </a:lnSpc>
+              <a:spcBef>
+                <a:spcPts val="0"/>
+              </a:spcBef>
+              <a:buNone/>
+            </a:pPr>
+            <a:r>
+              <a:rPr lang="ja-JP" altLang="en-US" sz="1800"/>
+              <a:t>（式の表記には、アインシュタインの縮約規則を用いた）</a:t>
+            </a:r>
+            <a:endParaRPr lang="en-US" altLang="ja-JP" sz="1800" dirty="0"/>
+          </a:p>
+          <a:p>
+            <a:pPr marL="0" indent="0" eaLnBrk="0">
+              <a:lnSpc>
+                <a:spcPct val="150000"/>
+              </a:lnSpc>
+              <a:spcBef>
+                <a:spcPts val="0"/>
+              </a:spcBef>
+              <a:buNone/>
+            </a:pPr>
+            <a:endParaRPr lang="en-US" altLang="ja-JP" sz="1800" dirty="0"/>
           </a:p>
         </p:txBody>
       </p:sp>
@@ -3893,10 +4493,100 @@
           </a:p>
         </p:txBody>
       </p:sp>
+      <p:pic>
+        <p:nvPicPr>
+          <p:cNvPr id="6" name="図 5">
+            <a:extLst>
+              <a:ext uri="{FF2B5EF4-FFF2-40B4-BE49-F238E27FC236}">
+                <a16:creationId xmlns:a16="http://schemas.microsoft.com/office/drawing/2014/main" id="{29C1514F-E764-A9A5-D1CF-A343A19FD61D}"/>
+              </a:ext>
+            </a:extLst>
+          </p:cNvPr>
+          <p:cNvPicPr>
+            <a:picLocks noChangeAspect="1"/>
+          </p:cNvPicPr>
+          <p:nvPr/>
+        </p:nvPicPr>
+        <p:blipFill>
+          <a:blip r:embed="rId3"/>
+          <a:stretch>
+            <a:fillRect/>
+          </a:stretch>
+        </p:blipFill>
+        <p:spPr>
+          <a:xfrm>
+            <a:off x="6366641" y="5396207"/>
+            <a:ext cx="1559470" cy="291956"/>
+          </a:xfrm>
+          <a:prstGeom prst="rect">
+            <a:avLst/>
+          </a:prstGeom>
+        </p:spPr>
+      </p:pic>
+      <p:pic>
+        <p:nvPicPr>
+          <p:cNvPr id="8" name="図 7">
+            <a:extLst>
+              <a:ext uri="{FF2B5EF4-FFF2-40B4-BE49-F238E27FC236}">
+                <a16:creationId xmlns:a16="http://schemas.microsoft.com/office/drawing/2014/main" id="{BF6DEEA8-79AA-E248-FADD-1F973B6D7FEC}"/>
+              </a:ext>
+            </a:extLst>
+          </p:cNvPr>
+          <p:cNvPicPr>
+            <a:picLocks noChangeAspect="1"/>
+          </p:cNvPicPr>
+          <p:nvPr/>
+        </p:nvPicPr>
+        <p:blipFill>
+          <a:blip r:embed="rId4"/>
+          <a:stretch>
+            <a:fillRect/>
+          </a:stretch>
+        </p:blipFill>
+        <p:spPr>
+          <a:xfrm>
+            <a:off x="1377694" y="4537173"/>
+            <a:ext cx="4039433" cy="538179"/>
+          </a:xfrm>
+          <a:prstGeom prst="rect">
+            <a:avLst/>
+          </a:prstGeom>
+        </p:spPr>
+      </p:pic>
+      <p:pic>
+        <p:nvPicPr>
+          <p:cNvPr id="9" name="図 8">
+            <a:extLst>
+              <a:ext uri="{FF2B5EF4-FFF2-40B4-BE49-F238E27FC236}">
+                <a16:creationId xmlns:a16="http://schemas.microsoft.com/office/drawing/2014/main" id="{AB06993A-A38B-753E-047B-13951E4EBBD6}"/>
+              </a:ext>
+            </a:extLst>
+          </p:cNvPr>
+          <p:cNvPicPr>
+            <a:picLocks noChangeAspect="1"/>
+          </p:cNvPicPr>
+          <p:nvPr/>
+        </p:nvPicPr>
+        <p:blipFill>
+          <a:blip r:embed="rId5"/>
+          <a:stretch>
+            <a:fillRect/>
+          </a:stretch>
+        </p:blipFill>
+        <p:spPr>
+          <a:xfrm>
+            <a:off x="1377694" y="3616038"/>
+            <a:ext cx="5652233" cy="689913"/>
+          </a:xfrm>
+          <a:prstGeom prst="rect">
+            <a:avLst/>
+          </a:prstGeom>
+        </p:spPr>
+      </p:pic>
     </p:spTree>
     <p:extLst>
       <p:ext uri="{BB962C8B-B14F-4D97-AF65-F5344CB8AC3E}">
-        <p14:creationId xmlns:p14="http://schemas.microsoft.com/office/powerpoint/2010/main" val="738473277"/>
+        <p14:creationId xmlns:p14="http://schemas.microsoft.com/office/powerpoint/2010/main" val="1674550607"/>
       </p:ext>
     </p:extLst>
   </p:cSld>
@@ -3907,250 +4597,6 @@
 </file>
 
 <file path=ppt/slides/slide7.xml><?xml version="1.0" encoding="utf-8"?>
-<p:sld xmlns:a="http://schemas.openxmlformats.org/drawingml/2006/main" xmlns:r="http://schemas.openxmlformats.org/officeDocument/2006/relationships" xmlns:p="http://schemas.openxmlformats.org/presentationml/2006/main">
-  <p:cSld>
-    <p:spTree>
-      <p:nvGrpSpPr>
-        <p:cNvPr id="1" name=""/>
-        <p:cNvGrpSpPr/>
-        <p:nvPr/>
-      </p:nvGrpSpPr>
-      <p:grpSpPr>
-        <a:xfrm>
-          <a:off x="0" y="0"/>
-          <a:ext cx="0" cy="0"/>
-          <a:chOff x="0" y="0"/>
-          <a:chExt cx="0" cy="0"/>
-        </a:xfrm>
-      </p:grpSpPr>
-      <p:sp>
-        <p:nvSpPr>
-          <p:cNvPr id="2" name="タイトル 1">
-            <a:extLst>
-              <a:ext uri="{FF2B5EF4-FFF2-40B4-BE49-F238E27FC236}">
-                <a16:creationId xmlns:a16="http://schemas.microsoft.com/office/drawing/2014/main" id="{725C0601-9E43-CFF5-9213-15A61DF194B6}"/>
-              </a:ext>
-            </a:extLst>
-          </p:cNvPr>
-          <p:cNvSpPr>
-            <a:spLocks noGrp="1"/>
-          </p:cNvSpPr>
-          <p:nvPr>
-            <p:ph type="ctrTitle"/>
-          </p:nvPr>
-        </p:nvSpPr>
-        <p:spPr>
-          <a:xfrm>
-            <a:off x="390144" y="1122363"/>
-            <a:ext cx="8351520" cy="2620582"/>
-          </a:xfrm>
-        </p:spPr>
-        <p:txBody>
-          <a:bodyPr>
-            <a:normAutofit/>
-          </a:bodyPr>
-          <a:lstStyle/>
-          <a:p>
-            <a:r>
-              <a:rPr kumimoji="1" lang="en-US" altLang="ja-JP" sz="4400" dirty="0">
-                <a:latin typeface="Hiragino Kaku Gothic Std W8" panose="020B0800000000000000" pitchFamily="34" charset="-128"/>
-                <a:ea typeface="Hiragino Kaku Gothic Std W8" panose="020B0800000000000000" pitchFamily="34" charset="-128"/>
-              </a:rPr>
-              <a:t>items</a:t>
-            </a:r>
-            <a:endParaRPr kumimoji="1" lang="ja-JP" altLang="en-US" sz="4400">
-              <a:latin typeface="Hiragino Kaku Gothic Std W8" panose="020B0800000000000000" pitchFamily="34" charset="-128"/>
-              <a:ea typeface="Hiragino Kaku Gothic Std W8" panose="020B0800000000000000" pitchFamily="34" charset="-128"/>
-            </a:endParaRPr>
-          </a:p>
-        </p:txBody>
-      </p:sp>
-      <p:sp>
-        <p:nvSpPr>
-          <p:cNvPr id="3" name="字幕 2">
-            <a:extLst>
-              <a:ext uri="{FF2B5EF4-FFF2-40B4-BE49-F238E27FC236}">
-                <a16:creationId xmlns:a16="http://schemas.microsoft.com/office/drawing/2014/main" id="{1F317453-2659-04C0-4374-F182FDA7C0E2}"/>
-              </a:ext>
-            </a:extLst>
-          </p:cNvPr>
-          <p:cNvSpPr>
-            <a:spLocks noGrp="1"/>
-          </p:cNvSpPr>
-          <p:nvPr>
-            <p:ph type="subTitle" idx="1"/>
-          </p:nvPr>
-        </p:nvSpPr>
-        <p:spPr>
-          <a:xfrm>
-            <a:off x="390143" y="4169664"/>
-            <a:ext cx="8351519" cy="963168"/>
-          </a:xfrm>
-        </p:spPr>
-        <p:txBody>
-          <a:bodyPr>
-            <a:normAutofit/>
-          </a:bodyPr>
-          <a:lstStyle/>
-          <a:p>
-            <a:r>
-              <a:rPr kumimoji="1" lang="en-US" altLang="ja-JP" dirty="0">
-                <a:latin typeface="Hiragino Kaku Gothic Std W8" panose="020B0800000000000000" pitchFamily="34" charset="-128"/>
-                <a:ea typeface="Hiragino Kaku Gothic Std W8" panose="020B0800000000000000" pitchFamily="34" charset="-128"/>
-              </a:rPr>
-              <a:t>name</a:t>
-            </a:r>
-            <a:endParaRPr kumimoji="1" lang="ja-JP" altLang="en-US">
-              <a:latin typeface="Hiragino Kaku Gothic Std W8" panose="020B0800000000000000" pitchFamily="34" charset="-128"/>
-              <a:ea typeface="Hiragino Kaku Gothic Std W8" panose="020B0800000000000000" pitchFamily="34" charset="-128"/>
-            </a:endParaRPr>
-          </a:p>
-        </p:txBody>
-      </p:sp>
-    </p:spTree>
-    <p:extLst>
-      <p:ext uri="{BB962C8B-B14F-4D97-AF65-F5344CB8AC3E}">
-        <p14:creationId xmlns:p14="http://schemas.microsoft.com/office/powerpoint/2010/main" val="593513300"/>
-      </p:ext>
-    </p:extLst>
-  </p:cSld>
-  <p:clrMapOvr>
-    <a:masterClrMapping/>
-  </p:clrMapOvr>
-</p:sld>
-</file>
-
-<file path=ppt/slides/slide8.xml><?xml version="1.0" encoding="utf-8"?>
-<p:sld xmlns:a="http://schemas.openxmlformats.org/drawingml/2006/main" xmlns:r="http://schemas.openxmlformats.org/officeDocument/2006/relationships" xmlns:p="http://schemas.openxmlformats.org/presentationml/2006/main">
-  <p:cSld>
-    <p:spTree>
-      <p:nvGrpSpPr>
-        <p:cNvPr id="1" name=""/>
-        <p:cNvGrpSpPr/>
-        <p:nvPr/>
-      </p:nvGrpSpPr>
-      <p:grpSpPr>
-        <a:xfrm>
-          <a:off x="0" y="0"/>
-          <a:ext cx="0" cy="0"/>
-          <a:chOff x="0" y="0"/>
-          <a:chExt cx="0" cy="0"/>
-        </a:xfrm>
-      </p:grpSpPr>
-      <p:sp>
-        <p:nvSpPr>
-          <p:cNvPr id="2" name="タイトル 1">
-            <a:extLst>
-              <a:ext uri="{FF2B5EF4-FFF2-40B4-BE49-F238E27FC236}">
-                <a16:creationId xmlns:a16="http://schemas.microsoft.com/office/drawing/2014/main" id="{09464A9F-DC19-9CAD-C3FE-B4957F307D5E}"/>
-              </a:ext>
-            </a:extLst>
-          </p:cNvPr>
-          <p:cNvSpPr>
-            <a:spLocks noGrp="1"/>
-          </p:cNvSpPr>
-          <p:nvPr>
-            <p:ph type="title"/>
-          </p:nvPr>
-        </p:nvSpPr>
-        <p:spPr/>
-        <p:txBody>
-          <a:bodyPr anchor="b"/>
-          <a:lstStyle/>
-          <a:p>
-            <a:r>
-              <a:rPr lang="en-US" altLang="ja-JP" dirty="0"/>
-              <a:t>section</a:t>
-            </a:r>
-            <a:endParaRPr kumimoji="1" lang="ja-JP" altLang="en-US">
-              <a:latin typeface="Hiragino Kaku Gothic Std W8" panose="020B0800000000000000" pitchFamily="34" charset="-128"/>
-              <a:ea typeface="Hiragino Kaku Gothic Std W8" panose="020B0800000000000000" pitchFamily="34" charset="-128"/>
-            </a:endParaRPr>
-          </a:p>
-        </p:txBody>
-      </p:sp>
-      <p:sp>
-        <p:nvSpPr>
-          <p:cNvPr id="3" name="テキスト プレースホルダー 2">
-            <a:extLst>
-              <a:ext uri="{FF2B5EF4-FFF2-40B4-BE49-F238E27FC236}">
-                <a16:creationId xmlns:a16="http://schemas.microsoft.com/office/drawing/2014/main" id="{B5AAE497-2E95-EDBE-9C01-258962D4856E}"/>
-              </a:ext>
-            </a:extLst>
-          </p:cNvPr>
-          <p:cNvSpPr>
-            <a:spLocks noGrp="1"/>
-          </p:cNvSpPr>
-          <p:nvPr>
-            <p:ph type="body" idx="1"/>
-          </p:nvPr>
-        </p:nvSpPr>
-        <p:spPr/>
-        <p:txBody>
-          <a:bodyPr/>
-          <a:lstStyle/>
-          <a:p>
-            <a:r>
-              <a:rPr kumimoji="1" lang="en-US" altLang="ja-JP" dirty="0">
-                <a:latin typeface="Hiragino Kaku Gothic Std W8" panose="020B0800000000000000" pitchFamily="34" charset="-128"/>
-                <a:ea typeface="Hiragino Kaku Gothic Std W8" panose="020B0800000000000000" pitchFamily="34" charset="-128"/>
-              </a:rPr>
-              <a:t>detail</a:t>
-            </a:r>
-            <a:endParaRPr kumimoji="1" lang="ja-JP" altLang="en-US">
-              <a:latin typeface="Hiragino Kaku Gothic Std W8" panose="020B0800000000000000" pitchFamily="34" charset="-128"/>
-              <a:ea typeface="Hiragino Kaku Gothic Std W8" panose="020B0800000000000000" pitchFamily="34" charset="-128"/>
-            </a:endParaRPr>
-          </a:p>
-        </p:txBody>
-      </p:sp>
-      <p:sp>
-        <p:nvSpPr>
-          <p:cNvPr id="7" name="スライド番号プレースホルダー 6">
-            <a:extLst>
-              <a:ext uri="{FF2B5EF4-FFF2-40B4-BE49-F238E27FC236}">
-                <a16:creationId xmlns:a16="http://schemas.microsoft.com/office/drawing/2014/main" id="{FDBA5218-EB3B-11FF-0581-CAFD9057D40D}"/>
-              </a:ext>
-            </a:extLst>
-          </p:cNvPr>
-          <p:cNvSpPr>
-            <a:spLocks noGrp="1"/>
-          </p:cNvSpPr>
-          <p:nvPr>
-            <p:ph type="sldNum" sz="quarter" idx="12"/>
-          </p:nvPr>
-        </p:nvSpPr>
-        <p:spPr/>
-        <p:txBody>
-          <a:bodyPr/>
-          <a:lstStyle/>
-          <a:p>
-            <a:fld id="{48F63A3B-78C7-47BE-AE5E-E10140E04643}" type="slidenum">
-              <a:rPr lang="en-US" smtClean="0"/>
-              <a:t>8</a:t>
-            </a:fld>
-            <a:r>
-              <a:rPr lang="en-US"/>
-              <a:t>/n</a:t>
-            </a:r>
-            <a:endParaRPr lang="en-US" dirty="0"/>
-          </a:p>
-        </p:txBody>
-      </p:sp>
-    </p:spTree>
-    <p:extLst>
-      <p:ext uri="{BB962C8B-B14F-4D97-AF65-F5344CB8AC3E}">
-        <p14:creationId xmlns:p14="http://schemas.microsoft.com/office/powerpoint/2010/main" val="895276899"/>
-      </p:ext>
-    </p:extLst>
-  </p:cSld>
-  <p:clrMapOvr>
-    <a:masterClrMapping/>
-  </p:clrMapOvr>
-</p:sld>
-</file>
-
-<file path=ppt/slides/slide9.xml><?xml version="1.0" encoding="utf-8"?>
 <p:sld xmlns:a="http://schemas.openxmlformats.org/drawingml/2006/main" xmlns:r="http://schemas.openxmlformats.org/officeDocument/2006/relationships" xmlns:p="http://schemas.openxmlformats.org/presentationml/2006/main">
   <p:cSld>
     <p:spTree>
@@ -4248,13 +4694,12 @@
           <a:lstStyle/>
           <a:p>
             <a:r>
-              <a:rPr lang="en-US" altLang="ja-JP" dirty="0"/>
-              <a:t>section</a:t>
-            </a:r>
-            <a:endParaRPr kumimoji="1" lang="ja-JP" altLang="en-US">
-              <a:latin typeface="Hiragino Kaku Gothic Std W8" panose="020B0800000000000000" pitchFamily="34" charset="-128"/>
-              <a:ea typeface="Hiragino Kaku Gothic Std W8" panose="020B0800000000000000" pitchFamily="34" charset="-128"/>
-            </a:endParaRPr>
+              <a:rPr kumimoji="1" lang="ja-JP" altLang="en-US">
+                <a:latin typeface="Hiragino Kaku Gothic Std W8" panose="020B0800000000000000" pitchFamily="34" charset="-128"/>
+                <a:ea typeface="Hiragino Kaku Gothic Std W8" panose="020B0800000000000000" pitchFamily="34" charset="-128"/>
+              </a:rPr>
+              <a:t>シュバルツシルト時空</a:t>
+            </a:r>
           </a:p>
         </p:txBody>
       </p:sp>
@@ -4281,7 +4726,9 @@
           </a:xfrm>
         </p:spPr>
         <p:txBody>
-          <a:bodyPr/>
+          <a:bodyPr>
+            <a:normAutofit/>
+          </a:bodyPr>
           <a:lstStyle/>
           <a:p>
             <a:pPr marL="0" indent="0" eaLnBrk="0">
@@ -4294,9 +4741,10 @@
               <a:buNone/>
             </a:pPr>
             <a:r>
-              <a:rPr lang="en-US" altLang="ja-JP" sz="1800" dirty="0"/>
-              <a:t>Hello</a:t>
-            </a:r>
+              <a:rPr lang="ja-JP" altLang="en-US" sz="1800"/>
+              <a:t>大質量天体付近での光の軌道を考えるために、</a:t>
+            </a:r>
+            <a:endParaRPr lang="en-US" altLang="ja-JP" sz="1800" dirty="0"/>
           </a:p>
         </p:txBody>
       </p:sp>
@@ -4324,7 +4772,7 @@
             <a:fld id="{48F63A3B-78C7-47BE-AE5E-E10140E04643}" type="slidenum">
               <a:rPr lang="en-US" smtClean="0"/>
               <a:pPr/>
-              <a:t>9</a:t>
+              <a:t>7</a:t>
             </a:fld>
             <a:r>
               <a:rPr lang="en-US"/>
@@ -4337,7 +4785,251 @@
     </p:spTree>
     <p:extLst>
       <p:ext uri="{BB962C8B-B14F-4D97-AF65-F5344CB8AC3E}">
-        <p14:creationId xmlns:p14="http://schemas.microsoft.com/office/powerpoint/2010/main" val="5686784"/>
+        <p14:creationId xmlns:p14="http://schemas.microsoft.com/office/powerpoint/2010/main" val="4196852102"/>
+      </p:ext>
+    </p:extLst>
+  </p:cSld>
+  <p:clrMapOvr>
+    <a:masterClrMapping/>
+  </p:clrMapOvr>
+</p:sld>
+</file>
+
+<file path=ppt/slides/slide8.xml><?xml version="1.0" encoding="utf-8"?>
+<p:sld xmlns:a="http://schemas.openxmlformats.org/drawingml/2006/main" xmlns:r="http://schemas.openxmlformats.org/officeDocument/2006/relationships" xmlns:p="http://schemas.openxmlformats.org/presentationml/2006/main">
+  <p:cSld>
+    <p:spTree>
+      <p:nvGrpSpPr>
+        <p:cNvPr id="1" name=""/>
+        <p:cNvGrpSpPr/>
+        <p:nvPr/>
+      </p:nvGrpSpPr>
+      <p:grpSpPr>
+        <a:xfrm>
+          <a:off x="0" y="0"/>
+          <a:ext cx="0" cy="0"/>
+          <a:chOff x="0" y="0"/>
+          <a:chExt cx="0" cy="0"/>
+        </a:xfrm>
+      </p:grpSpPr>
+      <p:sp>
+        <p:nvSpPr>
+          <p:cNvPr id="2" name="タイトル 1">
+            <a:extLst>
+              <a:ext uri="{FF2B5EF4-FFF2-40B4-BE49-F238E27FC236}">
+                <a16:creationId xmlns:a16="http://schemas.microsoft.com/office/drawing/2014/main" id="{725C0601-9E43-CFF5-9213-15A61DF194B6}"/>
+              </a:ext>
+            </a:extLst>
+          </p:cNvPr>
+          <p:cNvSpPr>
+            <a:spLocks noGrp="1"/>
+          </p:cNvSpPr>
+          <p:nvPr>
+            <p:ph type="ctrTitle"/>
+          </p:nvPr>
+        </p:nvSpPr>
+        <p:spPr>
+          <a:xfrm>
+            <a:off x="390144" y="1122363"/>
+            <a:ext cx="8351520" cy="2620582"/>
+          </a:xfrm>
+        </p:spPr>
+        <p:txBody>
+          <a:bodyPr>
+            <a:normAutofit/>
+          </a:bodyPr>
+          <a:lstStyle/>
+          <a:p>
+            <a:r>
+              <a:rPr kumimoji="1" lang="en-US" altLang="ja-JP" sz="4400" dirty="0">
+                <a:latin typeface="Hiragino Kaku Gothic Std W8" panose="020B0800000000000000" pitchFamily="34" charset="-128"/>
+                <a:ea typeface="Hiragino Kaku Gothic Std W8" panose="020B0800000000000000" pitchFamily="34" charset="-128"/>
+              </a:rPr>
+              <a:t>items</a:t>
+            </a:r>
+            <a:endParaRPr kumimoji="1" lang="ja-JP" altLang="en-US" sz="4400">
+              <a:latin typeface="Hiragino Kaku Gothic Std W8" panose="020B0800000000000000" pitchFamily="34" charset="-128"/>
+              <a:ea typeface="Hiragino Kaku Gothic Std W8" panose="020B0800000000000000" pitchFamily="34" charset="-128"/>
+            </a:endParaRPr>
+          </a:p>
+        </p:txBody>
+      </p:sp>
+      <p:sp>
+        <p:nvSpPr>
+          <p:cNvPr id="3" name="字幕 2">
+            <a:extLst>
+              <a:ext uri="{FF2B5EF4-FFF2-40B4-BE49-F238E27FC236}">
+                <a16:creationId xmlns:a16="http://schemas.microsoft.com/office/drawing/2014/main" id="{1F317453-2659-04C0-4374-F182FDA7C0E2}"/>
+              </a:ext>
+            </a:extLst>
+          </p:cNvPr>
+          <p:cNvSpPr>
+            <a:spLocks noGrp="1"/>
+          </p:cNvSpPr>
+          <p:nvPr>
+            <p:ph type="subTitle" idx="1"/>
+          </p:nvPr>
+        </p:nvSpPr>
+        <p:spPr>
+          <a:xfrm>
+            <a:off x="390143" y="4169664"/>
+            <a:ext cx="8351519" cy="963168"/>
+          </a:xfrm>
+        </p:spPr>
+        <p:txBody>
+          <a:bodyPr>
+            <a:normAutofit/>
+          </a:bodyPr>
+          <a:lstStyle/>
+          <a:p>
+            <a:r>
+              <a:rPr kumimoji="1" lang="en-US" altLang="ja-JP" dirty="0">
+                <a:latin typeface="Hiragino Kaku Gothic Std W8" panose="020B0800000000000000" pitchFamily="34" charset="-128"/>
+                <a:ea typeface="Hiragino Kaku Gothic Std W8" panose="020B0800000000000000" pitchFamily="34" charset="-128"/>
+              </a:rPr>
+              <a:t>name</a:t>
+            </a:r>
+            <a:endParaRPr kumimoji="1" lang="ja-JP" altLang="en-US">
+              <a:latin typeface="Hiragino Kaku Gothic Std W8" panose="020B0800000000000000" pitchFamily="34" charset="-128"/>
+              <a:ea typeface="Hiragino Kaku Gothic Std W8" panose="020B0800000000000000" pitchFamily="34" charset="-128"/>
+            </a:endParaRPr>
+          </a:p>
+        </p:txBody>
+      </p:sp>
+    </p:spTree>
+    <p:extLst>
+      <p:ext uri="{BB962C8B-B14F-4D97-AF65-F5344CB8AC3E}">
+        <p14:creationId xmlns:p14="http://schemas.microsoft.com/office/powerpoint/2010/main" val="593513300"/>
+      </p:ext>
+    </p:extLst>
+  </p:cSld>
+  <p:clrMapOvr>
+    <a:masterClrMapping/>
+  </p:clrMapOvr>
+</p:sld>
+</file>
+
+<file path=ppt/slides/slide9.xml><?xml version="1.0" encoding="utf-8"?>
+<p:sld xmlns:a="http://schemas.openxmlformats.org/drawingml/2006/main" xmlns:r="http://schemas.openxmlformats.org/officeDocument/2006/relationships" xmlns:p="http://schemas.openxmlformats.org/presentationml/2006/main">
+  <p:cSld>
+    <p:spTree>
+      <p:nvGrpSpPr>
+        <p:cNvPr id="1" name=""/>
+        <p:cNvGrpSpPr/>
+        <p:nvPr/>
+      </p:nvGrpSpPr>
+      <p:grpSpPr>
+        <a:xfrm>
+          <a:off x="0" y="0"/>
+          <a:ext cx="0" cy="0"/>
+          <a:chOff x="0" y="0"/>
+          <a:chExt cx="0" cy="0"/>
+        </a:xfrm>
+      </p:grpSpPr>
+      <p:sp>
+        <p:nvSpPr>
+          <p:cNvPr id="2" name="タイトル 1">
+            <a:extLst>
+              <a:ext uri="{FF2B5EF4-FFF2-40B4-BE49-F238E27FC236}">
+                <a16:creationId xmlns:a16="http://schemas.microsoft.com/office/drawing/2014/main" id="{09464A9F-DC19-9CAD-C3FE-B4957F307D5E}"/>
+              </a:ext>
+            </a:extLst>
+          </p:cNvPr>
+          <p:cNvSpPr>
+            <a:spLocks noGrp="1"/>
+          </p:cNvSpPr>
+          <p:nvPr>
+            <p:ph type="title"/>
+          </p:nvPr>
+        </p:nvSpPr>
+        <p:spPr/>
+        <p:txBody>
+          <a:bodyPr anchor="b"/>
+          <a:lstStyle/>
+          <a:p>
+            <a:r>
+              <a:rPr lang="en-US" altLang="ja-JP" dirty="0"/>
+              <a:t>section</a:t>
+            </a:r>
+            <a:endParaRPr kumimoji="1" lang="ja-JP" altLang="en-US">
+              <a:latin typeface="Hiragino Kaku Gothic Std W8" panose="020B0800000000000000" pitchFamily="34" charset="-128"/>
+              <a:ea typeface="Hiragino Kaku Gothic Std W8" panose="020B0800000000000000" pitchFamily="34" charset="-128"/>
+            </a:endParaRPr>
+          </a:p>
+        </p:txBody>
+      </p:sp>
+      <p:sp>
+        <p:nvSpPr>
+          <p:cNvPr id="3" name="テキスト プレースホルダー 2">
+            <a:extLst>
+              <a:ext uri="{FF2B5EF4-FFF2-40B4-BE49-F238E27FC236}">
+                <a16:creationId xmlns:a16="http://schemas.microsoft.com/office/drawing/2014/main" id="{B5AAE497-2E95-EDBE-9C01-258962D4856E}"/>
+              </a:ext>
+            </a:extLst>
+          </p:cNvPr>
+          <p:cNvSpPr>
+            <a:spLocks noGrp="1"/>
+          </p:cNvSpPr>
+          <p:nvPr>
+            <p:ph type="body" idx="1"/>
+          </p:nvPr>
+        </p:nvSpPr>
+        <p:spPr/>
+        <p:txBody>
+          <a:bodyPr/>
+          <a:lstStyle/>
+          <a:p>
+            <a:r>
+              <a:rPr kumimoji="1" lang="en-US" altLang="ja-JP" dirty="0">
+                <a:latin typeface="Hiragino Kaku Gothic Std W8" panose="020B0800000000000000" pitchFamily="34" charset="-128"/>
+                <a:ea typeface="Hiragino Kaku Gothic Std W8" panose="020B0800000000000000" pitchFamily="34" charset="-128"/>
+              </a:rPr>
+              <a:t>detail</a:t>
+            </a:r>
+            <a:endParaRPr kumimoji="1" lang="ja-JP" altLang="en-US">
+              <a:latin typeface="Hiragino Kaku Gothic Std W8" panose="020B0800000000000000" pitchFamily="34" charset="-128"/>
+              <a:ea typeface="Hiragino Kaku Gothic Std W8" panose="020B0800000000000000" pitchFamily="34" charset="-128"/>
+            </a:endParaRPr>
+          </a:p>
+        </p:txBody>
+      </p:sp>
+      <p:sp>
+        <p:nvSpPr>
+          <p:cNvPr id="7" name="スライド番号プレースホルダー 6">
+            <a:extLst>
+              <a:ext uri="{FF2B5EF4-FFF2-40B4-BE49-F238E27FC236}">
+                <a16:creationId xmlns:a16="http://schemas.microsoft.com/office/drawing/2014/main" id="{FDBA5218-EB3B-11FF-0581-CAFD9057D40D}"/>
+              </a:ext>
+            </a:extLst>
+          </p:cNvPr>
+          <p:cNvSpPr>
+            <a:spLocks noGrp="1"/>
+          </p:cNvSpPr>
+          <p:nvPr>
+            <p:ph type="sldNum" sz="quarter" idx="12"/>
+          </p:nvPr>
+        </p:nvSpPr>
+        <p:spPr/>
+        <p:txBody>
+          <a:bodyPr/>
+          <a:lstStyle/>
+          <a:p>
+            <a:fld id="{48F63A3B-78C7-47BE-AE5E-E10140E04643}" type="slidenum">
+              <a:rPr lang="en-US" smtClean="0"/>
+              <a:t>9</a:t>
+            </a:fld>
+            <a:r>
+              <a:rPr lang="en-US"/>
+              <a:t>/n</a:t>
+            </a:r>
+            <a:endParaRPr lang="en-US" dirty="0"/>
+          </a:p>
+        </p:txBody>
+      </p:sp>
+    </p:spTree>
+    <p:extLst>
+      <p:ext uri="{BB962C8B-B14F-4D97-AF65-F5344CB8AC3E}">
+        <p14:creationId xmlns:p14="http://schemas.microsoft.com/office/powerpoint/2010/main" val="895276899"/>
       </p:ext>
     </p:extLst>
   </p:cSld>

--- a/docs/大輪講.pptx
+++ b/docs/大輪講.pptx
@@ -5,7 +5,7 @@
     <p:sldMasterId id="2147483648" r:id="rId1"/>
   </p:sldMasterIdLst>
   <p:notesMasterIdLst>
-    <p:notesMasterId r:id="rId12"/>
+    <p:notesMasterId r:id="rId13"/>
   </p:notesMasterIdLst>
   <p:sldIdLst>
     <p:sldId id="256" r:id="rId2"/>
@@ -15,9 +15,10 @@
     <p:sldId id="327" r:id="rId6"/>
     <p:sldId id="340" r:id="rId7"/>
     <p:sldId id="341" r:id="rId8"/>
-    <p:sldId id="338" r:id="rId9"/>
-    <p:sldId id="336" r:id="rId10"/>
-    <p:sldId id="335" r:id="rId11"/>
+    <p:sldId id="342" r:id="rId9"/>
+    <p:sldId id="338" r:id="rId10"/>
+    <p:sldId id="336" r:id="rId11"/>
+    <p:sldId id="335" r:id="rId12"/>
   </p:sldIdLst>
   <p:sldSz cx="9144000" cy="6858000" type="screen4x3"/>
   <p:notesSz cx="6858000" cy="9144000"/>
@@ -1083,7 +1084,7 @@
     </p:spTree>
     <p:extLst>
       <p:ext uri="{BB962C8B-B14F-4D97-AF65-F5344CB8AC3E}">
-        <p14:creationId xmlns:p14="http://schemas.microsoft.com/office/powerpoint/2010/main" val="4254298060"/>
+        <p14:creationId xmlns:p14="http://schemas.microsoft.com/office/powerpoint/2010/main" val="3111360859"/>
       </p:ext>
     </p:extLst>
   </p:cSld>
@@ -1158,7 +1159,91 @@
           <a:p>
             <a:fld id="{EAA3EE7C-6BE9-AF47-A02D-EA93943F487C}" type="slidenum">
               <a:rPr kumimoji="1" lang="ja-JP" altLang="en-US" smtClean="0"/>
-              <a:t>10</a:t>
+              <a:t>9</a:t>
+            </a:fld>
+            <a:endParaRPr kumimoji="1" lang="ja-JP" altLang="en-US"/>
+          </a:p>
+        </p:txBody>
+      </p:sp>
+    </p:spTree>
+    <p:extLst>
+      <p:ext uri="{BB962C8B-B14F-4D97-AF65-F5344CB8AC3E}">
+        <p14:creationId xmlns:p14="http://schemas.microsoft.com/office/powerpoint/2010/main" val="4254298060"/>
+      </p:ext>
+    </p:extLst>
+  </p:cSld>
+  <p:clrMapOvr>
+    <a:masterClrMapping/>
+  </p:clrMapOvr>
+</p:notes>
+</file>
+
+<file path=ppt/notesSlides/notesSlide9.xml><?xml version="1.0" encoding="utf-8"?>
+<p:notes xmlns:a="http://schemas.openxmlformats.org/drawingml/2006/main" xmlns:r="http://schemas.openxmlformats.org/officeDocument/2006/relationships" xmlns:p="http://schemas.openxmlformats.org/presentationml/2006/main">
+  <p:cSld>
+    <p:spTree>
+      <p:nvGrpSpPr>
+        <p:cNvPr id="1" name=""/>
+        <p:cNvGrpSpPr/>
+        <p:nvPr/>
+      </p:nvGrpSpPr>
+      <p:grpSpPr>
+        <a:xfrm>
+          <a:off x="0" y="0"/>
+          <a:ext cx="0" cy="0"/>
+          <a:chOff x="0" y="0"/>
+          <a:chExt cx="0" cy="0"/>
+        </a:xfrm>
+      </p:grpSpPr>
+      <p:sp>
+        <p:nvSpPr>
+          <p:cNvPr id="2" name="スライド イメージ プレースホルダー 1"/>
+          <p:cNvSpPr>
+            <a:spLocks noGrp="1" noRot="1" noChangeAspect="1"/>
+          </p:cNvSpPr>
+          <p:nvPr>
+            <p:ph type="sldImg"/>
+          </p:nvPr>
+        </p:nvSpPr>
+        <p:spPr/>
+      </p:sp>
+      <p:sp>
+        <p:nvSpPr>
+          <p:cNvPr id="3" name="ノート プレースホルダー 2"/>
+          <p:cNvSpPr>
+            <a:spLocks noGrp="1"/>
+          </p:cNvSpPr>
+          <p:nvPr>
+            <p:ph type="body" idx="1"/>
+          </p:nvPr>
+        </p:nvSpPr>
+        <p:spPr/>
+        <p:txBody>
+          <a:bodyPr/>
+          <a:lstStyle/>
+          <a:p>
+            <a:endParaRPr kumimoji="1" lang="ja-JP" altLang="en-US"/>
+          </a:p>
+        </p:txBody>
+      </p:sp>
+      <p:sp>
+        <p:nvSpPr>
+          <p:cNvPr id="4" name="スライド番号プレースホルダー 3"/>
+          <p:cNvSpPr>
+            <a:spLocks noGrp="1"/>
+          </p:cNvSpPr>
+          <p:nvPr>
+            <p:ph type="sldNum" sz="quarter" idx="5"/>
+          </p:nvPr>
+        </p:nvSpPr>
+        <p:spPr/>
+        <p:txBody>
+          <a:bodyPr/>
+          <a:lstStyle/>
+          <a:p>
+            <a:fld id="{EAA3EE7C-6BE9-AF47-A02D-EA93943F487C}" type="slidenum">
+              <a:rPr kumimoji="1" lang="ja-JP" altLang="en-US" smtClean="0"/>
+              <a:t>11</a:t>
             </a:fld>
             <a:endParaRPr kumimoji="1" lang="ja-JP" altLang="en-US"/>
           </a:p>
@@ -2762,6 +2847,136 @@
       </p:grpSpPr>
       <p:sp>
         <p:nvSpPr>
+          <p:cNvPr id="2" name="タイトル 1">
+            <a:extLst>
+              <a:ext uri="{FF2B5EF4-FFF2-40B4-BE49-F238E27FC236}">
+                <a16:creationId xmlns:a16="http://schemas.microsoft.com/office/drawing/2014/main" id="{09464A9F-DC19-9CAD-C3FE-B4957F307D5E}"/>
+              </a:ext>
+            </a:extLst>
+          </p:cNvPr>
+          <p:cNvSpPr>
+            <a:spLocks noGrp="1"/>
+          </p:cNvSpPr>
+          <p:nvPr>
+            <p:ph type="title"/>
+          </p:nvPr>
+        </p:nvSpPr>
+        <p:spPr/>
+        <p:txBody>
+          <a:bodyPr anchor="b"/>
+          <a:lstStyle/>
+          <a:p>
+            <a:r>
+              <a:rPr lang="en-US" altLang="ja-JP" dirty="0"/>
+              <a:t>section</a:t>
+            </a:r>
+            <a:endParaRPr kumimoji="1" lang="ja-JP" altLang="en-US">
+              <a:latin typeface="Hiragino Kaku Gothic Std W8" panose="020B0800000000000000" pitchFamily="34" charset="-128"/>
+              <a:ea typeface="Hiragino Kaku Gothic Std W8" panose="020B0800000000000000" pitchFamily="34" charset="-128"/>
+            </a:endParaRPr>
+          </a:p>
+        </p:txBody>
+      </p:sp>
+      <p:sp>
+        <p:nvSpPr>
+          <p:cNvPr id="3" name="テキスト プレースホルダー 2">
+            <a:extLst>
+              <a:ext uri="{FF2B5EF4-FFF2-40B4-BE49-F238E27FC236}">
+                <a16:creationId xmlns:a16="http://schemas.microsoft.com/office/drawing/2014/main" id="{B5AAE497-2E95-EDBE-9C01-258962D4856E}"/>
+              </a:ext>
+            </a:extLst>
+          </p:cNvPr>
+          <p:cNvSpPr>
+            <a:spLocks noGrp="1"/>
+          </p:cNvSpPr>
+          <p:nvPr>
+            <p:ph type="body" idx="1"/>
+          </p:nvPr>
+        </p:nvSpPr>
+        <p:spPr/>
+        <p:txBody>
+          <a:bodyPr/>
+          <a:lstStyle/>
+          <a:p>
+            <a:r>
+              <a:rPr kumimoji="1" lang="en-US" altLang="ja-JP" dirty="0">
+                <a:latin typeface="Hiragino Kaku Gothic Std W8" panose="020B0800000000000000" pitchFamily="34" charset="-128"/>
+                <a:ea typeface="Hiragino Kaku Gothic Std W8" panose="020B0800000000000000" pitchFamily="34" charset="-128"/>
+              </a:rPr>
+              <a:t>detail</a:t>
+            </a:r>
+            <a:endParaRPr kumimoji="1" lang="ja-JP" altLang="en-US">
+              <a:latin typeface="Hiragino Kaku Gothic Std W8" panose="020B0800000000000000" pitchFamily="34" charset="-128"/>
+              <a:ea typeface="Hiragino Kaku Gothic Std W8" panose="020B0800000000000000" pitchFamily="34" charset="-128"/>
+            </a:endParaRPr>
+          </a:p>
+        </p:txBody>
+      </p:sp>
+      <p:sp>
+        <p:nvSpPr>
+          <p:cNvPr id="7" name="スライド番号プレースホルダー 6">
+            <a:extLst>
+              <a:ext uri="{FF2B5EF4-FFF2-40B4-BE49-F238E27FC236}">
+                <a16:creationId xmlns:a16="http://schemas.microsoft.com/office/drawing/2014/main" id="{FDBA5218-EB3B-11FF-0581-CAFD9057D40D}"/>
+              </a:ext>
+            </a:extLst>
+          </p:cNvPr>
+          <p:cNvSpPr>
+            <a:spLocks noGrp="1"/>
+          </p:cNvSpPr>
+          <p:nvPr>
+            <p:ph type="sldNum" sz="quarter" idx="12"/>
+          </p:nvPr>
+        </p:nvSpPr>
+        <p:spPr/>
+        <p:txBody>
+          <a:bodyPr/>
+          <a:lstStyle/>
+          <a:p>
+            <a:fld id="{48F63A3B-78C7-47BE-AE5E-E10140E04643}" type="slidenum">
+              <a:rPr lang="en-US" smtClean="0"/>
+              <a:t>10</a:t>
+            </a:fld>
+            <a:r>
+              <a:rPr lang="en-US"/>
+              <a:t>/n</a:t>
+            </a:r>
+            <a:endParaRPr lang="en-US" dirty="0"/>
+          </a:p>
+        </p:txBody>
+      </p:sp>
+    </p:spTree>
+    <p:extLst>
+      <p:ext uri="{BB962C8B-B14F-4D97-AF65-F5344CB8AC3E}">
+        <p14:creationId xmlns:p14="http://schemas.microsoft.com/office/powerpoint/2010/main" val="895276899"/>
+      </p:ext>
+    </p:extLst>
+  </p:cSld>
+  <p:clrMapOvr>
+    <a:masterClrMapping/>
+  </p:clrMapOvr>
+</p:sld>
+</file>
+
+<file path=ppt/slides/slide11.xml><?xml version="1.0" encoding="utf-8"?>
+<p:sld xmlns:a="http://schemas.openxmlformats.org/drawingml/2006/main" xmlns:r="http://schemas.openxmlformats.org/officeDocument/2006/relationships" xmlns:p="http://schemas.openxmlformats.org/presentationml/2006/main">
+  <p:cSld>
+    <p:spTree>
+      <p:nvGrpSpPr>
+        <p:cNvPr id="1" name=""/>
+        <p:cNvGrpSpPr/>
+        <p:nvPr/>
+      </p:nvGrpSpPr>
+      <p:grpSpPr>
+        <a:xfrm>
+          <a:off x="0" y="0"/>
+          <a:ext cx="0" cy="0"/>
+          <a:chOff x="0" y="0"/>
+          <a:chExt cx="0" cy="0"/>
+        </a:xfrm>
+      </p:grpSpPr>
+      <p:sp>
+        <p:nvSpPr>
           <p:cNvPr id="4" name="正方形/長方形 3">
             <a:extLst>
               <a:ext uri="{FF2B5EF4-FFF2-40B4-BE49-F238E27FC236}">
@@ -2917,7 +3132,7 @@
             <a:fld id="{48F63A3B-78C7-47BE-AE5E-E10140E04643}" type="slidenum">
               <a:rPr lang="en-US" smtClean="0"/>
               <a:pPr/>
-              <a:t>10</a:t>
+              <a:t>11</a:t>
             </a:fld>
             <a:r>
               <a:rPr lang="en-US"/>
@@ -3591,7 +3806,23 @@
             </a:pPr>
             <a:r>
               <a:rPr lang="ja-JP" altLang="en-US" sz="1800"/>
-              <a:t>しかし、一般相対論を用いて歪んだ時空を考えると、光はその歪んだ時空の上を進むので、観測した物体もまた歪んで見える。そこで今回は「歪んだ時空にある物体がどのように見えるのか」を考える。</a:t>
+              <a:t>しかし、一般相対論を用いて歪んだ時空を考えると、光はその歪んだ時空の上を進むので、観測した物体もまた歪んで見える。そこで今回は</a:t>
+            </a:r>
+            <a:endParaRPr lang="en-US" altLang="ja-JP" sz="1800" dirty="0"/>
+          </a:p>
+          <a:p>
+            <a:pPr marL="0" indent="0" eaLnBrk="0">
+              <a:lnSpc>
+                <a:spcPct val="150000"/>
+              </a:lnSpc>
+              <a:spcBef>
+                <a:spcPts val="0"/>
+              </a:spcBef>
+              <a:buNone/>
+            </a:pPr>
+            <a:r>
+              <a:rPr lang="ja-JP" altLang="en-US" sz="1800"/>
+              <a:t>「歪んだ時空にある物体がどのように見えるのか」を考える。</a:t>
             </a:r>
             <a:endParaRPr lang="en-US" altLang="ja-JP" sz="1800" dirty="0"/>
           </a:p>
@@ -4251,7 +4482,7 @@
                   <a:srgbClr val="C00000"/>
                 </a:solidFill>
               </a:rPr>
-              <a:t>(1) </a:t>
+              <a:t>(1)</a:t>
             </a:r>
             <a:r>
               <a:rPr lang="ja-JP" altLang="en-US" sz="1800">
@@ -4259,7 +4490,7 @@
                   <a:srgbClr val="C00000"/>
                 </a:solidFill>
               </a:rPr>
-              <a:t>ブラックホールが作る時空の具体的な形（計量）</a:t>
+              <a:t>　ブラックホールが作る時空の具体的な形（シュバルツシルト計量）</a:t>
             </a:r>
             <a:endParaRPr lang="en-US" altLang="ja-JP" sz="1800" dirty="0">
               <a:solidFill>
@@ -4283,7 +4514,7 @@
                   <a:srgbClr val="C00000"/>
                 </a:solidFill>
               </a:rPr>
-              <a:t>(2) </a:t>
+              <a:t>(2)</a:t>
             </a:r>
             <a:r>
               <a:rPr lang="ja-JP" altLang="en-US" sz="1800">
@@ -4291,7 +4522,7 @@
                   <a:srgbClr val="C00000"/>
                 </a:solidFill>
               </a:rPr>
-              <a:t>曲がった時空上での光の動き（</a:t>
+              <a:t>　曲がった時空上での光の動き（</a:t>
             </a:r>
             <a:r>
               <a:rPr lang="en-US" altLang="ja-JP" sz="1800" dirty="0">
@@ -4327,7 +4558,7 @@
             </a:pPr>
             <a:r>
               <a:rPr lang="ja-JP" altLang="en-US" sz="1800"/>
-              <a:t>を知っておく必要があります。ただし、一般相対論について説明するには時間が足りないので</a:t>
+              <a:t>を知っておく必要がある。ただし、一般相対論について説明するには時間が足りないため</a:t>
             </a:r>
             <a:endParaRPr lang="en-US" altLang="ja-JP" sz="1800" dirty="0"/>
           </a:p>
@@ -4425,7 +4656,7 @@
             </a:pPr>
             <a:r>
               <a:rPr lang="ja-JP" altLang="en-US" sz="1800"/>
-              <a:t>は既知であるとします。</a:t>
+              <a:t>は既知とする。</a:t>
             </a:r>
             <a:endParaRPr lang="en-US" altLang="ja-JP" sz="1800" dirty="0"/>
           </a:p>
@@ -4555,10 +4786,10 @@
       </p:pic>
       <p:pic>
         <p:nvPicPr>
-          <p:cNvPr id="9" name="図 8">
+          <p:cNvPr id="10" name="図 9">
             <a:extLst>
               <a:ext uri="{FF2B5EF4-FFF2-40B4-BE49-F238E27FC236}">
-                <a16:creationId xmlns:a16="http://schemas.microsoft.com/office/drawing/2014/main" id="{AB06993A-A38B-753E-047B-13951E4EBBD6}"/>
+                <a16:creationId xmlns:a16="http://schemas.microsoft.com/office/drawing/2014/main" id="{20AADCFE-3AF5-CD97-5112-6350D612BBD7}"/>
               </a:ext>
             </a:extLst>
           </p:cNvPr>
@@ -4575,8 +4806,8 @@
         </p:blipFill>
         <p:spPr>
           <a:xfrm>
-            <a:off x="1377694" y="3616038"/>
-            <a:ext cx="5652233" cy="689913"/>
+            <a:off x="1377694" y="3652561"/>
+            <a:ext cx="5126054" cy="650454"/>
           </a:xfrm>
           <a:prstGeom prst="rect">
             <a:avLst/>
@@ -4694,12 +4925,13 @@
           <a:lstStyle/>
           <a:p>
             <a:r>
-              <a:rPr kumimoji="1" lang="ja-JP" altLang="en-US">
-                <a:latin typeface="Hiragino Kaku Gothic Std W8" panose="020B0800000000000000" pitchFamily="34" charset="-128"/>
-                <a:ea typeface="Hiragino Kaku Gothic Std W8" panose="020B0800000000000000" pitchFamily="34" charset="-128"/>
-              </a:rPr>
-              <a:t>シュバルツシルト時空</a:t>
-            </a:r>
+              <a:rPr lang="ja-JP" altLang="en-US"/>
+              <a:t>光の軌道を表す微分方程式</a:t>
+            </a:r>
+            <a:endParaRPr kumimoji="1" lang="ja-JP" altLang="en-US">
+              <a:latin typeface="Hiragino Kaku Gothic Std W8" panose="020B0800000000000000" pitchFamily="34" charset="-128"/>
+              <a:ea typeface="Hiragino Kaku Gothic Std W8" panose="020B0800000000000000" pitchFamily="34" charset="-128"/>
+            </a:endParaRPr>
           </a:p>
         </p:txBody>
       </p:sp>
@@ -4727,7 +4959,7 @@
         </p:spPr>
         <p:txBody>
           <a:bodyPr>
-            <a:normAutofit/>
+            <a:normAutofit lnSpcReduction="10000"/>
           </a:bodyPr>
           <a:lstStyle/>
           <a:p>
@@ -4742,8 +4974,228 @@
             </a:pPr>
             <a:r>
               <a:rPr lang="ja-JP" altLang="en-US" sz="1800"/>
-              <a:t>大質量天体付近での光の軌道を考えるために、</a:t>
-            </a:r>
+              <a:t>シュバルツシルト計量は球対称の構造を持っているので　　　　の赤道面に注目すると、</a:t>
+            </a:r>
+            <a:r>
+              <a:rPr lang="en-US" altLang="ja-JP" sz="1800" dirty="0"/>
+              <a:t>null</a:t>
+            </a:r>
+            <a:r>
+              <a:rPr lang="ja-JP" altLang="en-US" sz="1800"/>
+              <a:t>測地線方程式から以下の保存則が導かれる。</a:t>
+            </a:r>
+            <a:endParaRPr lang="en-US" altLang="ja-JP" sz="1800" dirty="0"/>
+          </a:p>
+          <a:p>
+            <a:pPr marL="0" indent="0" eaLnBrk="0">
+              <a:lnSpc>
+                <a:spcPct val="150000"/>
+              </a:lnSpc>
+              <a:spcBef>
+                <a:spcPts val="0"/>
+              </a:spcBef>
+              <a:buNone/>
+            </a:pPr>
+            <a:endParaRPr lang="en-US" altLang="ja-JP" sz="800" dirty="0">
+              <a:solidFill>
+                <a:srgbClr val="C00000"/>
+              </a:solidFill>
+            </a:endParaRPr>
+          </a:p>
+          <a:p>
+            <a:pPr marL="0" indent="0" eaLnBrk="0">
+              <a:lnSpc>
+                <a:spcPct val="150000"/>
+              </a:lnSpc>
+              <a:spcBef>
+                <a:spcPts val="0"/>
+              </a:spcBef>
+              <a:buNone/>
+            </a:pPr>
+            <a:r>
+              <a:rPr lang="ja-JP" altLang="en-US" sz="1800">
+                <a:solidFill>
+                  <a:srgbClr val="C00000"/>
+                </a:solidFill>
+              </a:rPr>
+              <a:t>エネルギー保存則</a:t>
+            </a:r>
+            <a:r>
+              <a:rPr lang="ja-JP" altLang="en-US" sz="1800"/>
+              <a:t>：</a:t>
+            </a:r>
+            <a:endParaRPr lang="en-US" altLang="ja-JP" sz="1800" dirty="0"/>
+          </a:p>
+          <a:p>
+            <a:pPr marL="0" indent="0" eaLnBrk="0">
+              <a:lnSpc>
+                <a:spcPct val="150000"/>
+              </a:lnSpc>
+              <a:spcBef>
+                <a:spcPts val="0"/>
+              </a:spcBef>
+              <a:buNone/>
+            </a:pPr>
+            <a:endParaRPr lang="en-US" altLang="ja-JP" sz="800" dirty="0">
+              <a:solidFill>
+                <a:srgbClr val="C00000"/>
+              </a:solidFill>
+            </a:endParaRPr>
+          </a:p>
+          <a:p>
+            <a:pPr marL="0" indent="0" eaLnBrk="0">
+              <a:lnSpc>
+                <a:spcPct val="150000"/>
+              </a:lnSpc>
+              <a:spcBef>
+                <a:spcPts val="0"/>
+              </a:spcBef>
+              <a:buNone/>
+            </a:pPr>
+            <a:r>
+              <a:rPr lang="ja-JP" altLang="en-US" sz="1800">
+                <a:solidFill>
+                  <a:srgbClr val="C00000"/>
+                </a:solidFill>
+              </a:rPr>
+              <a:t>角運動量保存則</a:t>
+            </a:r>
+            <a:r>
+              <a:rPr lang="ja-JP" altLang="en-US" sz="1800"/>
+              <a:t>：</a:t>
+            </a:r>
+            <a:endParaRPr lang="en-US" altLang="ja-JP" sz="1800" dirty="0"/>
+          </a:p>
+          <a:p>
+            <a:pPr marL="0" indent="0" eaLnBrk="0">
+              <a:lnSpc>
+                <a:spcPct val="150000"/>
+              </a:lnSpc>
+              <a:spcBef>
+                <a:spcPts val="0"/>
+              </a:spcBef>
+              <a:buNone/>
+            </a:pPr>
+            <a:endParaRPr lang="en-US" altLang="ja-JP" sz="800" dirty="0"/>
+          </a:p>
+          <a:p>
+            <a:pPr marL="0" indent="0" eaLnBrk="0">
+              <a:lnSpc>
+                <a:spcPct val="150000"/>
+              </a:lnSpc>
+              <a:spcBef>
+                <a:spcPts val="0"/>
+              </a:spcBef>
+              <a:buNone/>
+            </a:pPr>
+            <a:r>
+              <a:rPr lang="ja-JP" altLang="en-US" sz="1800"/>
+              <a:t>また、光の世界間隔は常にゼロなので</a:t>
+            </a:r>
+            <a:endParaRPr lang="en-US" altLang="ja-JP" sz="1800" dirty="0"/>
+          </a:p>
+          <a:p>
+            <a:pPr marL="0" indent="0" eaLnBrk="0">
+              <a:lnSpc>
+                <a:spcPct val="150000"/>
+              </a:lnSpc>
+              <a:spcBef>
+                <a:spcPts val="0"/>
+              </a:spcBef>
+              <a:buNone/>
+            </a:pPr>
+            <a:endParaRPr lang="en-US" altLang="ja-JP" sz="1800" dirty="0"/>
+          </a:p>
+          <a:p>
+            <a:pPr marL="0" indent="0" eaLnBrk="0">
+              <a:lnSpc>
+                <a:spcPct val="150000"/>
+              </a:lnSpc>
+              <a:spcBef>
+                <a:spcPts val="0"/>
+              </a:spcBef>
+              <a:buNone/>
+            </a:pPr>
+            <a:endParaRPr lang="en-US" altLang="ja-JP" sz="1800" dirty="0"/>
+          </a:p>
+          <a:p>
+            <a:pPr marL="0" indent="0" eaLnBrk="0">
+              <a:lnSpc>
+                <a:spcPct val="150000"/>
+              </a:lnSpc>
+              <a:spcBef>
+                <a:spcPts val="0"/>
+              </a:spcBef>
+              <a:buNone/>
+            </a:pPr>
+            <a:endParaRPr lang="en-US" altLang="ja-JP" sz="1800" dirty="0"/>
+          </a:p>
+          <a:p>
+            <a:pPr marL="0" indent="0" eaLnBrk="0">
+              <a:lnSpc>
+                <a:spcPct val="150000"/>
+              </a:lnSpc>
+              <a:spcBef>
+                <a:spcPts val="0"/>
+              </a:spcBef>
+              <a:buNone/>
+            </a:pPr>
+            <a:r>
+              <a:rPr lang="ja-JP" altLang="en-US" sz="1800"/>
+              <a:t>以上より、　　　　（これを衝突係数と呼ぶ）とおくと、微分方程式</a:t>
+            </a:r>
+            <a:endParaRPr lang="en-US" altLang="ja-JP" sz="1800" dirty="0"/>
+          </a:p>
+          <a:p>
+            <a:pPr marL="0" indent="0" eaLnBrk="0">
+              <a:lnSpc>
+                <a:spcPct val="150000"/>
+              </a:lnSpc>
+              <a:spcBef>
+                <a:spcPts val="0"/>
+              </a:spcBef>
+              <a:buNone/>
+            </a:pPr>
+            <a:endParaRPr lang="en-US" altLang="ja-JP" sz="1100" dirty="0"/>
+          </a:p>
+          <a:p>
+            <a:pPr marL="0" indent="0" eaLnBrk="0">
+              <a:lnSpc>
+                <a:spcPct val="150000"/>
+              </a:lnSpc>
+              <a:spcBef>
+                <a:spcPts val="0"/>
+              </a:spcBef>
+              <a:buNone/>
+            </a:pPr>
+            <a:endParaRPr lang="en-US" altLang="ja-JP" sz="1800" dirty="0"/>
+          </a:p>
+          <a:p>
+            <a:pPr marL="0" indent="0" eaLnBrk="0">
+              <a:lnSpc>
+                <a:spcPct val="150000"/>
+              </a:lnSpc>
+              <a:spcBef>
+                <a:spcPts val="0"/>
+              </a:spcBef>
+              <a:buNone/>
+            </a:pPr>
+            <a:r>
+              <a:rPr lang="ja-JP" altLang="en-US" sz="1800"/>
+              <a:t>が得られる。</a:t>
+            </a:r>
+            <a:endParaRPr lang="en-US" altLang="ja-JP" sz="1800" dirty="0"/>
+          </a:p>
+          <a:p>
+            <a:pPr marL="0" indent="0" eaLnBrk="0">
+              <a:lnSpc>
+                <a:spcPct val="150000"/>
+              </a:lnSpc>
+              <a:spcBef>
+                <a:spcPts val="0"/>
+              </a:spcBef>
+              <a:buNone/>
+            </a:pPr>
             <a:endParaRPr lang="en-US" altLang="ja-JP" sz="1800" dirty="0"/>
           </a:p>
         </p:txBody>
@@ -4782,6 +5234,186 @@
           </a:p>
         </p:txBody>
       </p:sp>
+      <p:pic>
+        <p:nvPicPr>
+          <p:cNvPr id="5" name="図 4">
+            <a:extLst>
+              <a:ext uri="{FF2B5EF4-FFF2-40B4-BE49-F238E27FC236}">
+                <a16:creationId xmlns:a16="http://schemas.microsoft.com/office/drawing/2014/main" id="{7AC2B983-59C7-EAED-BBCF-F7FB502373F6}"/>
+              </a:ext>
+            </a:extLst>
+          </p:cNvPr>
+          <p:cNvPicPr>
+            <a:picLocks noChangeAspect="1"/>
+          </p:cNvPicPr>
+          <p:nvPr/>
+        </p:nvPicPr>
+        <p:blipFill>
+          <a:blip r:embed="rId3"/>
+          <a:stretch>
+            <a:fillRect/>
+          </a:stretch>
+        </p:blipFill>
+        <p:spPr>
+          <a:xfrm>
+            <a:off x="3090182" y="2214745"/>
+            <a:ext cx="2322366" cy="498879"/>
+          </a:xfrm>
+          <a:prstGeom prst="rect">
+            <a:avLst/>
+          </a:prstGeom>
+        </p:spPr>
+      </p:pic>
+      <p:pic>
+        <p:nvPicPr>
+          <p:cNvPr id="6" name="図 5">
+            <a:extLst>
+              <a:ext uri="{FF2B5EF4-FFF2-40B4-BE49-F238E27FC236}">
+                <a16:creationId xmlns:a16="http://schemas.microsoft.com/office/drawing/2014/main" id="{9728D793-FBD9-7685-7967-93D47C35E1CD}"/>
+              </a:ext>
+            </a:extLst>
+          </p:cNvPr>
+          <p:cNvPicPr>
+            <a:picLocks noChangeAspect="1"/>
+          </p:cNvPicPr>
+          <p:nvPr/>
+        </p:nvPicPr>
+        <p:blipFill>
+          <a:blip r:embed="rId4"/>
+          <a:stretch>
+            <a:fillRect/>
+          </a:stretch>
+        </p:blipFill>
+        <p:spPr>
+          <a:xfrm>
+            <a:off x="3090182" y="2892033"/>
+            <a:ext cx="1584716" cy="247047"/>
+          </a:xfrm>
+          <a:prstGeom prst="rect">
+            <a:avLst/>
+          </a:prstGeom>
+        </p:spPr>
+      </p:pic>
+      <p:pic>
+        <p:nvPicPr>
+          <p:cNvPr id="8" name="図 7">
+            <a:extLst>
+              <a:ext uri="{FF2B5EF4-FFF2-40B4-BE49-F238E27FC236}">
+                <a16:creationId xmlns:a16="http://schemas.microsoft.com/office/drawing/2014/main" id="{856291CF-7C80-DFEB-C8D2-F776E959F369}"/>
+              </a:ext>
+            </a:extLst>
+          </p:cNvPr>
+          <p:cNvPicPr>
+            <a:picLocks noChangeAspect="1"/>
+          </p:cNvPicPr>
+          <p:nvPr/>
+        </p:nvPicPr>
+        <p:blipFill>
+          <a:blip r:embed="rId5"/>
+          <a:stretch>
+            <a:fillRect/>
+          </a:stretch>
+        </p:blipFill>
+        <p:spPr>
+          <a:xfrm>
+            <a:off x="2511630" y="3854067"/>
+            <a:ext cx="4120738" cy="867225"/>
+          </a:xfrm>
+          <a:prstGeom prst="rect">
+            <a:avLst/>
+          </a:prstGeom>
+        </p:spPr>
+      </p:pic>
+      <p:pic>
+        <p:nvPicPr>
+          <p:cNvPr id="9" name="図 8">
+            <a:extLst>
+              <a:ext uri="{FF2B5EF4-FFF2-40B4-BE49-F238E27FC236}">
+                <a16:creationId xmlns:a16="http://schemas.microsoft.com/office/drawing/2014/main" id="{F8EEA4E0-A582-5CC7-8108-37F49B9FD745}"/>
+              </a:ext>
+            </a:extLst>
+          </p:cNvPr>
+          <p:cNvPicPr>
+            <a:picLocks noChangeAspect="1"/>
+          </p:cNvPicPr>
+          <p:nvPr/>
+        </p:nvPicPr>
+        <p:blipFill>
+          <a:blip r:embed="rId6"/>
+          <a:stretch>
+            <a:fillRect/>
+          </a:stretch>
+        </p:blipFill>
+        <p:spPr>
+          <a:xfrm>
+            <a:off x="6632368" y="1251420"/>
+            <a:ext cx="577850" cy="412750"/>
+          </a:xfrm>
+          <a:prstGeom prst="rect">
+            <a:avLst/>
+          </a:prstGeom>
+        </p:spPr>
+      </p:pic>
+      <p:pic>
+        <p:nvPicPr>
+          <p:cNvPr id="10" name="図 9">
+            <a:extLst>
+              <a:ext uri="{FF2B5EF4-FFF2-40B4-BE49-F238E27FC236}">
+                <a16:creationId xmlns:a16="http://schemas.microsoft.com/office/drawing/2014/main" id="{E11FE620-1F88-C40E-D8D5-88FAA57C0892}"/>
+              </a:ext>
+            </a:extLst>
+          </p:cNvPr>
+          <p:cNvPicPr>
+            <a:picLocks noChangeAspect="1"/>
+          </p:cNvPicPr>
+          <p:nvPr/>
+        </p:nvPicPr>
+        <p:blipFill>
+          <a:blip r:embed="rId7"/>
+          <a:stretch>
+            <a:fillRect/>
+          </a:stretch>
+        </p:blipFill>
+        <p:spPr>
+          <a:xfrm>
+            <a:off x="2060533" y="4834541"/>
+            <a:ext cx="603250" cy="469900"/>
+          </a:xfrm>
+          <a:prstGeom prst="rect">
+            <a:avLst/>
+          </a:prstGeom>
+        </p:spPr>
+      </p:pic>
+      <p:pic>
+        <p:nvPicPr>
+          <p:cNvPr id="12" name="図 11">
+            <a:extLst>
+              <a:ext uri="{FF2B5EF4-FFF2-40B4-BE49-F238E27FC236}">
+                <a16:creationId xmlns:a16="http://schemas.microsoft.com/office/drawing/2014/main" id="{10B832EA-972B-A54A-B106-24F83266F30C}"/>
+              </a:ext>
+            </a:extLst>
+          </p:cNvPr>
+          <p:cNvPicPr>
+            <a:picLocks noChangeAspect="1"/>
+          </p:cNvPicPr>
+          <p:nvPr/>
+        </p:nvPicPr>
+        <p:blipFill>
+          <a:blip r:embed="rId8"/>
+          <a:stretch>
+            <a:fillRect/>
+          </a:stretch>
+        </p:blipFill>
+        <p:spPr>
+          <a:xfrm>
+            <a:off x="2816008" y="5360670"/>
+            <a:ext cx="3511982" cy="591557"/>
+          </a:xfrm>
+          <a:prstGeom prst="rect">
+            <a:avLst/>
+          </a:prstGeom>
+        </p:spPr>
+      </p:pic>
     </p:spTree>
     <p:extLst>
       <p:ext uri="{BB962C8B-B14F-4D97-AF65-F5344CB8AC3E}">
@@ -4814,10 +5446,62 @@
       </p:grpSpPr>
       <p:sp>
         <p:nvSpPr>
+          <p:cNvPr id="4" name="正方形/長方形 3">
+            <a:extLst>
+              <a:ext uri="{FF2B5EF4-FFF2-40B4-BE49-F238E27FC236}">
+                <a16:creationId xmlns:a16="http://schemas.microsoft.com/office/drawing/2014/main" id="{9CF5ADBC-63D6-C438-7B21-4E435C4E2EC9}"/>
+              </a:ext>
+            </a:extLst>
+          </p:cNvPr>
+          <p:cNvSpPr/>
+          <p:nvPr/>
+        </p:nvSpPr>
+        <p:spPr>
+          <a:xfrm>
+            <a:off x="-1" y="0"/>
+            <a:ext cx="9144001" cy="984738"/>
+          </a:xfrm>
+          <a:prstGeom prst="rect">
+            <a:avLst/>
+          </a:prstGeom>
+          <a:solidFill>
+            <a:schemeClr val="bg2"/>
+          </a:solidFill>
+          <a:ln>
+            <a:noFill/>
+          </a:ln>
+        </p:spPr>
+        <p:style>
+          <a:lnRef idx="2">
+            <a:schemeClr val="accent1">
+              <a:shade val="15000"/>
+            </a:schemeClr>
+          </a:lnRef>
+          <a:fillRef idx="1">
+            <a:schemeClr val="accent1"/>
+          </a:fillRef>
+          <a:effectRef idx="0">
+            <a:schemeClr val="accent1"/>
+          </a:effectRef>
+          <a:fontRef idx="minor">
+            <a:schemeClr val="lt1"/>
+          </a:fontRef>
+        </p:style>
+        <p:txBody>
+          <a:bodyPr rtlCol="0" anchor="ctr"/>
+          <a:lstStyle/>
+          <a:p>
+            <a:pPr algn="ctr"/>
+            <a:endParaRPr kumimoji="1" lang="ja-JP" altLang="en-US"/>
+          </a:p>
+        </p:txBody>
+      </p:sp>
+      <p:sp>
+        <p:nvSpPr>
           <p:cNvPr id="2" name="タイトル 1">
             <a:extLst>
               <a:ext uri="{FF2B5EF4-FFF2-40B4-BE49-F238E27FC236}">
-                <a16:creationId xmlns:a16="http://schemas.microsoft.com/office/drawing/2014/main" id="{725C0601-9E43-CFF5-9213-15A61DF194B6}"/>
+                <a16:creationId xmlns:a16="http://schemas.microsoft.com/office/drawing/2014/main" id="{39E3549D-C0BB-FB83-4188-F1CA43005809}"/>
               </a:ext>
             </a:extLst>
           </p:cNvPr>
@@ -4825,13 +5509,13 @@
             <a:spLocks noGrp="1"/>
           </p:cNvSpPr>
           <p:nvPr>
-            <p:ph type="ctrTitle"/>
+            <p:ph type="title"/>
           </p:nvPr>
         </p:nvSpPr>
         <p:spPr>
           <a:xfrm>
-            <a:off x="390144" y="1122363"/>
-            <a:ext cx="8351520" cy="2620582"/>
+            <a:off x="628650" y="67622"/>
+            <a:ext cx="7886700" cy="984738"/>
           </a:xfrm>
         </p:spPr>
         <p:txBody>
@@ -4841,53 +5525,8 @@
           <a:lstStyle/>
           <a:p>
             <a:r>
-              <a:rPr kumimoji="1" lang="en-US" altLang="ja-JP" sz="4400" dirty="0">
-                <a:latin typeface="Hiragino Kaku Gothic Std W8" panose="020B0800000000000000" pitchFamily="34" charset="-128"/>
-                <a:ea typeface="Hiragino Kaku Gothic Std W8" panose="020B0800000000000000" pitchFamily="34" charset="-128"/>
-              </a:rPr>
-              <a:t>items</a:t>
-            </a:r>
-            <a:endParaRPr kumimoji="1" lang="ja-JP" altLang="en-US" sz="4400">
-              <a:latin typeface="Hiragino Kaku Gothic Std W8" panose="020B0800000000000000" pitchFamily="34" charset="-128"/>
-              <a:ea typeface="Hiragino Kaku Gothic Std W8" panose="020B0800000000000000" pitchFamily="34" charset="-128"/>
-            </a:endParaRPr>
-          </a:p>
-        </p:txBody>
-      </p:sp>
-      <p:sp>
-        <p:nvSpPr>
-          <p:cNvPr id="3" name="字幕 2">
-            <a:extLst>
-              <a:ext uri="{FF2B5EF4-FFF2-40B4-BE49-F238E27FC236}">
-                <a16:creationId xmlns:a16="http://schemas.microsoft.com/office/drawing/2014/main" id="{1F317453-2659-04C0-4374-F182FDA7C0E2}"/>
-              </a:ext>
-            </a:extLst>
-          </p:cNvPr>
-          <p:cNvSpPr>
-            <a:spLocks noGrp="1"/>
-          </p:cNvSpPr>
-          <p:nvPr>
-            <p:ph type="subTitle" idx="1"/>
-          </p:nvPr>
-        </p:nvSpPr>
-        <p:spPr>
-          <a:xfrm>
-            <a:off x="390143" y="4169664"/>
-            <a:ext cx="8351519" cy="963168"/>
-          </a:xfrm>
-        </p:spPr>
-        <p:txBody>
-          <a:bodyPr>
-            <a:normAutofit/>
-          </a:bodyPr>
-          <a:lstStyle/>
-          <a:p>
-            <a:r>
-              <a:rPr kumimoji="1" lang="en-US" altLang="ja-JP" dirty="0">
-                <a:latin typeface="Hiragino Kaku Gothic Std W8" panose="020B0800000000000000" pitchFamily="34" charset="-128"/>
-                <a:ea typeface="Hiragino Kaku Gothic Std W8" panose="020B0800000000000000" pitchFamily="34" charset="-128"/>
-              </a:rPr>
-              <a:t>name</a:t>
+              <a:rPr lang="ja-JP" altLang="en-US"/>
+              <a:t>光の軌道を表す微分方程式</a:t>
             </a:r>
             <a:endParaRPr kumimoji="1" lang="ja-JP" altLang="en-US">
               <a:latin typeface="Hiragino Kaku Gothic Std W8" panose="020B0800000000000000" pitchFamily="34" charset="-128"/>
@@ -4896,10 +5535,83 @@
           </a:p>
         </p:txBody>
       </p:sp>
+      <p:sp>
+        <p:nvSpPr>
+          <p:cNvPr id="3" name="コンテンツ プレースホルダー 2">
+            <a:extLst>
+              <a:ext uri="{FF2B5EF4-FFF2-40B4-BE49-F238E27FC236}">
+                <a16:creationId xmlns:a16="http://schemas.microsoft.com/office/drawing/2014/main" id="{BCD1B691-85A7-B4C2-5EFB-79B01824458A}"/>
+              </a:ext>
+            </a:extLst>
+          </p:cNvPr>
+          <p:cNvSpPr>
+            <a:spLocks noGrp="1"/>
+          </p:cNvSpPr>
+          <p:nvPr>
+            <p:ph idx="1"/>
+          </p:nvPr>
+        </p:nvSpPr>
+        <p:spPr>
+          <a:xfrm>
+            <a:off x="628650" y="1242646"/>
+            <a:ext cx="7886700" cy="5248800"/>
+          </a:xfrm>
+        </p:spPr>
+        <p:txBody>
+          <a:bodyPr/>
+          <a:lstStyle/>
+          <a:p>
+            <a:pPr marL="0" indent="0" eaLnBrk="0">
+              <a:lnSpc>
+                <a:spcPct val="150000"/>
+              </a:lnSpc>
+              <a:spcBef>
+                <a:spcPts val="0"/>
+              </a:spcBef>
+              <a:buNone/>
+            </a:pPr>
+            <a:endParaRPr lang="en-US" altLang="ja-JP" sz="1800" dirty="0"/>
+          </a:p>
+        </p:txBody>
+      </p:sp>
+      <p:sp>
+        <p:nvSpPr>
+          <p:cNvPr id="7" name="スライド番号プレースホルダー 6">
+            <a:extLst>
+              <a:ext uri="{FF2B5EF4-FFF2-40B4-BE49-F238E27FC236}">
+                <a16:creationId xmlns:a16="http://schemas.microsoft.com/office/drawing/2014/main" id="{DB788B49-CBD5-4AB0-B2D0-FDA6C4BD4D0C}"/>
+              </a:ext>
+            </a:extLst>
+          </p:cNvPr>
+          <p:cNvSpPr>
+            <a:spLocks noGrp="1"/>
+          </p:cNvSpPr>
+          <p:nvPr>
+            <p:ph type="sldNum" sz="quarter" idx="12"/>
+          </p:nvPr>
+        </p:nvSpPr>
+        <p:spPr/>
+        <p:txBody>
+          <a:bodyPr/>
+          <a:lstStyle/>
+          <a:p>
+            <a:fld id="{48F63A3B-78C7-47BE-AE5E-E10140E04643}" type="slidenum">
+              <a:rPr lang="en-US" smtClean="0"/>
+              <a:pPr/>
+              <a:t>8</a:t>
+            </a:fld>
+            <a:r>
+              <a:rPr lang="en-US"/>
+              <a:t>/n</a:t>
+            </a:r>
+            <a:endParaRPr lang="en-US" dirty="0"/>
+          </a:p>
+        </p:txBody>
+      </p:sp>
     </p:spTree>
     <p:extLst>
       <p:ext uri="{BB962C8B-B14F-4D97-AF65-F5344CB8AC3E}">
-        <p14:creationId xmlns:p14="http://schemas.microsoft.com/office/powerpoint/2010/main" val="593513300"/>
+        <p14:creationId xmlns:p14="http://schemas.microsoft.com/office/powerpoint/2010/main" val="4206851492"/>
       </p:ext>
     </p:extLst>
   </p:cSld>
@@ -4931,7 +5643,7 @@
           <p:cNvPr id="2" name="タイトル 1">
             <a:extLst>
               <a:ext uri="{FF2B5EF4-FFF2-40B4-BE49-F238E27FC236}">
-                <a16:creationId xmlns:a16="http://schemas.microsoft.com/office/drawing/2014/main" id="{09464A9F-DC19-9CAD-C3FE-B4957F307D5E}"/>
+                <a16:creationId xmlns:a16="http://schemas.microsoft.com/office/drawing/2014/main" id="{725C0601-9E43-CFF5-9213-15A61DF194B6}"/>
               </a:ext>
             </a:extLst>
           </p:cNvPr>
@@ -4939,17 +5651,69 @@
             <a:spLocks noGrp="1"/>
           </p:cNvSpPr>
           <p:nvPr>
-            <p:ph type="title"/>
-          </p:nvPr>
-        </p:nvSpPr>
-        <p:spPr/>
-        <p:txBody>
-          <a:bodyPr anchor="b"/>
-          <a:lstStyle/>
-          <a:p>
-            <a:r>
-              <a:rPr lang="en-US" altLang="ja-JP" dirty="0"/>
-              <a:t>section</a:t>
+            <p:ph type="ctrTitle"/>
+          </p:nvPr>
+        </p:nvSpPr>
+        <p:spPr>
+          <a:xfrm>
+            <a:off x="390144" y="1122363"/>
+            <a:ext cx="8351520" cy="2620582"/>
+          </a:xfrm>
+        </p:spPr>
+        <p:txBody>
+          <a:bodyPr>
+            <a:normAutofit/>
+          </a:bodyPr>
+          <a:lstStyle/>
+          <a:p>
+            <a:r>
+              <a:rPr kumimoji="1" lang="en-US" altLang="ja-JP" sz="4400" dirty="0">
+                <a:latin typeface="Hiragino Kaku Gothic Std W8" panose="020B0800000000000000" pitchFamily="34" charset="-128"/>
+                <a:ea typeface="Hiragino Kaku Gothic Std W8" panose="020B0800000000000000" pitchFamily="34" charset="-128"/>
+              </a:rPr>
+              <a:t>items</a:t>
+            </a:r>
+            <a:endParaRPr kumimoji="1" lang="ja-JP" altLang="en-US" sz="4400">
+              <a:latin typeface="Hiragino Kaku Gothic Std W8" panose="020B0800000000000000" pitchFamily="34" charset="-128"/>
+              <a:ea typeface="Hiragino Kaku Gothic Std W8" panose="020B0800000000000000" pitchFamily="34" charset="-128"/>
+            </a:endParaRPr>
+          </a:p>
+        </p:txBody>
+      </p:sp>
+      <p:sp>
+        <p:nvSpPr>
+          <p:cNvPr id="3" name="字幕 2">
+            <a:extLst>
+              <a:ext uri="{FF2B5EF4-FFF2-40B4-BE49-F238E27FC236}">
+                <a16:creationId xmlns:a16="http://schemas.microsoft.com/office/drawing/2014/main" id="{1F317453-2659-04C0-4374-F182FDA7C0E2}"/>
+              </a:ext>
+            </a:extLst>
+          </p:cNvPr>
+          <p:cNvSpPr>
+            <a:spLocks noGrp="1"/>
+          </p:cNvSpPr>
+          <p:nvPr>
+            <p:ph type="subTitle" idx="1"/>
+          </p:nvPr>
+        </p:nvSpPr>
+        <p:spPr>
+          <a:xfrm>
+            <a:off x="390143" y="4169664"/>
+            <a:ext cx="8351519" cy="963168"/>
+          </a:xfrm>
+        </p:spPr>
+        <p:txBody>
+          <a:bodyPr>
+            <a:normAutofit/>
+          </a:bodyPr>
+          <a:lstStyle/>
+          <a:p>
+            <a:r>
+              <a:rPr kumimoji="1" lang="en-US" altLang="ja-JP" dirty="0">
+                <a:latin typeface="Hiragino Kaku Gothic Std W8" panose="020B0800000000000000" pitchFamily="34" charset="-128"/>
+                <a:ea typeface="Hiragino Kaku Gothic Std W8" panose="020B0800000000000000" pitchFamily="34" charset="-128"/>
+              </a:rPr>
+              <a:t>name</a:t>
             </a:r>
             <a:endParaRPr kumimoji="1" lang="ja-JP" altLang="en-US">
               <a:latin typeface="Hiragino Kaku Gothic Std W8" panose="020B0800000000000000" pitchFamily="34" charset="-128"/>
@@ -4958,78 +5722,10 @@
           </a:p>
         </p:txBody>
       </p:sp>
-      <p:sp>
-        <p:nvSpPr>
-          <p:cNvPr id="3" name="テキスト プレースホルダー 2">
-            <a:extLst>
-              <a:ext uri="{FF2B5EF4-FFF2-40B4-BE49-F238E27FC236}">
-                <a16:creationId xmlns:a16="http://schemas.microsoft.com/office/drawing/2014/main" id="{B5AAE497-2E95-EDBE-9C01-258962D4856E}"/>
-              </a:ext>
-            </a:extLst>
-          </p:cNvPr>
-          <p:cNvSpPr>
-            <a:spLocks noGrp="1"/>
-          </p:cNvSpPr>
-          <p:nvPr>
-            <p:ph type="body" idx="1"/>
-          </p:nvPr>
-        </p:nvSpPr>
-        <p:spPr/>
-        <p:txBody>
-          <a:bodyPr/>
-          <a:lstStyle/>
-          <a:p>
-            <a:r>
-              <a:rPr kumimoji="1" lang="en-US" altLang="ja-JP" dirty="0">
-                <a:latin typeface="Hiragino Kaku Gothic Std W8" panose="020B0800000000000000" pitchFamily="34" charset="-128"/>
-                <a:ea typeface="Hiragino Kaku Gothic Std W8" panose="020B0800000000000000" pitchFamily="34" charset="-128"/>
-              </a:rPr>
-              <a:t>detail</a:t>
-            </a:r>
-            <a:endParaRPr kumimoji="1" lang="ja-JP" altLang="en-US">
-              <a:latin typeface="Hiragino Kaku Gothic Std W8" panose="020B0800000000000000" pitchFamily="34" charset="-128"/>
-              <a:ea typeface="Hiragino Kaku Gothic Std W8" panose="020B0800000000000000" pitchFamily="34" charset="-128"/>
-            </a:endParaRPr>
-          </a:p>
-        </p:txBody>
-      </p:sp>
-      <p:sp>
-        <p:nvSpPr>
-          <p:cNvPr id="7" name="スライド番号プレースホルダー 6">
-            <a:extLst>
-              <a:ext uri="{FF2B5EF4-FFF2-40B4-BE49-F238E27FC236}">
-                <a16:creationId xmlns:a16="http://schemas.microsoft.com/office/drawing/2014/main" id="{FDBA5218-EB3B-11FF-0581-CAFD9057D40D}"/>
-              </a:ext>
-            </a:extLst>
-          </p:cNvPr>
-          <p:cNvSpPr>
-            <a:spLocks noGrp="1"/>
-          </p:cNvSpPr>
-          <p:nvPr>
-            <p:ph type="sldNum" sz="quarter" idx="12"/>
-          </p:nvPr>
-        </p:nvSpPr>
-        <p:spPr/>
-        <p:txBody>
-          <a:bodyPr/>
-          <a:lstStyle/>
-          <a:p>
-            <a:fld id="{48F63A3B-78C7-47BE-AE5E-E10140E04643}" type="slidenum">
-              <a:rPr lang="en-US" smtClean="0"/>
-              <a:t>9</a:t>
-            </a:fld>
-            <a:r>
-              <a:rPr lang="en-US"/>
-              <a:t>/n</a:t>
-            </a:r>
-            <a:endParaRPr lang="en-US" dirty="0"/>
-          </a:p>
-        </p:txBody>
-      </p:sp>
     </p:spTree>
     <p:extLst>
       <p:ext uri="{BB962C8B-B14F-4D97-AF65-F5344CB8AC3E}">
-        <p14:creationId xmlns:p14="http://schemas.microsoft.com/office/powerpoint/2010/main" val="895276899"/>
+        <p14:creationId xmlns:p14="http://schemas.microsoft.com/office/powerpoint/2010/main" val="593513300"/>
       </p:ext>
     </p:extLst>
   </p:cSld>

--- a/docs/大輪講.pptx
+++ b/docs/大輪講.pptx
@@ -5,7 +5,7 @@
     <p:sldMasterId id="2147483648" r:id="rId1"/>
   </p:sldMasterIdLst>
   <p:notesMasterIdLst>
-    <p:notesMasterId r:id="rId13"/>
+    <p:notesMasterId r:id="rId15"/>
   </p:notesMasterIdLst>
   <p:sldIdLst>
     <p:sldId id="256" r:id="rId2"/>
@@ -19,6 +19,8 @@
     <p:sldId id="338" r:id="rId10"/>
     <p:sldId id="336" r:id="rId11"/>
     <p:sldId id="335" r:id="rId12"/>
+    <p:sldId id="344" r:id="rId13"/>
+    <p:sldId id="343" r:id="rId14"/>
   </p:sldIdLst>
   <p:sldSz cx="9144000" cy="6858000" type="screen4x3"/>
   <p:notesSz cx="6858000" cy="9144000"/>
@@ -581,6 +583,90 @@
     <p:extLst>
       <p:ext uri="{BB962C8B-B14F-4D97-AF65-F5344CB8AC3E}">
         <p14:creationId xmlns:p14="http://schemas.microsoft.com/office/powerpoint/2010/main" val="1919502680"/>
+      </p:ext>
+    </p:extLst>
+  </p:cSld>
+  <p:clrMapOvr>
+    <a:masterClrMapping/>
+  </p:clrMapOvr>
+</p:notes>
+</file>
+
+<file path=ppt/notesSlides/notesSlide10.xml><?xml version="1.0" encoding="utf-8"?>
+<p:notes xmlns:a="http://schemas.openxmlformats.org/drawingml/2006/main" xmlns:r="http://schemas.openxmlformats.org/officeDocument/2006/relationships" xmlns:p="http://schemas.openxmlformats.org/presentationml/2006/main">
+  <p:cSld>
+    <p:spTree>
+      <p:nvGrpSpPr>
+        <p:cNvPr id="1" name=""/>
+        <p:cNvGrpSpPr/>
+        <p:nvPr/>
+      </p:nvGrpSpPr>
+      <p:grpSpPr>
+        <a:xfrm>
+          <a:off x="0" y="0"/>
+          <a:ext cx="0" cy="0"/>
+          <a:chOff x="0" y="0"/>
+          <a:chExt cx="0" cy="0"/>
+        </a:xfrm>
+      </p:grpSpPr>
+      <p:sp>
+        <p:nvSpPr>
+          <p:cNvPr id="2" name="スライド イメージ プレースホルダー 1"/>
+          <p:cNvSpPr>
+            <a:spLocks noGrp="1" noRot="1" noChangeAspect="1"/>
+          </p:cNvSpPr>
+          <p:nvPr>
+            <p:ph type="sldImg"/>
+          </p:nvPr>
+        </p:nvSpPr>
+        <p:spPr/>
+      </p:sp>
+      <p:sp>
+        <p:nvSpPr>
+          <p:cNvPr id="3" name="ノート プレースホルダー 2"/>
+          <p:cNvSpPr>
+            <a:spLocks noGrp="1"/>
+          </p:cNvSpPr>
+          <p:nvPr>
+            <p:ph type="body" idx="1"/>
+          </p:nvPr>
+        </p:nvSpPr>
+        <p:spPr/>
+        <p:txBody>
+          <a:bodyPr/>
+          <a:lstStyle/>
+          <a:p>
+            <a:endParaRPr kumimoji="1" lang="ja-JP" altLang="en-US"/>
+          </a:p>
+        </p:txBody>
+      </p:sp>
+      <p:sp>
+        <p:nvSpPr>
+          <p:cNvPr id="4" name="スライド番号プレースホルダー 3"/>
+          <p:cNvSpPr>
+            <a:spLocks noGrp="1"/>
+          </p:cNvSpPr>
+          <p:nvPr>
+            <p:ph type="sldNum" sz="quarter" idx="5"/>
+          </p:nvPr>
+        </p:nvSpPr>
+        <p:spPr/>
+        <p:txBody>
+          <a:bodyPr/>
+          <a:lstStyle/>
+          <a:p>
+            <a:fld id="{EAA3EE7C-6BE9-AF47-A02D-EA93943F487C}" type="slidenum">
+              <a:rPr kumimoji="1" lang="ja-JP" altLang="en-US" smtClean="0"/>
+              <a:t>12</a:t>
+            </a:fld>
+            <a:endParaRPr kumimoji="1" lang="ja-JP" altLang="en-US"/>
+          </a:p>
+        </p:txBody>
+      </p:sp>
+    </p:spTree>
+    <p:extLst>
+      <p:ext uri="{BB962C8B-B14F-4D97-AF65-F5344CB8AC3E}">
+        <p14:creationId xmlns:p14="http://schemas.microsoft.com/office/powerpoint/2010/main" val="1111439923"/>
       </p:ext>
     </p:extLst>
   </p:cSld>
@@ -3155,6 +3241,350 @@
 </p:sld>
 </file>
 
+<file path=ppt/slides/slide12.xml><?xml version="1.0" encoding="utf-8"?>
+<p:sld xmlns:a="http://schemas.openxmlformats.org/drawingml/2006/main" xmlns:r="http://schemas.openxmlformats.org/officeDocument/2006/relationships" xmlns:p="http://schemas.openxmlformats.org/presentationml/2006/main">
+  <p:cSld>
+    <p:spTree>
+      <p:nvGrpSpPr>
+        <p:cNvPr id="1" name=""/>
+        <p:cNvGrpSpPr/>
+        <p:nvPr/>
+      </p:nvGrpSpPr>
+      <p:grpSpPr>
+        <a:xfrm>
+          <a:off x="0" y="0"/>
+          <a:ext cx="0" cy="0"/>
+          <a:chOff x="0" y="0"/>
+          <a:chExt cx="0" cy="0"/>
+        </a:xfrm>
+      </p:grpSpPr>
+      <p:sp>
+        <p:nvSpPr>
+          <p:cNvPr id="2" name="タイトル 1">
+            <a:extLst>
+              <a:ext uri="{FF2B5EF4-FFF2-40B4-BE49-F238E27FC236}">
+                <a16:creationId xmlns:a16="http://schemas.microsoft.com/office/drawing/2014/main" id="{725C0601-9E43-CFF5-9213-15A61DF194B6}"/>
+              </a:ext>
+            </a:extLst>
+          </p:cNvPr>
+          <p:cNvSpPr>
+            <a:spLocks noGrp="1"/>
+          </p:cNvSpPr>
+          <p:nvPr>
+            <p:ph type="ctrTitle"/>
+          </p:nvPr>
+        </p:nvSpPr>
+        <p:spPr>
+          <a:xfrm>
+            <a:off x="390144" y="1122363"/>
+            <a:ext cx="8351520" cy="2620582"/>
+          </a:xfrm>
+        </p:spPr>
+        <p:txBody>
+          <a:bodyPr>
+            <a:normAutofit/>
+          </a:bodyPr>
+          <a:lstStyle/>
+          <a:p>
+            <a:r>
+              <a:rPr lang="ja-JP" altLang="en-US" sz="4400"/>
+              <a:t>図の作成</a:t>
+            </a:r>
+            <a:endParaRPr kumimoji="1" lang="ja-JP" altLang="en-US" sz="4400">
+              <a:latin typeface="Hiragino Kaku Gothic Std W8" panose="020B0800000000000000" pitchFamily="34" charset="-128"/>
+              <a:ea typeface="Hiragino Kaku Gothic Std W8" panose="020B0800000000000000" pitchFamily="34" charset="-128"/>
+            </a:endParaRPr>
+          </a:p>
+        </p:txBody>
+      </p:sp>
+      <p:sp>
+        <p:nvSpPr>
+          <p:cNvPr id="3" name="字幕 2">
+            <a:extLst>
+              <a:ext uri="{FF2B5EF4-FFF2-40B4-BE49-F238E27FC236}">
+                <a16:creationId xmlns:a16="http://schemas.microsoft.com/office/drawing/2014/main" id="{1F317453-2659-04C0-4374-F182FDA7C0E2}"/>
+              </a:ext>
+            </a:extLst>
+          </p:cNvPr>
+          <p:cNvSpPr>
+            <a:spLocks noGrp="1"/>
+          </p:cNvSpPr>
+          <p:nvPr>
+            <p:ph type="subTitle" idx="1"/>
+          </p:nvPr>
+        </p:nvSpPr>
+        <p:spPr>
+          <a:xfrm>
+            <a:off x="390143" y="4169664"/>
+            <a:ext cx="8351519" cy="963168"/>
+          </a:xfrm>
+        </p:spPr>
+        <p:txBody>
+          <a:bodyPr>
+            <a:normAutofit/>
+          </a:bodyPr>
+          <a:lstStyle/>
+          <a:p>
+            <a:endParaRPr kumimoji="1" lang="ja-JP" altLang="en-US">
+              <a:latin typeface="Hiragino Kaku Gothic Std W8" panose="020B0800000000000000" pitchFamily="34" charset="-128"/>
+              <a:ea typeface="Hiragino Kaku Gothic Std W8" panose="020B0800000000000000" pitchFamily="34" charset="-128"/>
+            </a:endParaRPr>
+          </a:p>
+        </p:txBody>
+      </p:sp>
+    </p:spTree>
+    <p:extLst>
+      <p:ext uri="{BB962C8B-B14F-4D97-AF65-F5344CB8AC3E}">
+        <p14:creationId xmlns:p14="http://schemas.microsoft.com/office/powerpoint/2010/main" val="1972920802"/>
+      </p:ext>
+    </p:extLst>
+  </p:cSld>
+  <p:clrMapOvr>
+    <a:masterClrMapping/>
+  </p:clrMapOvr>
+</p:sld>
+</file>
+
+<file path=ppt/slides/slide13.xml><?xml version="1.0" encoding="utf-8"?>
+<p:sld xmlns:a="http://schemas.openxmlformats.org/drawingml/2006/main" xmlns:r="http://schemas.openxmlformats.org/officeDocument/2006/relationships" xmlns:p="http://schemas.openxmlformats.org/presentationml/2006/main">
+  <p:cSld>
+    <p:spTree>
+      <p:nvGrpSpPr>
+        <p:cNvPr id="1" name=""/>
+        <p:cNvGrpSpPr/>
+        <p:nvPr/>
+      </p:nvGrpSpPr>
+      <p:grpSpPr>
+        <a:xfrm>
+          <a:off x="0" y="0"/>
+          <a:ext cx="0" cy="0"/>
+          <a:chOff x="0" y="0"/>
+          <a:chExt cx="0" cy="0"/>
+        </a:xfrm>
+      </p:grpSpPr>
+      <p:pic>
+        <p:nvPicPr>
+          <p:cNvPr id="10" name="図 9">
+            <a:extLst>
+              <a:ext uri="{FF2B5EF4-FFF2-40B4-BE49-F238E27FC236}">
+                <a16:creationId xmlns:a16="http://schemas.microsoft.com/office/drawing/2014/main" id="{CD29D082-A541-5C9D-469B-03F27E2D1370}"/>
+              </a:ext>
+            </a:extLst>
+          </p:cNvPr>
+          <p:cNvPicPr>
+            <a:picLocks noChangeAspect="1"/>
+          </p:cNvPicPr>
+          <p:nvPr/>
+        </p:nvPicPr>
+        <p:blipFill>
+          <a:blip r:embed="rId2"/>
+          <a:stretch>
+            <a:fillRect/>
+          </a:stretch>
+        </p:blipFill>
+        <p:spPr>
+          <a:xfrm>
+            <a:off x="0" y="381000"/>
+            <a:ext cx="9144000" cy="6096000"/>
+          </a:xfrm>
+          <a:prstGeom prst="rect">
+            <a:avLst/>
+          </a:prstGeom>
+        </p:spPr>
+      </p:pic>
+      <p:pic>
+        <p:nvPicPr>
+          <p:cNvPr id="11" name="図 10">
+            <a:extLst>
+              <a:ext uri="{FF2B5EF4-FFF2-40B4-BE49-F238E27FC236}">
+                <a16:creationId xmlns:a16="http://schemas.microsoft.com/office/drawing/2014/main" id="{3A3C1565-6749-B833-3912-4D94DD14C845}"/>
+              </a:ext>
+            </a:extLst>
+          </p:cNvPr>
+          <p:cNvPicPr>
+            <a:picLocks noChangeAspect="1"/>
+          </p:cNvPicPr>
+          <p:nvPr/>
+        </p:nvPicPr>
+        <p:blipFill>
+          <a:blip r:embed="rId3"/>
+          <a:stretch>
+            <a:fillRect/>
+          </a:stretch>
+        </p:blipFill>
+        <p:spPr>
+          <a:xfrm>
+            <a:off x="53787" y="2832846"/>
+            <a:ext cx="587988" cy="416857"/>
+          </a:xfrm>
+          <a:prstGeom prst="rect">
+            <a:avLst/>
+          </a:prstGeom>
+        </p:spPr>
+      </p:pic>
+      <p:pic>
+        <p:nvPicPr>
+          <p:cNvPr id="12" name="図 11">
+            <a:extLst>
+              <a:ext uri="{FF2B5EF4-FFF2-40B4-BE49-F238E27FC236}">
+                <a16:creationId xmlns:a16="http://schemas.microsoft.com/office/drawing/2014/main" id="{F5B3766B-CAAE-5C57-F462-AD6411F6BB76}"/>
+              </a:ext>
+            </a:extLst>
+          </p:cNvPr>
+          <p:cNvPicPr>
+            <a:picLocks noChangeAspect="1"/>
+          </p:cNvPicPr>
+          <p:nvPr/>
+        </p:nvPicPr>
+        <p:blipFill>
+          <a:blip r:embed="rId4"/>
+          <a:stretch>
+            <a:fillRect/>
+          </a:stretch>
+        </p:blipFill>
+        <p:spPr>
+          <a:xfrm>
+            <a:off x="1254755" y="6121071"/>
+            <a:ext cx="125869" cy="204537"/>
+          </a:xfrm>
+          <a:prstGeom prst="rect">
+            <a:avLst/>
+          </a:prstGeom>
+        </p:spPr>
+      </p:pic>
+      <p:pic>
+        <p:nvPicPr>
+          <p:cNvPr id="13" name="図 12">
+            <a:extLst>
+              <a:ext uri="{FF2B5EF4-FFF2-40B4-BE49-F238E27FC236}">
+                <a16:creationId xmlns:a16="http://schemas.microsoft.com/office/drawing/2014/main" id="{C7B013E1-2FD4-6387-9A67-4B2F4C39F281}"/>
+              </a:ext>
+            </a:extLst>
+          </p:cNvPr>
+          <p:cNvPicPr>
+            <a:picLocks noChangeAspect="1"/>
+          </p:cNvPicPr>
+          <p:nvPr/>
+        </p:nvPicPr>
+        <p:blipFill>
+          <a:blip r:embed="rId5"/>
+          <a:stretch>
+            <a:fillRect/>
+          </a:stretch>
+        </p:blipFill>
+        <p:spPr>
+          <a:xfrm>
+            <a:off x="2986232" y="3595255"/>
+            <a:ext cx="1377950" cy="552450"/>
+          </a:xfrm>
+          <a:prstGeom prst="rect">
+            <a:avLst/>
+          </a:prstGeom>
+        </p:spPr>
+      </p:pic>
+      <p:pic>
+        <p:nvPicPr>
+          <p:cNvPr id="14" name="図 13">
+            <a:extLst>
+              <a:ext uri="{FF2B5EF4-FFF2-40B4-BE49-F238E27FC236}">
+                <a16:creationId xmlns:a16="http://schemas.microsoft.com/office/drawing/2014/main" id="{DD26B602-ABBF-17EC-317E-07D1D578E517}"/>
+              </a:ext>
+            </a:extLst>
+          </p:cNvPr>
+          <p:cNvPicPr>
+            <a:picLocks noChangeAspect="1"/>
+          </p:cNvPicPr>
+          <p:nvPr/>
+        </p:nvPicPr>
+        <p:blipFill>
+          <a:blip r:embed="rId6"/>
+          <a:stretch>
+            <a:fillRect/>
+          </a:stretch>
+        </p:blipFill>
+        <p:spPr>
+          <a:xfrm>
+            <a:off x="6907787" y="3855150"/>
+            <a:ext cx="885253" cy="552451"/>
+          </a:xfrm>
+          <a:prstGeom prst="rect">
+            <a:avLst/>
+          </a:prstGeom>
+        </p:spPr>
+      </p:pic>
+      <p:pic>
+        <p:nvPicPr>
+          <p:cNvPr id="16" name="図 15">
+            <a:extLst>
+              <a:ext uri="{FF2B5EF4-FFF2-40B4-BE49-F238E27FC236}">
+                <a16:creationId xmlns:a16="http://schemas.microsoft.com/office/drawing/2014/main" id="{E17235DB-1B44-3EC4-AE7B-BEC048DA6731}"/>
+              </a:ext>
+            </a:extLst>
+          </p:cNvPr>
+          <p:cNvPicPr>
+            <a:picLocks noChangeAspect="1"/>
+          </p:cNvPicPr>
+          <p:nvPr/>
+        </p:nvPicPr>
+        <p:blipFill>
+          <a:blip r:embed="rId7"/>
+          <a:stretch>
+            <a:fillRect/>
+          </a:stretch>
+        </p:blipFill>
+        <p:spPr>
+          <a:xfrm>
+            <a:off x="6907787" y="2508121"/>
+            <a:ext cx="885253" cy="552451"/>
+          </a:xfrm>
+          <a:prstGeom prst="rect">
+            <a:avLst/>
+          </a:prstGeom>
+        </p:spPr>
+      </p:pic>
+      <p:pic>
+        <p:nvPicPr>
+          <p:cNvPr id="17" name="図 16">
+            <a:extLst>
+              <a:ext uri="{FF2B5EF4-FFF2-40B4-BE49-F238E27FC236}">
+                <a16:creationId xmlns:a16="http://schemas.microsoft.com/office/drawing/2014/main" id="{EABF8B69-61C0-8741-4905-62FF9A845870}"/>
+              </a:ext>
+            </a:extLst>
+          </p:cNvPr>
+          <p:cNvPicPr>
+            <a:picLocks noChangeAspect="1"/>
+          </p:cNvPicPr>
+          <p:nvPr/>
+        </p:nvPicPr>
+        <p:blipFill>
+          <a:blip r:embed="rId8"/>
+          <a:stretch>
+            <a:fillRect/>
+          </a:stretch>
+        </p:blipFill>
+        <p:spPr>
+          <a:xfrm>
+            <a:off x="6907787" y="1112105"/>
+            <a:ext cx="885253" cy="552451"/>
+          </a:xfrm>
+          <a:prstGeom prst="rect">
+            <a:avLst/>
+          </a:prstGeom>
+        </p:spPr>
+      </p:pic>
+    </p:spTree>
+    <p:extLst>
+      <p:ext uri="{BB962C8B-B14F-4D97-AF65-F5344CB8AC3E}">
+        <p14:creationId xmlns:p14="http://schemas.microsoft.com/office/powerpoint/2010/main" val="3106064764"/>
+      </p:ext>
+    </p:extLst>
+  </p:cSld>
+  <p:clrMapOvr>
+    <a:masterClrMapping/>
+  </p:clrMapOvr>
+</p:sld>
+</file>
+
 <file path=ppt/slides/slide2.xml><?xml version="1.0" encoding="utf-8"?>
 <p:sld xmlns:a="http://schemas.openxmlformats.org/drawingml/2006/main" xmlns:r="http://schemas.openxmlformats.org/officeDocument/2006/relationships" xmlns:p="http://schemas.openxmlformats.org/presentationml/2006/main">
   <p:cSld>
@@ -5386,10 +5816,10 @@
       </p:pic>
       <p:pic>
         <p:nvPicPr>
-          <p:cNvPr id="12" name="図 11">
+          <p:cNvPr id="13" name="図 12">
             <a:extLst>
               <a:ext uri="{FF2B5EF4-FFF2-40B4-BE49-F238E27FC236}">
-                <a16:creationId xmlns:a16="http://schemas.microsoft.com/office/drawing/2014/main" id="{10B832EA-972B-A54A-B106-24F83266F30C}"/>
+                <a16:creationId xmlns:a16="http://schemas.microsoft.com/office/drawing/2014/main" id="{281314CB-44C6-0D6E-A9D7-0423AFAD5F96}"/>
               </a:ext>
             </a:extLst>
           </p:cNvPr>
@@ -5406,8 +5836,8 @@
         </p:blipFill>
         <p:spPr>
           <a:xfrm>
-            <a:off x="2816008" y="5360670"/>
-            <a:ext cx="3511982" cy="591557"/>
+            <a:off x="2734991" y="5395938"/>
+            <a:ext cx="3674016" cy="549656"/>
           </a:xfrm>
           <a:prstGeom prst="rect">
             <a:avLst/>
@@ -5526,21 +5956,24 @@
           <a:p>
             <a:r>
               <a:rPr lang="ja-JP" altLang="en-US"/>
-              <a:t>光の軌道を表す微分方程式</a:t>
-            </a:r>
-            <a:endParaRPr kumimoji="1" lang="ja-JP" altLang="en-US">
-              <a:latin typeface="Hiragino Kaku Gothic Std W8" panose="020B0800000000000000" pitchFamily="34" charset="-128"/>
-              <a:ea typeface="Hiragino Kaku Gothic Std W8" panose="020B0800000000000000" pitchFamily="34" charset="-128"/>
-            </a:endParaRPr>
-          </a:p>
-        </p:txBody>
-      </p:sp>
-      <p:sp>
-        <p:nvSpPr>
-          <p:cNvPr id="3" name="コンテンツ プレースホルダー 2">
+              <a:t>有効ポテンシャルによる軌道</a:t>
+            </a:r>
+            <a:r>
+              <a:rPr kumimoji="1" lang="ja-JP" altLang="en-US">
+                <a:latin typeface="Hiragino Kaku Gothic Std W8" panose="020B0800000000000000" pitchFamily="34" charset="-128"/>
+                <a:ea typeface="Hiragino Kaku Gothic Std W8" panose="020B0800000000000000" pitchFamily="34" charset="-128"/>
+              </a:rPr>
+              <a:t>の条件</a:t>
+            </a:r>
+          </a:p>
+        </p:txBody>
+      </p:sp>
+      <p:sp>
+        <p:nvSpPr>
+          <p:cNvPr id="7" name="スライド番号プレースホルダー 6">
             <a:extLst>
               <a:ext uri="{FF2B5EF4-FFF2-40B4-BE49-F238E27FC236}">
-                <a16:creationId xmlns:a16="http://schemas.microsoft.com/office/drawing/2014/main" id="{BCD1B691-85A7-B4C2-5EFB-79B01824458A}"/>
+                <a16:creationId xmlns:a16="http://schemas.microsoft.com/office/drawing/2014/main" id="{DB788B49-CBD5-4AB0-B2D0-FDA6C4BD4D0C}"/>
               </a:ext>
             </a:extLst>
           </p:cNvPr>
@@ -5548,18 +5981,218 @@
             <a:spLocks noGrp="1"/>
           </p:cNvSpPr>
           <p:nvPr>
-            <p:ph idx="1"/>
-          </p:nvPr>
+            <p:ph type="sldNum" sz="quarter" idx="12"/>
+          </p:nvPr>
+        </p:nvSpPr>
+        <p:spPr/>
+        <p:txBody>
+          <a:bodyPr/>
+          <a:lstStyle/>
+          <a:p>
+            <a:fld id="{48F63A3B-78C7-47BE-AE5E-E10140E04643}" type="slidenum">
+              <a:rPr lang="en-US" smtClean="0"/>
+              <a:pPr/>
+              <a:t>8</a:t>
+            </a:fld>
+            <a:r>
+              <a:rPr lang="en-US"/>
+              <a:t>/n</a:t>
+            </a:r>
+            <a:endParaRPr lang="en-US" dirty="0"/>
+          </a:p>
+        </p:txBody>
+      </p:sp>
+      <p:sp>
+        <p:nvSpPr>
+          <p:cNvPr id="22" name="コンテンツ プレースホルダー 2">
+            <a:extLst>
+              <a:ext uri="{FF2B5EF4-FFF2-40B4-BE49-F238E27FC236}">
+                <a16:creationId xmlns:a16="http://schemas.microsoft.com/office/drawing/2014/main" id="{F621299C-5525-1880-7F2A-119525506907}"/>
+              </a:ext>
+            </a:extLst>
+          </p:cNvPr>
+          <p:cNvSpPr txBox="1">
+            <a:spLocks/>
+          </p:cNvSpPr>
+          <p:nvPr/>
         </p:nvSpPr>
         <p:spPr>
           <a:xfrm>
             <a:off x="628650" y="1242646"/>
             <a:ext cx="7886700" cy="5248800"/>
           </a:xfrm>
+          <a:prstGeom prst="rect">
+            <a:avLst/>
+          </a:prstGeom>
         </p:spPr>
         <p:txBody>
-          <a:bodyPr/>
-          <a:lstStyle/>
+          <a:bodyPr vert="horz" lIns="91440" tIns="45720" rIns="91440" bIns="45720" rtlCol="0">
+            <a:normAutofit/>
+          </a:bodyPr>
+          <a:lstStyle>
+            <a:lvl1pPr marL="171450" indent="-171450" algn="l" defTabSz="685800" rtl="0" eaLnBrk="1" latinLnBrk="0" hangingPunct="1">
+              <a:lnSpc>
+                <a:spcPct val="90000"/>
+              </a:lnSpc>
+              <a:spcBef>
+                <a:spcPts val="750"/>
+              </a:spcBef>
+              <a:buFont typeface="Arial" panose="020B0604020202020204" pitchFamily="34" charset="0"/>
+              <a:buChar char="•"/>
+              <a:defRPr kumimoji="1" sz="2100" kern="1200">
+                <a:solidFill>
+                  <a:schemeClr val="tx1"/>
+                </a:solidFill>
+                <a:latin typeface="Hiragino Kaku Gothic Std W8" panose="020B0800000000000000" pitchFamily="34" charset="-128"/>
+                <a:ea typeface="Hiragino Kaku Gothic Std W8" panose="020B0800000000000000" pitchFamily="34" charset="-128"/>
+                <a:cs typeface="+mn-cs"/>
+              </a:defRPr>
+            </a:lvl1pPr>
+            <a:lvl2pPr marL="514350" indent="-171450" algn="l" defTabSz="685800" rtl="0" eaLnBrk="1" latinLnBrk="0" hangingPunct="1">
+              <a:lnSpc>
+                <a:spcPct val="90000"/>
+              </a:lnSpc>
+              <a:spcBef>
+                <a:spcPts val="375"/>
+              </a:spcBef>
+              <a:buFont typeface="Arial" panose="020B0604020202020204" pitchFamily="34" charset="0"/>
+              <a:buChar char="•"/>
+              <a:defRPr kumimoji="1" sz="1800" kern="1200">
+                <a:solidFill>
+                  <a:schemeClr val="tx1"/>
+                </a:solidFill>
+                <a:latin typeface="Hiragino Kaku Gothic Std W8" panose="020B0800000000000000" pitchFamily="34" charset="-128"/>
+                <a:ea typeface="Hiragino Kaku Gothic Std W8" panose="020B0800000000000000" pitchFamily="34" charset="-128"/>
+                <a:cs typeface="+mn-cs"/>
+              </a:defRPr>
+            </a:lvl2pPr>
+            <a:lvl3pPr marL="857250" indent="-171450" algn="l" defTabSz="685800" rtl="0" eaLnBrk="1" latinLnBrk="0" hangingPunct="1">
+              <a:lnSpc>
+                <a:spcPct val="90000"/>
+              </a:lnSpc>
+              <a:spcBef>
+                <a:spcPts val="375"/>
+              </a:spcBef>
+              <a:buFont typeface="Arial" panose="020B0604020202020204" pitchFamily="34" charset="0"/>
+              <a:buChar char="•"/>
+              <a:defRPr kumimoji="1" sz="1500" kern="1200">
+                <a:solidFill>
+                  <a:schemeClr val="tx1"/>
+                </a:solidFill>
+                <a:latin typeface="Hiragino Kaku Gothic Std W8" panose="020B0800000000000000" pitchFamily="34" charset="-128"/>
+                <a:ea typeface="Hiragino Kaku Gothic Std W8" panose="020B0800000000000000" pitchFamily="34" charset="-128"/>
+                <a:cs typeface="+mn-cs"/>
+              </a:defRPr>
+            </a:lvl3pPr>
+            <a:lvl4pPr marL="1200150" indent="-171450" algn="l" defTabSz="685800" rtl="0" eaLnBrk="1" latinLnBrk="0" hangingPunct="1">
+              <a:lnSpc>
+                <a:spcPct val="90000"/>
+              </a:lnSpc>
+              <a:spcBef>
+                <a:spcPts val="375"/>
+              </a:spcBef>
+              <a:buFont typeface="Arial" panose="020B0604020202020204" pitchFamily="34" charset="0"/>
+              <a:buChar char="•"/>
+              <a:defRPr kumimoji="1" sz="1350" kern="1200">
+                <a:solidFill>
+                  <a:schemeClr val="tx1"/>
+                </a:solidFill>
+                <a:latin typeface="Hiragino Kaku Gothic Std W8" panose="020B0800000000000000" pitchFamily="34" charset="-128"/>
+                <a:ea typeface="Hiragino Kaku Gothic Std W8" panose="020B0800000000000000" pitchFamily="34" charset="-128"/>
+                <a:cs typeface="+mn-cs"/>
+              </a:defRPr>
+            </a:lvl4pPr>
+            <a:lvl5pPr marL="1543050" indent="-171450" algn="l" defTabSz="685800" rtl="0" eaLnBrk="1" latinLnBrk="0" hangingPunct="1">
+              <a:lnSpc>
+                <a:spcPct val="90000"/>
+              </a:lnSpc>
+              <a:spcBef>
+                <a:spcPts val="375"/>
+              </a:spcBef>
+              <a:buFont typeface="Arial" panose="020B0604020202020204" pitchFamily="34" charset="0"/>
+              <a:buChar char="•"/>
+              <a:defRPr kumimoji="1" sz="1350" kern="1200">
+                <a:solidFill>
+                  <a:schemeClr val="tx1"/>
+                </a:solidFill>
+                <a:latin typeface="Hiragino Kaku Gothic Std W8" panose="020B0800000000000000" pitchFamily="34" charset="-128"/>
+                <a:ea typeface="Hiragino Kaku Gothic Std W8" panose="020B0800000000000000" pitchFamily="34" charset="-128"/>
+                <a:cs typeface="+mn-cs"/>
+              </a:defRPr>
+            </a:lvl5pPr>
+            <a:lvl6pPr marL="1885950" indent="-171450" algn="l" defTabSz="685800" rtl="0" eaLnBrk="1" latinLnBrk="0" hangingPunct="1">
+              <a:lnSpc>
+                <a:spcPct val="90000"/>
+              </a:lnSpc>
+              <a:spcBef>
+                <a:spcPts val="375"/>
+              </a:spcBef>
+              <a:buFont typeface="Arial" panose="020B0604020202020204" pitchFamily="34" charset="0"/>
+              <a:buChar char="•"/>
+              <a:defRPr kumimoji="1" sz="1350" kern="1200">
+                <a:solidFill>
+                  <a:schemeClr val="tx1"/>
+                </a:solidFill>
+                <a:latin typeface="+mn-lt"/>
+                <a:ea typeface="+mn-ea"/>
+                <a:cs typeface="+mn-cs"/>
+              </a:defRPr>
+            </a:lvl6pPr>
+            <a:lvl7pPr marL="2228850" indent="-171450" algn="l" defTabSz="685800" rtl="0" eaLnBrk="1" latinLnBrk="0" hangingPunct="1">
+              <a:lnSpc>
+                <a:spcPct val="90000"/>
+              </a:lnSpc>
+              <a:spcBef>
+                <a:spcPts val="375"/>
+              </a:spcBef>
+              <a:buFont typeface="Arial" panose="020B0604020202020204" pitchFamily="34" charset="0"/>
+              <a:buChar char="•"/>
+              <a:defRPr kumimoji="1" sz="1350" kern="1200">
+                <a:solidFill>
+                  <a:schemeClr val="tx1"/>
+                </a:solidFill>
+                <a:latin typeface="+mn-lt"/>
+                <a:ea typeface="+mn-ea"/>
+                <a:cs typeface="+mn-cs"/>
+              </a:defRPr>
+            </a:lvl7pPr>
+            <a:lvl8pPr marL="2571750" indent="-171450" algn="l" defTabSz="685800" rtl="0" eaLnBrk="1" latinLnBrk="0" hangingPunct="1">
+              <a:lnSpc>
+                <a:spcPct val="90000"/>
+              </a:lnSpc>
+              <a:spcBef>
+                <a:spcPts val="375"/>
+              </a:spcBef>
+              <a:buFont typeface="Arial" panose="020B0604020202020204" pitchFamily="34" charset="0"/>
+              <a:buChar char="•"/>
+              <a:defRPr kumimoji="1" sz="1350" kern="1200">
+                <a:solidFill>
+                  <a:schemeClr val="tx1"/>
+                </a:solidFill>
+                <a:latin typeface="+mn-lt"/>
+                <a:ea typeface="+mn-ea"/>
+                <a:cs typeface="+mn-cs"/>
+              </a:defRPr>
+            </a:lvl8pPr>
+            <a:lvl9pPr marL="2914650" indent="-171450" algn="l" defTabSz="685800" rtl="0" eaLnBrk="1" latinLnBrk="0" hangingPunct="1">
+              <a:lnSpc>
+                <a:spcPct val="90000"/>
+              </a:lnSpc>
+              <a:spcBef>
+                <a:spcPts val="375"/>
+              </a:spcBef>
+              <a:buFont typeface="Arial" panose="020B0604020202020204" pitchFamily="34" charset="0"/>
+              <a:buChar char="•"/>
+              <a:defRPr kumimoji="1" sz="1350" kern="1200">
+                <a:solidFill>
+                  <a:schemeClr val="tx1"/>
+                </a:solidFill>
+                <a:latin typeface="+mn-lt"/>
+                <a:ea typeface="+mn-ea"/>
+                <a:cs typeface="+mn-cs"/>
+              </a:defRPr>
+            </a:lvl9pPr>
+          </a:lstStyle>
           <a:p>
             <a:pPr marL="0" indent="0" eaLnBrk="0">
               <a:lnSpc>
@@ -5568,46 +6201,123 @@
               <a:spcBef>
                 <a:spcPts val="0"/>
               </a:spcBef>
+              <a:buFont typeface="Arial" panose="020B0604020202020204" pitchFamily="34" charset="0"/>
               <a:buNone/>
             </a:pPr>
+            <a:r>
+              <a:rPr lang="ja-JP" altLang="en-US" sz="1800"/>
+              <a:t>有効ポテンシャル　　　　　　　　　　とおくと</a:t>
+            </a:r>
             <a:endParaRPr lang="en-US" altLang="ja-JP" sz="1800" dirty="0"/>
           </a:p>
-        </p:txBody>
-      </p:sp>
-      <p:sp>
-        <p:nvSpPr>
-          <p:cNvPr id="7" name="スライド番号プレースホルダー 6">
+          <a:p>
+            <a:pPr marL="0" indent="0" eaLnBrk="0">
+              <a:lnSpc>
+                <a:spcPct val="150000"/>
+              </a:lnSpc>
+              <a:spcBef>
+                <a:spcPts val="0"/>
+              </a:spcBef>
+              <a:buFont typeface="Arial" panose="020B0604020202020204" pitchFamily="34" charset="0"/>
+              <a:buNone/>
+            </a:pPr>
+            <a:r>
+              <a:rPr lang="ja-JP" altLang="en-US" sz="1800"/>
+              <a:t>光の運動可能領域の式は</a:t>
+            </a:r>
+            <a:endParaRPr lang="en-US" altLang="ja-JP" sz="1800" dirty="0"/>
+          </a:p>
+        </p:txBody>
+      </p:sp>
+      <p:pic>
+        <p:nvPicPr>
+          <p:cNvPr id="26" name="コンテンツ プレースホルダー 25">
             <a:extLst>
               <a:ext uri="{FF2B5EF4-FFF2-40B4-BE49-F238E27FC236}">
-                <a16:creationId xmlns:a16="http://schemas.microsoft.com/office/drawing/2014/main" id="{DB788B49-CBD5-4AB0-B2D0-FDA6C4BD4D0C}"/>
+                <a16:creationId xmlns:a16="http://schemas.microsoft.com/office/drawing/2014/main" id="{283DE3B7-531D-67A7-3E3C-34A019FB4C89}"/>
               </a:ext>
             </a:extLst>
           </p:cNvPr>
-          <p:cNvSpPr>
-            <a:spLocks noGrp="1"/>
-          </p:cNvSpPr>
-          <p:nvPr>
-            <p:ph type="sldNum" sz="quarter" idx="12"/>
-          </p:nvPr>
-        </p:nvSpPr>
-        <p:spPr/>
-        <p:txBody>
-          <a:bodyPr/>
-          <a:lstStyle/>
-          <a:p>
-            <a:fld id="{48F63A3B-78C7-47BE-AE5E-E10140E04643}" type="slidenum">
-              <a:rPr lang="en-US" smtClean="0"/>
-              <a:pPr/>
-              <a:t>8</a:t>
-            </a:fld>
-            <a:r>
-              <a:rPr lang="en-US"/>
-              <a:t>/n</a:t>
-            </a:r>
-            <a:endParaRPr lang="en-US" dirty="0"/>
-          </a:p>
-        </p:txBody>
-      </p:sp>
+          <p:cNvPicPr>
+            <a:picLocks noGrp="1" noChangeAspect="1"/>
+          </p:cNvPicPr>
+          <p:nvPr>
+            <p:ph idx="1"/>
+          </p:nvPr>
+        </p:nvPicPr>
+        <p:blipFill>
+          <a:blip r:embed="rId3"/>
+          <a:stretch>
+            <a:fillRect/>
+          </a:stretch>
+        </p:blipFill>
+        <p:spPr>
+          <a:xfrm>
+            <a:off x="628650" y="2172766"/>
+            <a:ext cx="6527007" cy="4351338"/>
+          </a:xfrm>
+        </p:spPr>
+      </p:pic>
+      <p:pic>
+        <p:nvPicPr>
+          <p:cNvPr id="31" name="図 30">
+            <a:extLst>
+              <a:ext uri="{FF2B5EF4-FFF2-40B4-BE49-F238E27FC236}">
+                <a16:creationId xmlns:a16="http://schemas.microsoft.com/office/drawing/2014/main" id="{9820BE4D-5094-7A42-D3C4-1DFF129AFD0C}"/>
+              </a:ext>
+            </a:extLst>
+          </p:cNvPr>
+          <p:cNvPicPr>
+            <a:picLocks noChangeAspect="1"/>
+          </p:cNvPicPr>
+          <p:nvPr/>
+        </p:nvPicPr>
+        <p:blipFill>
+          <a:blip r:embed="rId4"/>
+          <a:stretch>
+            <a:fillRect/>
+          </a:stretch>
+        </p:blipFill>
+        <p:spPr>
+          <a:xfrm>
+            <a:off x="2801384" y="1303346"/>
+            <a:ext cx="1841897" cy="437828"/>
+          </a:xfrm>
+          <a:prstGeom prst="rect">
+            <a:avLst/>
+          </a:prstGeom>
+        </p:spPr>
+      </p:pic>
+      <p:pic>
+        <p:nvPicPr>
+          <p:cNvPr id="32" name="図 31">
+            <a:extLst>
+              <a:ext uri="{FF2B5EF4-FFF2-40B4-BE49-F238E27FC236}">
+                <a16:creationId xmlns:a16="http://schemas.microsoft.com/office/drawing/2014/main" id="{DB5ACF0F-A1C3-05F8-C235-0EECE7499039}"/>
+              </a:ext>
+            </a:extLst>
+          </p:cNvPr>
+          <p:cNvPicPr>
+            <a:picLocks noChangeAspect="1"/>
+          </p:cNvPicPr>
+          <p:nvPr/>
+        </p:nvPicPr>
+        <p:blipFill>
+          <a:blip r:embed="rId5"/>
+          <a:stretch>
+            <a:fillRect/>
+          </a:stretch>
+        </p:blipFill>
+        <p:spPr>
+          <a:xfrm>
+            <a:off x="3489778" y="1757257"/>
+            <a:ext cx="1153503" cy="348405"/>
+          </a:xfrm>
+          <a:prstGeom prst="rect">
+            <a:avLst/>
+          </a:prstGeom>
+        </p:spPr>
+      </p:pic>
     </p:spTree>
     <p:extLst>
       <p:ext uri="{BB962C8B-B14F-4D97-AF65-F5344CB8AC3E}">

--- a/docs/大輪講.pptx
+++ b/docs/大輪講.pptx
@@ -5,22 +5,23 @@
     <p:sldMasterId id="2147483648" r:id="rId1"/>
   </p:sldMasterIdLst>
   <p:notesMasterIdLst>
-    <p:notesMasterId r:id="rId15"/>
+    <p:notesMasterId r:id="rId16"/>
   </p:notesMasterIdLst>
   <p:sldIdLst>
     <p:sldId id="256" r:id="rId2"/>
     <p:sldId id="339" r:id="rId3"/>
     <p:sldId id="333" r:id="rId4"/>
-    <p:sldId id="334" r:id="rId5"/>
-    <p:sldId id="327" r:id="rId6"/>
-    <p:sldId id="340" r:id="rId7"/>
-    <p:sldId id="341" r:id="rId8"/>
-    <p:sldId id="342" r:id="rId9"/>
-    <p:sldId id="338" r:id="rId10"/>
-    <p:sldId id="336" r:id="rId11"/>
-    <p:sldId id="335" r:id="rId12"/>
-    <p:sldId id="344" r:id="rId13"/>
-    <p:sldId id="343" r:id="rId14"/>
+    <p:sldId id="345" r:id="rId5"/>
+    <p:sldId id="334" r:id="rId6"/>
+    <p:sldId id="327" r:id="rId7"/>
+    <p:sldId id="340" r:id="rId8"/>
+    <p:sldId id="341" r:id="rId9"/>
+    <p:sldId id="342" r:id="rId10"/>
+    <p:sldId id="338" r:id="rId11"/>
+    <p:sldId id="336" r:id="rId12"/>
+    <p:sldId id="335" r:id="rId13"/>
+    <p:sldId id="344" r:id="rId14"/>
+    <p:sldId id="343" r:id="rId15"/>
   </p:sldIdLst>
   <p:sldSz cx="9144000" cy="6858000" type="screen4x3"/>
   <p:notesSz cx="6858000" cy="9144000"/>
@@ -666,6 +667,90 @@
     </p:spTree>
     <p:extLst>
       <p:ext uri="{BB962C8B-B14F-4D97-AF65-F5344CB8AC3E}">
+        <p14:creationId xmlns:p14="http://schemas.microsoft.com/office/powerpoint/2010/main" val="2591530175"/>
+      </p:ext>
+    </p:extLst>
+  </p:cSld>
+  <p:clrMapOvr>
+    <a:masterClrMapping/>
+  </p:clrMapOvr>
+</p:notes>
+</file>
+
+<file path=ppt/notesSlides/notesSlide11.xml><?xml version="1.0" encoding="utf-8"?>
+<p:notes xmlns:a="http://schemas.openxmlformats.org/drawingml/2006/main" xmlns:r="http://schemas.openxmlformats.org/officeDocument/2006/relationships" xmlns:p="http://schemas.openxmlformats.org/presentationml/2006/main">
+  <p:cSld>
+    <p:spTree>
+      <p:nvGrpSpPr>
+        <p:cNvPr id="1" name=""/>
+        <p:cNvGrpSpPr/>
+        <p:nvPr/>
+      </p:nvGrpSpPr>
+      <p:grpSpPr>
+        <a:xfrm>
+          <a:off x="0" y="0"/>
+          <a:ext cx="0" cy="0"/>
+          <a:chOff x="0" y="0"/>
+          <a:chExt cx="0" cy="0"/>
+        </a:xfrm>
+      </p:grpSpPr>
+      <p:sp>
+        <p:nvSpPr>
+          <p:cNvPr id="2" name="スライド イメージ プレースホルダー 1"/>
+          <p:cNvSpPr>
+            <a:spLocks noGrp="1" noRot="1" noChangeAspect="1"/>
+          </p:cNvSpPr>
+          <p:nvPr>
+            <p:ph type="sldImg"/>
+          </p:nvPr>
+        </p:nvSpPr>
+        <p:spPr/>
+      </p:sp>
+      <p:sp>
+        <p:nvSpPr>
+          <p:cNvPr id="3" name="ノート プレースホルダー 2"/>
+          <p:cNvSpPr>
+            <a:spLocks noGrp="1"/>
+          </p:cNvSpPr>
+          <p:nvPr>
+            <p:ph type="body" idx="1"/>
+          </p:nvPr>
+        </p:nvSpPr>
+        <p:spPr/>
+        <p:txBody>
+          <a:bodyPr/>
+          <a:lstStyle/>
+          <a:p>
+            <a:endParaRPr kumimoji="1" lang="ja-JP" altLang="en-US"/>
+          </a:p>
+        </p:txBody>
+      </p:sp>
+      <p:sp>
+        <p:nvSpPr>
+          <p:cNvPr id="4" name="スライド番号プレースホルダー 3"/>
+          <p:cNvSpPr>
+            <a:spLocks noGrp="1"/>
+          </p:cNvSpPr>
+          <p:nvPr>
+            <p:ph type="sldNum" sz="quarter" idx="5"/>
+          </p:nvPr>
+        </p:nvSpPr>
+        <p:spPr/>
+        <p:txBody>
+          <a:bodyPr/>
+          <a:lstStyle/>
+          <a:p>
+            <a:fld id="{EAA3EE7C-6BE9-AF47-A02D-EA93943F487C}" type="slidenum">
+              <a:rPr kumimoji="1" lang="ja-JP" altLang="en-US" smtClean="0"/>
+              <a:t>13</a:t>
+            </a:fld>
+            <a:endParaRPr kumimoji="1" lang="ja-JP" altLang="en-US"/>
+          </a:p>
+        </p:txBody>
+      </p:sp>
+    </p:spTree>
+    <p:extLst>
+      <p:ext uri="{BB962C8B-B14F-4D97-AF65-F5344CB8AC3E}">
         <p14:creationId xmlns:p14="http://schemas.microsoft.com/office/powerpoint/2010/main" val="1111439923"/>
       </p:ext>
     </p:extLst>
@@ -918,7 +1003,7 @@
     </p:spTree>
     <p:extLst>
       <p:ext uri="{BB962C8B-B14F-4D97-AF65-F5344CB8AC3E}">
-        <p14:creationId xmlns:p14="http://schemas.microsoft.com/office/powerpoint/2010/main" val="3528055872"/>
+        <p14:creationId xmlns:p14="http://schemas.microsoft.com/office/powerpoint/2010/main" val="1275405448"/>
       </p:ext>
     </p:extLst>
   </p:cSld>
@@ -993,7 +1078,7 @@
           <a:p>
             <a:fld id="{EAA3EE7C-6BE9-AF47-A02D-EA93943F487C}" type="slidenum">
               <a:rPr kumimoji="1" lang="ja-JP" altLang="en-US" smtClean="0"/>
-              <a:t>6</a:t>
+              <a:t>5</a:t>
             </a:fld>
             <a:endParaRPr kumimoji="1" lang="ja-JP" altLang="en-US"/>
           </a:p>
@@ -1002,7 +1087,7 @@
     </p:spTree>
     <p:extLst>
       <p:ext uri="{BB962C8B-B14F-4D97-AF65-F5344CB8AC3E}">
-        <p14:creationId xmlns:p14="http://schemas.microsoft.com/office/powerpoint/2010/main" val="1898591330"/>
+        <p14:creationId xmlns:p14="http://schemas.microsoft.com/office/powerpoint/2010/main" val="3528055872"/>
       </p:ext>
     </p:extLst>
   </p:cSld>
@@ -1086,7 +1171,7 @@
     </p:spTree>
     <p:extLst>
       <p:ext uri="{BB962C8B-B14F-4D97-AF65-F5344CB8AC3E}">
-        <p14:creationId xmlns:p14="http://schemas.microsoft.com/office/powerpoint/2010/main" val="120124759"/>
+        <p14:creationId xmlns:p14="http://schemas.microsoft.com/office/powerpoint/2010/main" val="1898591330"/>
       </p:ext>
     </p:extLst>
   </p:cSld>
@@ -1170,7 +1255,7 @@
     </p:spTree>
     <p:extLst>
       <p:ext uri="{BB962C8B-B14F-4D97-AF65-F5344CB8AC3E}">
-        <p14:creationId xmlns:p14="http://schemas.microsoft.com/office/powerpoint/2010/main" val="3111360859"/>
+        <p14:creationId xmlns:p14="http://schemas.microsoft.com/office/powerpoint/2010/main" val="120124759"/>
       </p:ext>
     </p:extLst>
   </p:cSld>
@@ -1254,7 +1339,7 @@
     </p:spTree>
     <p:extLst>
       <p:ext uri="{BB962C8B-B14F-4D97-AF65-F5344CB8AC3E}">
-        <p14:creationId xmlns:p14="http://schemas.microsoft.com/office/powerpoint/2010/main" val="4254298060"/>
+        <p14:creationId xmlns:p14="http://schemas.microsoft.com/office/powerpoint/2010/main" val="3111360859"/>
       </p:ext>
     </p:extLst>
   </p:cSld>
@@ -1329,7 +1414,7 @@
           <a:p>
             <a:fld id="{EAA3EE7C-6BE9-AF47-A02D-EA93943F487C}" type="slidenum">
               <a:rPr kumimoji="1" lang="ja-JP" altLang="en-US" smtClean="0"/>
-              <a:t>11</a:t>
+              <a:t>10</a:t>
             </a:fld>
             <a:endParaRPr kumimoji="1" lang="ja-JP" altLang="en-US"/>
           </a:p>
@@ -1338,7 +1423,7 @@
     </p:spTree>
     <p:extLst>
       <p:ext uri="{BB962C8B-B14F-4D97-AF65-F5344CB8AC3E}">
-        <p14:creationId xmlns:p14="http://schemas.microsoft.com/office/powerpoint/2010/main" val="2591530175"/>
+        <p14:creationId xmlns:p14="http://schemas.microsoft.com/office/powerpoint/2010/main" val="4254298060"/>
       </p:ext>
     </p:extLst>
   </p:cSld>
@@ -2936,6 +3021,120 @@
           <p:cNvPr id="2" name="タイトル 1">
             <a:extLst>
               <a:ext uri="{FF2B5EF4-FFF2-40B4-BE49-F238E27FC236}">
+                <a16:creationId xmlns:a16="http://schemas.microsoft.com/office/drawing/2014/main" id="{725C0601-9E43-CFF5-9213-15A61DF194B6}"/>
+              </a:ext>
+            </a:extLst>
+          </p:cNvPr>
+          <p:cNvSpPr>
+            <a:spLocks noGrp="1"/>
+          </p:cNvSpPr>
+          <p:nvPr>
+            <p:ph type="ctrTitle"/>
+          </p:nvPr>
+        </p:nvSpPr>
+        <p:spPr>
+          <a:xfrm>
+            <a:off x="390144" y="1122363"/>
+            <a:ext cx="8351520" cy="2620582"/>
+          </a:xfrm>
+        </p:spPr>
+        <p:txBody>
+          <a:bodyPr>
+            <a:normAutofit/>
+          </a:bodyPr>
+          <a:lstStyle/>
+          <a:p>
+            <a:r>
+              <a:rPr kumimoji="1" lang="en-US" altLang="ja-JP" sz="4400" dirty="0">
+                <a:latin typeface="Hiragino Kaku Gothic Std W8" panose="020B0800000000000000" pitchFamily="34" charset="-128"/>
+                <a:ea typeface="Hiragino Kaku Gothic Std W8" panose="020B0800000000000000" pitchFamily="34" charset="-128"/>
+              </a:rPr>
+              <a:t>items</a:t>
+            </a:r>
+            <a:endParaRPr kumimoji="1" lang="ja-JP" altLang="en-US" sz="4400">
+              <a:latin typeface="Hiragino Kaku Gothic Std W8" panose="020B0800000000000000" pitchFamily="34" charset="-128"/>
+              <a:ea typeface="Hiragino Kaku Gothic Std W8" panose="020B0800000000000000" pitchFamily="34" charset="-128"/>
+            </a:endParaRPr>
+          </a:p>
+        </p:txBody>
+      </p:sp>
+      <p:sp>
+        <p:nvSpPr>
+          <p:cNvPr id="3" name="字幕 2">
+            <a:extLst>
+              <a:ext uri="{FF2B5EF4-FFF2-40B4-BE49-F238E27FC236}">
+                <a16:creationId xmlns:a16="http://schemas.microsoft.com/office/drawing/2014/main" id="{1F317453-2659-04C0-4374-F182FDA7C0E2}"/>
+              </a:ext>
+            </a:extLst>
+          </p:cNvPr>
+          <p:cNvSpPr>
+            <a:spLocks noGrp="1"/>
+          </p:cNvSpPr>
+          <p:nvPr>
+            <p:ph type="subTitle" idx="1"/>
+          </p:nvPr>
+        </p:nvSpPr>
+        <p:spPr>
+          <a:xfrm>
+            <a:off x="390143" y="4169664"/>
+            <a:ext cx="8351519" cy="963168"/>
+          </a:xfrm>
+        </p:spPr>
+        <p:txBody>
+          <a:bodyPr>
+            <a:normAutofit/>
+          </a:bodyPr>
+          <a:lstStyle/>
+          <a:p>
+            <a:r>
+              <a:rPr kumimoji="1" lang="en-US" altLang="ja-JP" dirty="0">
+                <a:latin typeface="Hiragino Kaku Gothic Std W8" panose="020B0800000000000000" pitchFamily="34" charset="-128"/>
+                <a:ea typeface="Hiragino Kaku Gothic Std W8" panose="020B0800000000000000" pitchFamily="34" charset="-128"/>
+              </a:rPr>
+              <a:t>name</a:t>
+            </a:r>
+            <a:endParaRPr kumimoji="1" lang="ja-JP" altLang="en-US">
+              <a:latin typeface="Hiragino Kaku Gothic Std W8" panose="020B0800000000000000" pitchFamily="34" charset="-128"/>
+              <a:ea typeface="Hiragino Kaku Gothic Std W8" panose="020B0800000000000000" pitchFamily="34" charset="-128"/>
+            </a:endParaRPr>
+          </a:p>
+        </p:txBody>
+      </p:sp>
+    </p:spTree>
+    <p:extLst>
+      <p:ext uri="{BB962C8B-B14F-4D97-AF65-F5344CB8AC3E}">
+        <p14:creationId xmlns:p14="http://schemas.microsoft.com/office/powerpoint/2010/main" val="593513300"/>
+      </p:ext>
+    </p:extLst>
+  </p:cSld>
+  <p:clrMapOvr>
+    <a:masterClrMapping/>
+  </p:clrMapOvr>
+</p:sld>
+</file>
+
+<file path=ppt/slides/slide11.xml><?xml version="1.0" encoding="utf-8"?>
+<p:sld xmlns:a="http://schemas.openxmlformats.org/drawingml/2006/main" xmlns:r="http://schemas.openxmlformats.org/officeDocument/2006/relationships" xmlns:p="http://schemas.openxmlformats.org/presentationml/2006/main">
+  <p:cSld>
+    <p:spTree>
+      <p:nvGrpSpPr>
+        <p:cNvPr id="1" name=""/>
+        <p:cNvGrpSpPr/>
+        <p:nvPr/>
+      </p:nvGrpSpPr>
+      <p:grpSpPr>
+        <a:xfrm>
+          <a:off x="0" y="0"/>
+          <a:ext cx="0" cy="0"/>
+          <a:chOff x="0" y="0"/>
+          <a:chExt cx="0" cy="0"/>
+        </a:xfrm>
+      </p:grpSpPr>
+      <p:sp>
+        <p:nvSpPr>
+          <p:cNvPr id="2" name="タイトル 1">
+            <a:extLst>
+              <a:ext uri="{FF2B5EF4-FFF2-40B4-BE49-F238E27FC236}">
                 <a16:creationId xmlns:a16="http://schemas.microsoft.com/office/drawing/2014/main" id="{09464A9F-DC19-9CAD-C3FE-B4957F307D5E}"/>
               </a:ext>
             </a:extLst>
@@ -3021,7 +3220,7 @@
           <a:p>
             <a:fld id="{48F63A3B-78C7-47BE-AE5E-E10140E04643}" type="slidenum">
               <a:rPr lang="en-US" smtClean="0"/>
-              <a:t>10</a:t>
+              <a:t>11</a:t>
             </a:fld>
             <a:r>
               <a:rPr lang="en-US"/>
@@ -3044,7 +3243,7 @@
 </p:sld>
 </file>
 
-<file path=ppt/slides/slide11.xml><?xml version="1.0" encoding="utf-8"?>
+<file path=ppt/slides/slide12.xml><?xml version="1.0" encoding="utf-8"?>
 <p:sld xmlns:a="http://schemas.openxmlformats.org/drawingml/2006/main" xmlns:r="http://schemas.openxmlformats.org/officeDocument/2006/relationships" xmlns:p="http://schemas.openxmlformats.org/presentationml/2006/main">
   <p:cSld>
     <p:spTree>
@@ -3218,7 +3417,7 @@
             <a:fld id="{48F63A3B-78C7-47BE-AE5E-E10140E04643}" type="slidenum">
               <a:rPr lang="en-US" smtClean="0"/>
               <a:pPr/>
-              <a:t>11</a:t>
+              <a:t>12</a:t>
             </a:fld>
             <a:r>
               <a:rPr lang="en-US"/>
@@ -3241,7 +3440,7 @@
 </p:sld>
 </file>
 
-<file path=ppt/slides/slide12.xml><?xml version="1.0" encoding="utf-8"?>
+<file path=ppt/slides/slide13.xml><?xml version="1.0" encoding="utf-8"?>
 <p:sld xmlns:a="http://schemas.openxmlformats.org/drawingml/2006/main" xmlns:r="http://schemas.openxmlformats.org/officeDocument/2006/relationships" xmlns:p="http://schemas.openxmlformats.org/presentationml/2006/main">
   <p:cSld>
     <p:spTree>
@@ -3345,7 +3544,7 @@
 </p:sld>
 </file>
 
-<file path=ppt/slides/slide13.xml><?xml version="1.0" encoding="utf-8"?>
+<file path=ppt/slides/slide14.xml><?xml version="1.0" encoding="utf-8"?>
 <p:sld xmlns:a="http://schemas.openxmlformats.org/drawingml/2006/main" xmlns:r="http://schemas.openxmlformats.org/officeDocument/2006/relationships" xmlns:p="http://schemas.openxmlformats.org/presentationml/2006/main">
   <p:cSld>
     <p:spTree>
@@ -4025,6 +4224,36 @@
           </a:p>
         </p:txBody>
       </p:sp>
+      <p:pic>
+        <p:nvPicPr>
+          <p:cNvPr id="9" name="図 8">
+            <a:extLst>
+              <a:ext uri="{FF2B5EF4-FFF2-40B4-BE49-F238E27FC236}">
+                <a16:creationId xmlns:a16="http://schemas.microsoft.com/office/drawing/2014/main" id="{D6AC8F08-8D42-991E-5A8E-541554F1F7D5}"/>
+              </a:ext>
+            </a:extLst>
+          </p:cNvPr>
+          <p:cNvPicPr>
+            <a:picLocks noChangeAspect="1"/>
+          </p:cNvPicPr>
+          <p:nvPr/>
+        </p:nvPicPr>
+        <p:blipFill>
+          <a:blip r:embed="rId3"/>
+          <a:stretch>
+            <a:fillRect/>
+          </a:stretch>
+        </p:blipFill>
+        <p:spPr>
+          <a:xfrm>
+            <a:off x="4962845" y="1699738"/>
+            <a:ext cx="2990210" cy="1313871"/>
+          </a:xfrm>
+          <a:prstGeom prst="rect">
+            <a:avLst/>
+          </a:prstGeom>
+        </p:spPr>
+      </p:pic>
     </p:spTree>
     <p:extLst>
       <p:ext uri="{BB962C8B-B14F-4D97-AF65-F5344CB8AC3E}">
@@ -4475,7 +4704,9 @@
           </a:xfrm>
         </p:spPr>
         <p:txBody>
-          <a:bodyPr/>
+          <a:bodyPr>
+            <a:normAutofit/>
+          </a:bodyPr>
           <a:lstStyle/>
           <a:p>
             <a:pPr marL="0" indent="0" eaLnBrk="0">
@@ -4487,10 +4718,91 @@
               </a:spcBef>
               <a:buNone/>
             </a:pPr>
-            <a:r>
-              <a:rPr lang="en-US" altLang="ja-JP" sz="1800" dirty="0"/>
-              <a:t>hello</a:t>
-            </a:r>
+            <a:endParaRPr lang="en-US" altLang="ja-JP" sz="1800" dirty="0"/>
+          </a:p>
+          <a:p>
+            <a:pPr marL="0" indent="0" eaLnBrk="0">
+              <a:lnSpc>
+                <a:spcPct val="150000"/>
+              </a:lnSpc>
+              <a:spcBef>
+                <a:spcPts val="0"/>
+              </a:spcBef>
+              <a:buNone/>
+            </a:pPr>
+            <a:r>
+              <a:rPr lang="ja-JP" altLang="en-US" sz="1800"/>
+              <a:t>今まで授業では、歪みのない時空で物理学を考えた。そこでは、屈折率が変化しなければ「光が曲がって観測者に届く」という現象は起きない。</a:t>
+            </a:r>
+            <a:endParaRPr lang="en-US" altLang="ja-JP" sz="1800" dirty="0"/>
+          </a:p>
+          <a:p>
+            <a:pPr marL="0" indent="0" eaLnBrk="0">
+              <a:lnSpc>
+                <a:spcPct val="150000"/>
+              </a:lnSpc>
+              <a:spcBef>
+                <a:spcPts val="0"/>
+              </a:spcBef>
+              <a:buNone/>
+            </a:pPr>
+            <a:endParaRPr lang="en-US" altLang="ja-JP" sz="1800" dirty="0"/>
+          </a:p>
+          <a:p>
+            <a:pPr marL="0" indent="0" eaLnBrk="0">
+              <a:lnSpc>
+                <a:spcPct val="150000"/>
+              </a:lnSpc>
+              <a:spcBef>
+                <a:spcPts val="0"/>
+              </a:spcBef>
+              <a:buNone/>
+            </a:pPr>
+            <a:r>
+              <a:rPr lang="ja-JP" altLang="en-US" sz="1800"/>
+              <a:t>しかし、一般相対論を用いて歪んだ時空を考えると、光は歪んだ時空の上を進むので、この現象が起きる。</a:t>
+            </a:r>
+            <a:endParaRPr lang="en-US" altLang="ja-JP" sz="1800" dirty="0"/>
+          </a:p>
+          <a:p>
+            <a:pPr marL="0" indent="0" eaLnBrk="0">
+              <a:lnSpc>
+                <a:spcPct val="150000"/>
+              </a:lnSpc>
+              <a:spcBef>
+                <a:spcPts val="0"/>
+              </a:spcBef>
+              <a:buNone/>
+            </a:pPr>
+            <a:endParaRPr lang="en-US" altLang="ja-JP" sz="1800" dirty="0"/>
+          </a:p>
+          <a:p>
+            <a:pPr marL="0" indent="0" eaLnBrk="0">
+              <a:lnSpc>
+                <a:spcPct val="150000"/>
+              </a:lnSpc>
+              <a:spcBef>
+                <a:spcPts val="0"/>
+              </a:spcBef>
+              <a:buNone/>
+            </a:pPr>
+            <a:r>
+              <a:rPr lang="ja-JP" altLang="en-US" sz="1800"/>
+              <a:t>そこで今回は、時空を大きく歪ませるブラックホールの周りに、発光している薄い円盤を設定し、その観測結果を予測してこの現象について考える。</a:t>
+            </a:r>
+            <a:endParaRPr lang="en-US" altLang="ja-JP" sz="1800" dirty="0"/>
+          </a:p>
+          <a:p>
+            <a:pPr marL="0" indent="0" eaLnBrk="0">
+              <a:lnSpc>
+                <a:spcPct val="150000"/>
+              </a:lnSpc>
+              <a:spcBef>
+                <a:spcPts val="0"/>
+              </a:spcBef>
+              <a:buNone/>
+            </a:pPr>
+            <a:endParaRPr lang="en-US" altLang="ja-JP" sz="1800" dirty="0"/>
           </a:p>
         </p:txBody>
       </p:sp>
@@ -4519,6 +4831,202 @@
               <a:rPr lang="en-US" smtClean="0"/>
               <a:pPr/>
               <a:t>4</a:t>
+            </a:fld>
+            <a:r>
+              <a:rPr lang="en-US"/>
+              <a:t>/n</a:t>
+            </a:r>
+            <a:endParaRPr lang="en-US" dirty="0"/>
+          </a:p>
+        </p:txBody>
+      </p:sp>
+    </p:spTree>
+    <p:extLst>
+      <p:ext uri="{BB962C8B-B14F-4D97-AF65-F5344CB8AC3E}">
+        <p14:creationId xmlns:p14="http://schemas.microsoft.com/office/powerpoint/2010/main" val="4024161922"/>
+      </p:ext>
+    </p:extLst>
+  </p:cSld>
+  <p:clrMapOvr>
+    <a:masterClrMapping/>
+  </p:clrMapOvr>
+</p:sld>
+</file>
+
+<file path=ppt/slides/slide5.xml><?xml version="1.0" encoding="utf-8"?>
+<p:sld xmlns:a="http://schemas.openxmlformats.org/drawingml/2006/main" xmlns:r="http://schemas.openxmlformats.org/officeDocument/2006/relationships" xmlns:p="http://schemas.openxmlformats.org/presentationml/2006/main">
+  <p:cSld>
+    <p:spTree>
+      <p:nvGrpSpPr>
+        <p:cNvPr id="1" name=""/>
+        <p:cNvGrpSpPr/>
+        <p:nvPr/>
+      </p:nvGrpSpPr>
+      <p:grpSpPr>
+        <a:xfrm>
+          <a:off x="0" y="0"/>
+          <a:ext cx="0" cy="0"/>
+          <a:chOff x="0" y="0"/>
+          <a:chExt cx="0" cy="0"/>
+        </a:xfrm>
+      </p:grpSpPr>
+      <p:sp>
+        <p:nvSpPr>
+          <p:cNvPr id="4" name="正方形/長方形 3">
+            <a:extLst>
+              <a:ext uri="{FF2B5EF4-FFF2-40B4-BE49-F238E27FC236}">
+                <a16:creationId xmlns:a16="http://schemas.microsoft.com/office/drawing/2014/main" id="{9CF5ADBC-63D6-C438-7B21-4E435C4E2EC9}"/>
+              </a:ext>
+            </a:extLst>
+          </p:cNvPr>
+          <p:cNvSpPr/>
+          <p:nvPr/>
+        </p:nvSpPr>
+        <p:spPr>
+          <a:xfrm>
+            <a:off x="-1" y="0"/>
+            <a:ext cx="9144001" cy="984738"/>
+          </a:xfrm>
+          <a:prstGeom prst="rect">
+            <a:avLst/>
+          </a:prstGeom>
+          <a:solidFill>
+            <a:schemeClr val="bg2"/>
+          </a:solidFill>
+          <a:ln>
+            <a:noFill/>
+          </a:ln>
+        </p:spPr>
+        <p:style>
+          <a:lnRef idx="2">
+            <a:schemeClr val="accent1">
+              <a:shade val="15000"/>
+            </a:schemeClr>
+          </a:lnRef>
+          <a:fillRef idx="1">
+            <a:schemeClr val="accent1"/>
+          </a:fillRef>
+          <a:effectRef idx="0">
+            <a:schemeClr val="accent1"/>
+          </a:effectRef>
+          <a:fontRef idx="minor">
+            <a:schemeClr val="lt1"/>
+          </a:fontRef>
+        </p:style>
+        <p:txBody>
+          <a:bodyPr rtlCol="0" anchor="ctr"/>
+          <a:lstStyle/>
+          <a:p>
+            <a:pPr algn="ctr"/>
+            <a:endParaRPr kumimoji="1" lang="ja-JP" altLang="en-US"/>
+          </a:p>
+        </p:txBody>
+      </p:sp>
+      <p:sp>
+        <p:nvSpPr>
+          <p:cNvPr id="2" name="タイトル 1">
+            <a:extLst>
+              <a:ext uri="{FF2B5EF4-FFF2-40B4-BE49-F238E27FC236}">
+                <a16:creationId xmlns:a16="http://schemas.microsoft.com/office/drawing/2014/main" id="{39E3549D-C0BB-FB83-4188-F1CA43005809}"/>
+              </a:ext>
+            </a:extLst>
+          </p:cNvPr>
+          <p:cNvSpPr>
+            <a:spLocks noGrp="1"/>
+          </p:cNvSpPr>
+          <p:nvPr>
+            <p:ph type="title"/>
+          </p:nvPr>
+        </p:nvSpPr>
+        <p:spPr>
+          <a:xfrm>
+            <a:off x="628650" y="67622"/>
+            <a:ext cx="7886700" cy="984738"/>
+          </a:xfrm>
+        </p:spPr>
+        <p:txBody>
+          <a:bodyPr>
+            <a:normAutofit/>
+          </a:bodyPr>
+          <a:lstStyle/>
+          <a:p>
+            <a:r>
+              <a:rPr kumimoji="1" lang="ja-JP" altLang="en-US">
+                <a:latin typeface="Hiragino Kaku Gothic Std W8" panose="020B0800000000000000" pitchFamily="34" charset="-128"/>
+                <a:ea typeface="Hiragino Kaku Gothic Std W8" panose="020B0800000000000000" pitchFamily="34" charset="-128"/>
+              </a:rPr>
+              <a:t>導入</a:t>
+            </a:r>
+          </a:p>
+        </p:txBody>
+      </p:sp>
+      <p:sp>
+        <p:nvSpPr>
+          <p:cNvPr id="3" name="コンテンツ プレースホルダー 2">
+            <a:extLst>
+              <a:ext uri="{FF2B5EF4-FFF2-40B4-BE49-F238E27FC236}">
+                <a16:creationId xmlns:a16="http://schemas.microsoft.com/office/drawing/2014/main" id="{BCD1B691-85A7-B4C2-5EFB-79B01824458A}"/>
+              </a:ext>
+            </a:extLst>
+          </p:cNvPr>
+          <p:cNvSpPr>
+            <a:spLocks noGrp="1"/>
+          </p:cNvSpPr>
+          <p:nvPr>
+            <p:ph idx="1"/>
+          </p:nvPr>
+        </p:nvSpPr>
+        <p:spPr>
+          <a:xfrm>
+            <a:off x="628650" y="1242646"/>
+            <a:ext cx="7886700" cy="5248800"/>
+          </a:xfrm>
+        </p:spPr>
+        <p:txBody>
+          <a:bodyPr/>
+          <a:lstStyle/>
+          <a:p>
+            <a:pPr marL="0" indent="0" eaLnBrk="0">
+              <a:lnSpc>
+                <a:spcPct val="150000"/>
+              </a:lnSpc>
+              <a:spcBef>
+                <a:spcPts val="0"/>
+              </a:spcBef>
+              <a:buNone/>
+            </a:pPr>
+            <a:r>
+              <a:rPr lang="en-US" altLang="ja-JP" sz="1800" dirty="0"/>
+              <a:t>hello</a:t>
+            </a:r>
+          </a:p>
+        </p:txBody>
+      </p:sp>
+      <p:sp>
+        <p:nvSpPr>
+          <p:cNvPr id="7" name="スライド番号プレースホルダー 6">
+            <a:extLst>
+              <a:ext uri="{FF2B5EF4-FFF2-40B4-BE49-F238E27FC236}">
+                <a16:creationId xmlns:a16="http://schemas.microsoft.com/office/drawing/2014/main" id="{DB788B49-CBD5-4AB0-B2D0-FDA6C4BD4D0C}"/>
+              </a:ext>
+            </a:extLst>
+          </p:cNvPr>
+          <p:cNvSpPr>
+            <a:spLocks noGrp="1"/>
+          </p:cNvSpPr>
+          <p:nvPr>
+            <p:ph type="sldNum" sz="quarter" idx="12"/>
+          </p:nvPr>
+        </p:nvSpPr>
+        <p:spPr/>
+        <p:txBody>
+          <a:bodyPr/>
+          <a:lstStyle/>
+          <a:p>
+            <a:fld id="{48F63A3B-78C7-47BE-AE5E-E10140E04643}" type="slidenum">
+              <a:rPr lang="en-US" smtClean="0"/>
+              <a:pPr/>
+              <a:t>5</a:t>
             </a:fld>
             <a:r>
               <a:rPr lang="en-US"/>
@@ -4616,7 +5124,7 @@
 </p:sld>
 </file>
 
-<file path=ppt/slides/slide5.xml><?xml version="1.0" encoding="utf-8"?>
+<file path=ppt/slides/slide6.xml><?xml version="1.0" encoding="utf-8"?>
 <p:sld xmlns:a="http://schemas.openxmlformats.org/drawingml/2006/main" xmlns:r="http://schemas.openxmlformats.org/officeDocument/2006/relationships" xmlns:p="http://schemas.openxmlformats.org/presentationml/2006/main">
   <p:cSld>
     <p:spTree>
@@ -4723,7 +5231,7 @@
           <a:p>
             <a:fld id="{48F63A3B-78C7-47BE-AE5E-E10140E04643}" type="slidenum">
               <a:rPr lang="en-US" smtClean="0"/>
-              <a:t>5</a:t>
+              <a:t>6</a:t>
             </a:fld>
             <a:r>
               <a:rPr lang="en-US"/>
@@ -4746,7 +5254,7 @@
 </p:sld>
 </file>
 
-<file path=ppt/slides/slide6.xml><?xml version="1.0" encoding="utf-8"?>
+<file path=ppt/slides/slide7.xml><?xml version="1.0" encoding="utf-8"?>
 <p:sld xmlns:a="http://schemas.openxmlformats.org/drawingml/2006/main" xmlns:r="http://schemas.openxmlformats.org/officeDocument/2006/relationships" xmlns:p="http://schemas.openxmlformats.org/presentationml/2006/main">
   <p:cSld>
     <p:spTree>
@@ -5144,7 +5652,7 @@
             <a:fld id="{48F63A3B-78C7-47BE-AE5E-E10140E04643}" type="slidenum">
               <a:rPr lang="en-US" smtClean="0"/>
               <a:pPr/>
-              <a:t>6</a:t>
+              <a:t>7</a:t>
             </a:fld>
             <a:r>
               <a:rPr lang="en-US"/>
@@ -5257,7 +5765,7 @@
 </p:sld>
 </file>
 
-<file path=ppt/slides/slide7.xml><?xml version="1.0" encoding="utf-8"?>
+<file path=ppt/slides/slide8.xml><?xml version="1.0" encoding="utf-8"?>
 <p:sld xmlns:a="http://schemas.openxmlformats.org/drawingml/2006/main" xmlns:r="http://schemas.openxmlformats.org/officeDocument/2006/relationships" xmlns:p="http://schemas.openxmlformats.org/presentationml/2006/main">
   <p:cSld>
     <p:spTree>
@@ -5654,7 +6162,7 @@
             <a:fld id="{48F63A3B-78C7-47BE-AE5E-E10140E04643}" type="slidenum">
               <a:rPr lang="en-US" smtClean="0"/>
               <a:pPr/>
-              <a:t>7</a:t>
+              <a:t>8</a:t>
             </a:fld>
             <a:r>
               <a:rPr lang="en-US"/>
@@ -5857,7 +6365,7 @@
 </p:sld>
 </file>
 
-<file path=ppt/slides/slide8.xml><?xml version="1.0" encoding="utf-8"?>
+<file path=ppt/slides/slide9.xml><?xml version="1.0" encoding="utf-8"?>
 <p:sld xmlns:a="http://schemas.openxmlformats.org/drawingml/2006/main" xmlns:r="http://schemas.openxmlformats.org/officeDocument/2006/relationships" xmlns:p="http://schemas.openxmlformats.org/presentationml/2006/main">
   <p:cSld>
     <p:spTree>
@@ -5992,7 +6500,7 @@
             <a:fld id="{48F63A3B-78C7-47BE-AE5E-E10140E04643}" type="slidenum">
               <a:rPr lang="en-US" smtClean="0"/>
               <a:pPr/>
-              <a:t>8</a:t>
+              <a:t>9</a:t>
             </a:fld>
             <a:r>
               <a:rPr lang="en-US"/>
@@ -6322,120 +6830,6 @@
     <p:extLst>
       <p:ext uri="{BB962C8B-B14F-4D97-AF65-F5344CB8AC3E}">
         <p14:creationId xmlns:p14="http://schemas.microsoft.com/office/powerpoint/2010/main" val="4206851492"/>
-      </p:ext>
-    </p:extLst>
-  </p:cSld>
-  <p:clrMapOvr>
-    <a:masterClrMapping/>
-  </p:clrMapOvr>
-</p:sld>
-</file>
-
-<file path=ppt/slides/slide9.xml><?xml version="1.0" encoding="utf-8"?>
-<p:sld xmlns:a="http://schemas.openxmlformats.org/drawingml/2006/main" xmlns:r="http://schemas.openxmlformats.org/officeDocument/2006/relationships" xmlns:p="http://schemas.openxmlformats.org/presentationml/2006/main">
-  <p:cSld>
-    <p:spTree>
-      <p:nvGrpSpPr>
-        <p:cNvPr id="1" name=""/>
-        <p:cNvGrpSpPr/>
-        <p:nvPr/>
-      </p:nvGrpSpPr>
-      <p:grpSpPr>
-        <a:xfrm>
-          <a:off x="0" y="0"/>
-          <a:ext cx="0" cy="0"/>
-          <a:chOff x="0" y="0"/>
-          <a:chExt cx="0" cy="0"/>
-        </a:xfrm>
-      </p:grpSpPr>
-      <p:sp>
-        <p:nvSpPr>
-          <p:cNvPr id="2" name="タイトル 1">
-            <a:extLst>
-              <a:ext uri="{FF2B5EF4-FFF2-40B4-BE49-F238E27FC236}">
-                <a16:creationId xmlns:a16="http://schemas.microsoft.com/office/drawing/2014/main" id="{725C0601-9E43-CFF5-9213-15A61DF194B6}"/>
-              </a:ext>
-            </a:extLst>
-          </p:cNvPr>
-          <p:cNvSpPr>
-            <a:spLocks noGrp="1"/>
-          </p:cNvSpPr>
-          <p:nvPr>
-            <p:ph type="ctrTitle"/>
-          </p:nvPr>
-        </p:nvSpPr>
-        <p:spPr>
-          <a:xfrm>
-            <a:off x="390144" y="1122363"/>
-            <a:ext cx="8351520" cy="2620582"/>
-          </a:xfrm>
-        </p:spPr>
-        <p:txBody>
-          <a:bodyPr>
-            <a:normAutofit/>
-          </a:bodyPr>
-          <a:lstStyle/>
-          <a:p>
-            <a:r>
-              <a:rPr kumimoji="1" lang="en-US" altLang="ja-JP" sz="4400" dirty="0">
-                <a:latin typeface="Hiragino Kaku Gothic Std W8" panose="020B0800000000000000" pitchFamily="34" charset="-128"/>
-                <a:ea typeface="Hiragino Kaku Gothic Std W8" panose="020B0800000000000000" pitchFamily="34" charset="-128"/>
-              </a:rPr>
-              <a:t>items</a:t>
-            </a:r>
-            <a:endParaRPr kumimoji="1" lang="ja-JP" altLang="en-US" sz="4400">
-              <a:latin typeface="Hiragino Kaku Gothic Std W8" panose="020B0800000000000000" pitchFamily="34" charset="-128"/>
-              <a:ea typeface="Hiragino Kaku Gothic Std W8" panose="020B0800000000000000" pitchFamily="34" charset="-128"/>
-            </a:endParaRPr>
-          </a:p>
-        </p:txBody>
-      </p:sp>
-      <p:sp>
-        <p:nvSpPr>
-          <p:cNvPr id="3" name="字幕 2">
-            <a:extLst>
-              <a:ext uri="{FF2B5EF4-FFF2-40B4-BE49-F238E27FC236}">
-                <a16:creationId xmlns:a16="http://schemas.microsoft.com/office/drawing/2014/main" id="{1F317453-2659-04C0-4374-F182FDA7C0E2}"/>
-              </a:ext>
-            </a:extLst>
-          </p:cNvPr>
-          <p:cNvSpPr>
-            <a:spLocks noGrp="1"/>
-          </p:cNvSpPr>
-          <p:nvPr>
-            <p:ph type="subTitle" idx="1"/>
-          </p:nvPr>
-        </p:nvSpPr>
-        <p:spPr>
-          <a:xfrm>
-            <a:off x="390143" y="4169664"/>
-            <a:ext cx="8351519" cy="963168"/>
-          </a:xfrm>
-        </p:spPr>
-        <p:txBody>
-          <a:bodyPr>
-            <a:normAutofit/>
-          </a:bodyPr>
-          <a:lstStyle/>
-          <a:p>
-            <a:r>
-              <a:rPr kumimoji="1" lang="en-US" altLang="ja-JP" dirty="0">
-                <a:latin typeface="Hiragino Kaku Gothic Std W8" panose="020B0800000000000000" pitchFamily="34" charset="-128"/>
-                <a:ea typeface="Hiragino Kaku Gothic Std W8" panose="020B0800000000000000" pitchFamily="34" charset="-128"/>
-              </a:rPr>
-              <a:t>name</a:t>
-            </a:r>
-            <a:endParaRPr kumimoji="1" lang="ja-JP" altLang="en-US">
-              <a:latin typeface="Hiragino Kaku Gothic Std W8" panose="020B0800000000000000" pitchFamily="34" charset="-128"/>
-              <a:ea typeface="Hiragino Kaku Gothic Std W8" panose="020B0800000000000000" pitchFamily="34" charset="-128"/>
-            </a:endParaRPr>
-          </a:p>
-        </p:txBody>
-      </p:sp>
-    </p:spTree>
-    <p:extLst>
-      <p:ext uri="{BB962C8B-B14F-4D97-AF65-F5344CB8AC3E}">
-        <p14:creationId xmlns:p14="http://schemas.microsoft.com/office/powerpoint/2010/main" val="593513300"/>
       </p:ext>
     </p:extLst>
   </p:cSld>
